--- a/Slides/Azure and Terraform Workshop - Chapter 4.pptx
+++ b/Slides/Azure and Terraform Workshop - Chapter 4.pptx
@@ -2,31 +2,31 @@
 <file path=ppt/presentation.xml><?xml version="1.0" encoding="utf-8"?>
 <p:presentation xmlns:a="http://schemas.openxmlformats.org/drawingml/2006/main" xmlns:r="http://schemas.openxmlformats.org/officeDocument/2006/relationships" xmlns:p="http://schemas.openxmlformats.org/presentationml/2006/main">
   <p:sldMasterIdLst>
-    <p:sldMasterId id="2147483648" r:id="rId5"/>
+    <p:sldMasterId id="2147483648" r:id="rId1"/>
   </p:sldMasterIdLst>
   <p:notesMasterIdLst>
-    <p:notesMasterId r:id="rId7"/>
+    <p:notesMasterId r:id="rId21"/>
   </p:notesMasterIdLst>
   <p:sldIdLst>
-    <p:sldId id="256" r:id="rId8"/>
-    <p:sldId id="257" r:id="rId9"/>
-    <p:sldId id="258" r:id="rId10"/>
-    <p:sldId id="259" r:id="rId11"/>
-    <p:sldId id="260" r:id="rId12"/>
-    <p:sldId id="261" r:id="rId13"/>
-    <p:sldId id="262" r:id="rId14"/>
-    <p:sldId id="263" r:id="rId15"/>
-    <p:sldId id="264" r:id="rId16"/>
-    <p:sldId id="265" r:id="rId17"/>
-    <p:sldId id="266" r:id="rId18"/>
-    <p:sldId id="267" r:id="rId19"/>
-    <p:sldId id="268" r:id="rId20"/>
-    <p:sldId id="269" r:id="rId21"/>
-    <p:sldId id="270" r:id="rId22"/>
-    <p:sldId id="271" r:id="rId23"/>
-    <p:sldId id="272" r:id="rId24"/>
-    <p:sldId id="273" r:id="rId25"/>
-    <p:sldId id="274" r:id="rId26"/>
+    <p:sldId id="256" r:id="rId2"/>
+    <p:sldId id="257" r:id="rId3"/>
+    <p:sldId id="258" r:id="rId4"/>
+    <p:sldId id="259" r:id="rId5"/>
+    <p:sldId id="260" r:id="rId6"/>
+    <p:sldId id="261" r:id="rId7"/>
+    <p:sldId id="262" r:id="rId8"/>
+    <p:sldId id="263" r:id="rId9"/>
+    <p:sldId id="264" r:id="rId10"/>
+    <p:sldId id="265" r:id="rId11"/>
+    <p:sldId id="266" r:id="rId12"/>
+    <p:sldId id="267" r:id="rId13"/>
+    <p:sldId id="268" r:id="rId14"/>
+    <p:sldId id="269" r:id="rId15"/>
+    <p:sldId id="270" r:id="rId16"/>
+    <p:sldId id="271" r:id="rId17"/>
+    <p:sldId id="272" r:id="rId18"/>
+    <p:sldId id="273" r:id="rId19"/>
+    <p:sldId id="274" r:id="rId20"/>
   </p:sldIdLst>
   <p:sldSz cx="24384000" cy="13716000"/>
   <p:notesSz cx="6858000" cy="9144000"/>
@@ -46,7 +46,7 @@
       <a:buFontTx/>
       <a:buNone/>
       <a:tabLst/>
-      <a:defRPr b="0" baseline="0" cap="none" i="0" spc="0" strike="noStrike" sz="1800" u="none" kumimoji="0" normalizeH="0">
+      <a:defRPr kumimoji="0" sz="1800" b="0" i="0" u="none" strike="noStrike" cap="none" spc="0" normalizeH="0" baseline="0">
         <a:ln>
           <a:noFill/>
         </a:ln>
@@ -72,7 +72,7 @@
       <a:buFontTx/>
       <a:buNone/>
       <a:tabLst/>
-      <a:defRPr b="1" baseline="0" cap="none" i="0" spc="0" strike="noStrike" sz="3200" u="none" kumimoji="0" normalizeH="0">
+      <a:defRPr kumimoji="0" sz="3200" b="1" i="0" u="none" strike="noStrike" cap="none" spc="0" normalizeH="0" baseline="0">
         <a:ln>
           <a:noFill/>
         </a:ln>
@@ -102,7 +102,7 @@
       <a:buFontTx/>
       <a:buNone/>
       <a:tabLst/>
-      <a:defRPr b="1" baseline="0" cap="none" i="0" spc="0" strike="noStrike" sz="3200" u="none" kumimoji="0" normalizeH="0">
+      <a:defRPr kumimoji="0" sz="3200" b="1" i="0" u="none" strike="noStrike" cap="none" spc="0" normalizeH="0" baseline="0">
         <a:ln>
           <a:noFill/>
         </a:ln>
@@ -132,7 +132,7 @@
       <a:buFontTx/>
       <a:buNone/>
       <a:tabLst/>
-      <a:defRPr b="1" baseline="0" cap="none" i="0" spc="0" strike="noStrike" sz="3200" u="none" kumimoji="0" normalizeH="0">
+      <a:defRPr kumimoji="0" sz="3200" b="1" i="0" u="none" strike="noStrike" cap="none" spc="0" normalizeH="0" baseline="0">
         <a:ln>
           <a:noFill/>
         </a:ln>
@@ -162,7 +162,7 @@
       <a:buFontTx/>
       <a:buNone/>
       <a:tabLst/>
-      <a:defRPr b="1" baseline="0" cap="none" i="0" spc="0" strike="noStrike" sz="3200" u="none" kumimoji="0" normalizeH="0">
+      <a:defRPr kumimoji="0" sz="3200" b="1" i="0" u="none" strike="noStrike" cap="none" spc="0" normalizeH="0" baseline="0">
         <a:ln>
           <a:noFill/>
         </a:ln>
@@ -192,7 +192,7 @@
       <a:buFontTx/>
       <a:buNone/>
       <a:tabLst/>
-      <a:defRPr b="1" baseline="0" cap="none" i="0" spc="0" strike="noStrike" sz="3200" u="none" kumimoji="0" normalizeH="0">
+      <a:defRPr kumimoji="0" sz="3200" b="1" i="0" u="none" strike="noStrike" cap="none" spc="0" normalizeH="0" baseline="0">
         <a:ln>
           <a:noFill/>
         </a:ln>
@@ -222,7 +222,7 @@
       <a:buFontTx/>
       <a:buNone/>
       <a:tabLst/>
-      <a:defRPr b="1" baseline="0" cap="none" i="0" spc="0" strike="noStrike" sz="3200" u="none" kumimoji="0" normalizeH="0">
+      <a:defRPr kumimoji="0" sz="3200" b="1" i="0" u="none" strike="noStrike" cap="none" spc="0" normalizeH="0" baseline="0">
         <a:ln>
           <a:noFill/>
         </a:ln>
@@ -252,7 +252,7 @@
       <a:buFontTx/>
       <a:buNone/>
       <a:tabLst/>
-      <a:defRPr b="1" baseline="0" cap="none" i="0" spc="0" strike="noStrike" sz="3200" u="none" kumimoji="0" normalizeH="0">
+      <a:defRPr kumimoji="0" sz="3200" b="1" i="0" u="none" strike="noStrike" cap="none" spc="0" normalizeH="0" baseline="0">
         <a:ln>
           <a:noFill/>
         </a:ln>
@@ -282,7 +282,7 @@
       <a:buFontTx/>
       <a:buNone/>
       <a:tabLst/>
-      <a:defRPr b="1" baseline="0" cap="none" i="0" spc="0" strike="noStrike" sz="3200" u="none" kumimoji="0" normalizeH="0">
+      <a:defRPr kumimoji="0" sz="3200" b="1" i="0" u="none" strike="noStrike" cap="none" spc="0" normalizeH="0" baseline="0">
         <a:ln>
           <a:noFill/>
         </a:ln>
@@ -312,7 +312,7 @@
       <a:buFontTx/>
       <a:buNone/>
       <a:tabLst/>
-      <a:defRPr b="1" baseline="0" cap="none" i="0" spc="0" strike="noStrike" sz="3200" u="none" kumimoji="0" normalizeH="0">
+      <a:defRPr kumimoji="0" sz="3200" b="1" i="0" u="none" strike="noStrike" cap="none" spc="0" normalizeH="0" baseline="0">
         <a:ln>
           <a:noFill/>
         </a:ln>
@@ -331,13 +331,14 @@
 </p:presentation>
 </file>
 
-<file path=ppt/commentAuthors.xml><?xml version="1.0" encoding="utf-8"?>
-<p:cmAuthorLst xmlns:a="http://schemas.openxmlformats.org/drawingml/2006/main" xmlns:r="http://schemas.openxmlformats.org/officeDocument/2006/relationships" xmlns:p="http://schemas.openxmlformats.org/presentationml/2006/main"/>
-</file>
-
 <file path=ppt/notesMasters/notesMaster1.xml><?xml version="1.0" encoding="utf-8"?>
 <p:notesMaster xmlns:a="http://schemas.openxmlformats.org/drawingml/2006/main" xmlns:r="http://schemas.openxmlformats.org/officeDocument/2006/relationships" xmlns:p="http://schemas.openxmlformats.org/presentationml/2006/main">
   <p:cSld>
+    <p:bg>
+      <p:bgRef idx="1001">
+        <a:schemeClr val="bg1"/>
+      </p:bgRef>
+    </p:bg>
     <p:spTree>
       <p:nvGrpSpPr>
         <p:cNvPr id="1" name=""/>
@@ -355,7 +356,9 @@
       <p:sp>
         <p:nvSpPr>
           <p:cNvPr id="170" name="Shape 170"/>
-          <p:cNvSpPr/>
+          <p:cNvSpPr>
+            <a:spLocks noGrp="1" noRot="1" noChangeAspect="1"/>
+          </p:cNvSpPr>
           <p:nvPr>
             <p:ph type="sldImg"/>
           </p:nvPr>
@@ -373,14 +376,16 @@
           <a:bodyPr/>
           <a:lstStyle/>
           <a:p>
-            <a:pPr/>
+            <a:endParaRPr/>
           </a:p>
         </p:txBody>
       </p:sp>
       <p:sp>
         <p:nvSpPr>
           <p:cNvPr id="171" name="Shape 171"/>
-          <p:cNvSpPr/>
+          <p:cNvSpPr>
+            <a:spLocks noGrp="1"/>
+          </p:cNvSpPr>
           <p:nvPr>
             <p:ph type="body" sz="quarter" idx="1"/>
           </p:nvPr>
@@ -398,7 +403,7 @@
           <a:bodyPr/>
           <a:lstStyle/>
           <a:p>
-            <a:pPr/>
+            <a:endParaRPr/>
           </a:p>
         </p:txBody>
       </p:sp>
@@ -510,7 +515,7 @@
 </file>
 
 <file path=ppt/notesSlides/notesSlide1.xml><?xml version="1.0" encoding="utf-8"?>
-<p:notes xmlns:a="http://schemas.openxmlformats.org/drawingml/2006/main" xmlns:r="http://schemas.openxmlformats.org/officeDocument/2006/relationships" xmlns:p="http://schemas.openxmlformats.org/presentationml/2006/main" showMasterSp="1" showMasterPhAnim="1">
+<p:notes xmlns:a="http://schemas.openxmlformats.org/drawingml/2006/main" xmlns:r="http://schemas.openxmlformats.org/officeDocument/2006/relationships" xmlns:p="http://schemas.openxmlformats.org/presentationml/2006/main">
   <p:cSld>
     <p:spTree>
       <p:nvGrpSpPr>
@@ -529,7 +534,9 @@
       <p:sp>
         <p:nvSpPr>
           <p:cNvPr id="174" name="Shape 174"/>
-          <p:cNvSpPr/>
+          <p:cNvSpPr>
+            <a:spLocks noGrp="1" noRot="1" noChangeAspect="1"/>
+          </p:cNvSpPr>
           <p:nvPr>
             <p:ph type="sldImg"/>
           </p:nvPr>
@@ -543,14 +550,16 @@
           <a:bodyPr/>
           <a:lstStyle/>
           <a:p>
-            <a:pPr/>
+            <a:endParaRPr/>
           </a:p>
         </p:txBody>
       </p:sp>
       <p:sp>
         <p:nvSpPr>
           <p:cNvPr id="175" name="Shape 175"/>
-          <p:cNvSpPr/>
+          <p:cNvSpPr>
+            <a:spLocks noGrp="1"/>
+          </p:cNvSpPr>
           <p:nvPr>
             <p:ph type="body" sz="quarter" idx="1"/>
           </p:nvPr>
@@ -573,7 +582,6 @@
             </a:lvl1pPr>
           </a:lstStyle>
           <a:p>
-            <a:pPr/>
             <a:r>
               <a:t>The previous example provides a nice segway to discuss state - the way Terraform stores and manages resource data. </a:t>
             </a:r>
@@ -589,7 +597,7 @@
 </file>
 
 <file path=ppt/notesSlides/notesSlide10.xml><?xml version="1.0" encoding="utf-8"?>
-<p:notes xmlns:a="http://schemas.openxmlformats.org/drawingml/2006/main" xmlns:r="http://schemas.openxmlformats.org/officeDocument/2006/relationships" xmlns:p="http://schemas.openxmlformats.org/presentationml/2006/main" showMasterSp="1" showMasterPhAnim="1">
+<p:notes xmlns:a="http://schemas.openxmlformats.org/drawingml/2006/main" xmlns:r="http://schemas.openxmlformats.org/officeDocument/2006/relationships" xmlns:p="http://schemas.openxmlformats.org/presentationml/2006/main">
   <p:cSld>
     <p:spTree>
       <p:nvGrpSpPr>
@@ -608,12 +616,18 @@
       <p:sp>
         <p:nvSpPr>
           <p:cNvPr id="226" name="Shape 226"/>
-          <p:cNvSpPr/>
+          <p:cNvSpPr>
+            <a:spLocks noGrp="1" noRot="1" noChangeAspect="1"/>
+          </p:cNvSpPr>
           <p:nvPr>
             <p:ph type="sldImg"/>
           </p:nvPr>
         </p:nvSpPr>
         <p:spPr>
+          <a:xfrm>
+            <a:off x="381000" y="685800"/>
+            <a:ext cx="6096000" cy="3429000"/>
+          </a:xfrm>
           <a:prstGeom prst="rect">
             <a:avLst/>
           </a:prstGeom>
@@ -622,14 +636,16 @@
           <a:bodyPr/>
           <a:lstStyle/>
           <a:p>
-            <a:pPr/>
+            <a:endParaRPr/>
           </a:p>
         </p:txBody>
       </p:sp>
       <p:sp>
         <p:nvSpPr>
           <p:cNvPr id="227" name="Shape 227"/>
-          <p:cNvSpPr/>
+          <p:cNvSpPr>
+            <a:spLocks noGrp="1"/>
+          </p:cNvSpPr>
           <p:nvPr>
             <p:ph type="body" sz="quarter" idx="1"/>
           </p:nvPr>
@@ -664,6 +680,7 @@
                 <a:sym typeface="Helvetica"/>
               </a:defRPr>
             </a:pPr>
+            <a:endParaRPr/>
           </a:p>
           <a:p>
             <a:pPr>
@@ -689,7 +706,7 @@
 </file>
 
 <file path=ppt/notesSlides/notesSlide11.xml><?xml version="1.0" encoding="utf-8"?>
-<p:notes xmlns:a="http://schemas.openxmlformats.org/drawingml/2006/main" xmlns:r="http://schemas.openxmlformats.org/officeDocument/2006/relationships" xmlns:p="http://schemas.openxmlformats.org/presentationml/2006/main" showMasterSp="1" showMasterPhAnim="1">
+<p:notes xmlns:a="http://schemas.openxmlformats.org/drawingml/2006/main" xmlns:r="http://schemas.openxmlformats.org/officeDocument/2006/relationships" xmlns:p="http://schemas.openxmlformats.org/presentationml/2006/main">
   <p:cSld>
     <p:spTree>
       <p:nvGrpSpPr>
@@ -708,7 +725,9 @@
       <p:sp>
         <p:nvSpPr>
           <p:cNvPr id="231" name="Shape 231"/>
-          <p:cNvSpPr/>
+          <p:cNvSpPr>
+            <a:spLocks noGrp="1" noRot="1" noChangeAspect="1"/>
+          </p:cNvSpPr>
           <p:nvPr>
             <p:ph type="sldImg"/>
           </p:nvPr>
@@ -722,14 +741,16 @@
           <a:bodyPr/>
           <a:lstStyle/>
           <a:p>
-            <a:pPr/>
+            <a:endParaRPr/>
           </a:p>
         </p:txBody>
       </p:sp>
       <p:sp>
         <p:nvSpPr>
           <p:cNvPr id="232" name="Shape 232"/>
-          <p:cNvSpPr/>
+          <p:cNvSpPr>
+            <a:spLocks noGrp="1"/>
+          </p:cNvSpPr>
           <p:nvPr>
             <p:ph type="body" sz="quarter" idx="1"/>
           </p:nvPr>
@@ -764,6 +785,7 @@
                 <a:sym typeface="Helvetica"/>
               </a:defRPr>
             </a:pPr>
+            <a:endParaRPr/>
           </a:p>
           <a:p>
             <a:pPr>
@@ -803,7 +825,7 @@
 </file>
 
 <file path=ppt/notesSlides/notesSlide12.xml><?xml version="1.0" encoding="utf-8"?>
-<p:notes xmlns:a="http://schemas.openxmlformats.org/drawingml/2006/main" xmlns:r="http://schemas.openxmlformats.org/officeDocument/2006/relationships" xmlns:p="http://schemas.openxmlformats.org/presentationml/2006/main" showMasterSp="1" showMasterPhAnim="1">
+<p:notes xmlns:a="http://schemas.openxmlformats.org/drawingml/2006/main" xmlns:r="http://schemas.openxmlformats.org/officeDocument/2006/relationships" xmlns:p="http://schemas.openxmlformats.org/presentationml/2006/main">
   <p:cSld>
     <p:spTree>
       <p:nvGrpSpPr>
@@ -822,7 +844,9 @@
       <p:sp>
         <p:nvSpPr>
           <p:cNvPr id="236" name="Shape 236"/>
-          <p:cNvSpPr/>
+          <p:cNvSpPr>
+            <a:spLocks noGrp="1" noRot="1" noChangeAspect="1"/>
+          </p:cNvSpPr>
           <p:nvPr>
             <p:ph type="sldImg"/>
           </p:nvPr>
@@ -836,14 +860,16 @@
           <a:bodyPr/>
           <a:lstStyle/>
           <a:p>
-            <a:pPr/>
+            <a:endParaRPr/>
           </a:p>
         </p:txBody>
       </p:sp>
       <p:sp>
         <p:nvSpPr>
           <p:cNvPr id="237" name="Shape 237"/>
-          <p:cNvSpPr/>
+          <p:cNvSpPr>
+            <a:spLocks noGrp="1"/>
+          </p:cNvSpPr>
           <p:nvPr>
             <p:ph type="body" sz="quarter" idx="1"/>
           </p:nvPr>
@@ -878,6 +904,7 @@
                 <a:sym typeface="Helvetica"/>
               </a:defRPr>
             </a:pPr>
+            <a:endParaRPr/>
           </a:p>
           <a:p>
             <a:pPr>
@@ -901,6 +928,7 @@
                 <a:sym typeface="Helvetica"/>
               </a:defRPr>
             </a:pPr>
+            <a:endParaRPr/>
           </a:p>
           <a:p>
             <a:pPr>
@@ -924,6 +952,7 @@
                 <a:sym typeface="Helvetica"/>
               </a:defRPr>
             </a:pPr>
+            <a:endParaRPr/>
           </a:p>
           <a:p>
             <a:pPr>
@@ -949,7 +978,7 @@
 </file>
 
 <file path=ppt/notesSlides/notesSlide13.xml><?xml version="1.0" encoding="utf-8"?>
-<p:notes xmlns:a="http://schemas.openxmlformats.org/drawingml/2006/main" xmlns:r="http://schemas.openxmlformats.org/officeDocument/2006/relationships" xmlns:p="http://schemas.openxmlformats.org/presentationml/2006/main" showMasterSp="1" showMasterPhAnim="1">
+<p:notes xmlns:a="http://schemas.openxmlformats.org/drawingml/2006/main" xmlns:r="http://schemas.openxmlformats.org/officeDocument/2006/relationships" xmlns:p="http://schemas.openxmlformats.org/presentationml/2006/main">
   <p:cSld>
     <p:spTree>
       <p:nvGrpSpPr>
@@ -968,12 +997,18 @@
       <p:sp>
         <p:nvSpPr>
           <p:cNvPr id="240" name="Shape 240"/>
-          <p:cNvSpPr/>
+          <p:cNvSpPr>
+            <a:spLocks noGrp="1" noRot="1" noChangeAspect="1"/>
+          </p:cNvSpPr>
           <p:nvPr>
             <p:ph type="sldImg"/>
           </p:nvPr>
         </p:nvSpPr>
         <p:spPr>
+          <a:xfrm>
+            <a:off x="381000" y="685800"/>
+            <a:ext cx="6096000" cy="3429000"/>
+          </a:xfrm>
           <a:prstGeom prst="rect">
             <a:avLst/>
           </a:prstGeom>
@@ -982,14 +1017,16 @@
           <a:bodyPr/>
           <a:lstStyle/>
           <a:p>
-            <a:pPr/>
+            <a:endParaRPr/>
           </a:p>
         </p:txBody>
       </p:sp>
       <p:sp>
         <p:nvSpPr>
           <p:cNvPr id="241" name="Shape 241"/>
-          <p:cNvSpPr/>
+          <p:cNvSpPr>
+            <a:spLocks noGrp="1"/>
+          </p:cNvSpPr>
           <p:nvPr>
             <p:ph type="body" sz="quarter" idx="1"/>
           </p:nvPr>
@@ -1012,7 +1049,6 @@
             </a:lvl1pPr>
           </a:lstStyle>
           <a:p>
-            <a:pPr/>
             <a:r>
               <a:t>Here is an example of a resource that uses PGP encryption in the state file. Not all resources support this.</a:t>
             </a:r>
@@ -1028,7 +1064,7 @@
 </file>
 
 <file path=ppt/notesSlides/notesSlide2.xml><?xml version="1.0" encoding="utf-8"?>
-<p:notes xmlns:a="http://schemas.openxmlformats.org/drawingml/2006/main" xmlns:r="http://schemas.openxmlformats.org/officeDocument/2006/relationships" xmlns:p="http://schemas.openxmlformats.org/presentationml/2006/main" showMasterSp="1" showMasterPhAnim="1">
+<p:notes xmlns:a="http://schemas.openxmlformats.org/drawingml/2006/main" xmlns:r="http://schemas.openxmlformats.org/officeDocument/2006/relationships" xmlns:p="http://schemas.openxmlformats.org/presentationml/2006/main">
   <p:cSld>
     <p:spTree>
       <p:nvGrpSpPr>
@@ -1047,7 +1083,9 @@
       <p:sp>
         <p:nvSpPr>
           <p:cNvPr id="179" name="Shape 179"/>
-          <p:cNvSpPr/>
+          <p:cNvSpPr>
+            <a:spLocks noGrp="1" noRot="1" noChangeAspect="1"/>
+          </p:cNvSpPr>
           <p:nvPr>
             <p:ph type="sldImg"/>
           </p:nvPr>
@@ -1061,14 +1099,16 @@
           <a:bodyPr/>
           <a:lstStyle/>
           <a:p>
-            <a:pPr/>
+            <a:endParaRPr/>
           </a:p>
         </p:txBody>
       </p:sp>
       <p:sp>
         <p:nvSpPr>
           <p:cNvPr id="180" name="Shape 180"/>
-          <p:cNvSpPr/>
+          <p:cNvSpPr>
+            <a:spLocks noGrp="1"/>
+          </p:cNvSpPr>
           <p:nvPr>
             <p:ph type="body" sz="quarter" idx="1"/>
           </p:nvPr>
@@ -1103,6 +1143,7 @@
                 <a:sym typeface="Helvetica"/>
               </a:defRPr>
             </a:pPr>
+            <a:endParaRPr/>
           </a:p>
           <a:p>
             <a:pPr>
@@ -1126,6 +1167,7 @@
                 <a:sym typeface="Helvetica"/>
               </a:defRPr>
             </a:pPr>
+            <a:endParaRPr/>
           </a:p>
           <a:p>
             <a:pPr>
@@ -1151,7 +1193,7 @@
 </file>
 
 <file path=ppt/notesSlides/notesSlide3.xml><?xml version="1.0" encoding="utf-8"?>
-<p:notes xmlns:a="http://schemas.openxmlformats.org/drawingml/2006/main" xmlns:r="http://schemas.openxmlformats.org/officeDocument/2006/relationships" xmlns:p="http://schemas.openxmlformats.org/presentationml/2006/main" showMasterSp="1" showMasterPhAnim="1">
+<p:notes xmlns:a="http://schemas.openxmlformats.org/drawingml/2006/main" xmlns:r="http://schemas.openxmlformats.org/officeDocument/2006/relationships" xmlns:p="http://schemas.openxmlformats.org/presentationml/2006/main">
   <p:cSld>
     <p:spTree>
       <p:nvGrpSpPr>
@@ -1170,12 +1212,18 @@
       <p:sp>
         <p:nvSpPr>
           <p:cNvPr id="183" name="Shape 183"/>
-          <p:cNvSpPr/>
+          <p:cNvSpPr>
+            <a:spLocks noGrp="1" noRot="1" noChangeAspect="1"/>
+          </p:cNvSpPr>
           <p:nvPr>
             <p:ph type="sldImg"/>
           </p:nvPr>
         </p:nvSpPr>
         <p:spPr>
+          <a:xfrm>
+            <a:off x="381000" y="685800"/>
+            <a:ext cx="6096000" cy="3429000"/>
+          </a:xfrm>
           <a:prstGeom prst="rect">
             <a:avLst/>
           </a:prstGeom>
@@ -1184,14 +1232,16 @@
           <a:bodyPr/>
           <a:lstStyle/>
           <a:p>
-            <a:pPr/>
+            <a:endParaRPr/>
           </a:p>
         </p:txBody>
       </p:sp>
       <p:sp>
         <p:nvSpPr>
           <p:cNvPr id="184" name="Shape 184"/>
-          <p:cNvSpPr/>
+          <p:cNvSpPr>
+            <a:spLocks noGrp="1"/>
+          </p:cNvSpPr>
           <p:nvPr>
             <p:ph type="body" sz="quarter" idx="1"/>
           </p:nvPr>
@@ -1214,7 +1264,6 @@
             </a:lvl1pPr>
           </a:lstStyle>
           <a:p>
-            <a:pPr/>
             <a:r>
               <a:t>Here's an example Terraform state file. It's JSON, meant for internal Terraform purposes, so not particularly human friendly.</a:t>
             </a:r>
@@ -1230,7 +1279,7 @@
 </file>
 
 <file path=ppt/notesSlides/notesSlide4.xml><?xml version="1.0" encoding="utf-8"?>
-<p:notes xmlns:a="http://schemas.openxmlformats.org/drawingml/2006/main" xmlns:r="http://schemas.openxmlformats.org/officeDocument/2006/relationships" xmlns:p="http://schemas.openxmlformats.org/presentationml/2006/main" showMasterSp="1" showMasterPhAnim="1">
+<p:notes xmlns:a="http://schemas.openxmlformats.org/drawingml/2006/main" xmlns:r="http://schemas.openxmlformats.org/officeDocument/2006/relationships" xmlns:p="http://schemas.openxmlformats.org/presentationml/2006/main">
   <p:cSld>
     <p:spTree>
       <p:nvGrpSpPr>
@@ -1249,7 +1298,9 @@
       <p:sp>
         <p:nvSpPr>
           <p:cNvPr id="188" name="Shape 188"/>
-          <p:cNvSpPr/>
+          <p:cNvSpPr>
+            <a:spLocks noGrp="1" noRot="1" noChangeAspect="1"/>
+          </p:cNvSpPr>
           <p:nvPr>
             <p:ph type="sldImg"/>
           </p:nvPr>
@@ -1263,14 +1314,16 @@
           <a:bodyPr/>
           <a:lstStyle/>
           <a:p>
-            <a:pPr/>
+            <a:endParaRPr/>
           </a:p>
         </p:txBody>
       </p:sp>
       <p:sp>
         <p:nvSpPr>
           <p:cNvPr id="189" name="Shape 189"/>
-          <p:cNvSpPr/>
+          <p:cNvSpPr>
+            <a:spLocks noGrp="1"/>
+          </p:cNvSpPr>
           <p:nvPr>
             <p:ph type="body" sz="quarter" idx="1"/>
           </p:nvPr>
@@ -1311,7 +1364,7 @@
 </file>
 
 <file path=ppt/notesSlides/notesSlide5.xml><?xml version="1.0" encoding="utf-8"?>
-<p:notes xmlns:a="http://schemas.openxmlformats.org/drawingml/2006/main" xmlns:r="http://schemas.openxmlformats.org/officeDocument/2006/relationships" xmlns:p="http://schemas.openxmlformats.org/presentationml/2006/main" showMasterSp="1" showMasterPhAnim="1">
+<p:notes xmlns:a="http://schemas.openxmlformats.org/drawingml/2006/main" xmlns:r="http://schemas.openxmlformats.org/officeDocument/2006/relationships" xmlns:p="http://schemas.openxmlformats.org/presentationml/2006/main">
   <p:cSld>
     <p:spTree>
       <p:nvGrpSpPr>
@@ -1330,7 +1383,9 @@
       <p:sp>
         <p:nvSpPr>
           <p:cNvPr id="193" name="Shape 193"/>
-          <p:cNvSpPr/>
+          <p:cNvSpPr>
+            <a:spLocks noGrp="1" noRot="1" noChangeAspect="1"/>
+          </p:cNvSpPr>
           <p:nvPr>
             <p:ph type="sldImg"/>
           </p:nvPr>
@@ -1344,14 +1399,16 @@
           <a:bodyPr/>
           <a:lstStyle/>
           <a:p>
-            <a:pPr/>
+            <a:endParaRPr/>
           </a:p>
         </p:txBody>
       </p:sp>
       <p:sp>
         <p:nvSpPr>
           <p:cNvPr id="194" name="Shape 194"/>
-          <p:cNvSpPr/>
+          <p:cNvSpPr>
+            <a:spLocks noGrp="1"/>
+          </p:cNvSpPr>
           <p:nvPr>
             <p:ph type="body" sz="quarter" idx="1"/>
           </p:nvPr>
@@ -1374,7 +1431,6 @@
             </a:lvl1pPr>
           </a:lstStyle>
           <a:p>
-            <a:pPr/>
             <a:r>
               <a:t>* sometimes this re-create will fail, depending on the resource type. Some resource types must be unique, so trying to re-create an existing resource will fail.</a:t>
             </a:r>
@@ -1390,7 +1446,7 @@
 </file>
 
 <file path=ppt/notesSlides/notesSlide6.xml><?xml version="1.0" encoding="utf-8"?>
-<p:notes xmlns:a="http://schemas.openxmlformats.org/drawingml/2006/main" xmlns:r="http://schemas.openxmlformats.org/officeDocument/2006/relationships" xmlns:p="http://schemas.openxmlformats.org/presentationml/2006/main" showMasterSp="1" showMasterPhAnim="1">
+<p:notes xmlns:a="http://schemas.openxmlformats.org/drawingml/2006/main" xmlns:r="http://schemas.openxmlformats.org/officeDocument/2006/relationships" xmlns:p="http://schemas.openxmlformats.org/presentationml/2006/main">
   <p:cSld>
     <p:spTree>
       <p:nvGrpSpPr>
@@ -1409,7 +1465,9 @@
       <p:sp>
         <p:nvSpPr>
           <p:cNvPr id="207" name="Shape 207"/>
-          <p:cNvSpPr/>
+          <p:cNvSpPr>
+            <a:spLocks noGrp="1" noRot="1" noChangeAspect="1"/>
+          </p:cNvSpPr>
           <p:nvPr>
             <p:ph type="sldImg"/>
           </p:nvPr>
@@ -1423,14 +1481,16 @@
           <a:bodyPr/>
           <a:lstStyle/>
           <a:p>
-            <a:pPr/>
+            <a:endParaRPr/>
           </a:p>
         </p:txBody>
       </p:sp>
       <p:sp>
         <p:nvSpPr>
           <p:cNvPr id="208" name="Shape 208"/>
-          <p:cNvSpPr/>
+          <p:cNvSpPr>
+            <a:spLocks noGrp="1"/>
+          </p:cNvSpPr>
           <p:nvPr>
             <p:ph type="body" sz="quarter" idx="1"/>
           </p:nvPr>
@@ -1465,6 +1525,7 @@
                 <a:sym typeface="Helvetica"/>
               </a:defRPr>
             </a:pPr>
+            <a:endParaRPr/>
           </a:p>
           <a:p>
             <a:pPr>
@@ -1490,7 +1551,7 @@
 </file>
 
 <file path=ppt/notesSlides/notesSlide7.xml><?xml version="1.0" encoding="utf-8"?>
-<p:notes xmlns:a="http://schemas.openxmlformats.org/drawingml/2006/main" xmlns:r="http://schemas.openxmlformats.org/officeDocument/2006/relationships" xmlns:p="http://schemas.openxmlformats.org/presentationml/2006/main" showMasterSp="1" showMasterPhAnim="1">
+<p:notes xmlns:a="http://schemas.openxmlformats.org/drawingml/2006/main" xmlns:r="http://schemas.openxmlformats.org/officeDocument/2006/relationships" xmlns:p="http://schemas.openxmlformats.org/presentationml/2006/main">
   <p:cSld>
     <p:spTree>
       <p:nvGrpSpPr>
@@ -1509,7 +1570,9 @@
       <p:sp>
         <p:nvSpPr>
           <p:cNvPr id="212" name="Shape 212"/>
-          <p:cNvSpPr/>
+          <p:cNvSpPr>
+            <a:spLocks noGrp="1" noRot="1" noChangeAspect="1"/>
+          </p:cNvSpPr>
           <p:nvPr>
             <p:ph type="sldImg"/>
           </p:nvPr>
@@ -1523,14 +1586,16 @@
           <a:bodyPr/>
           <a:lstStyle/>
           <a:p>
-            <a:pPr/>
+            <a:endParaRPr/>
           </a:p>
         </p:txBody>
       </p:sp>
       <p:sp>
         <p:nvSpPr>
           <p:cNvPr id="213" name="Shape 213"/>
-          <p:cNvSpPr/>
+          <p:cNvSpPr>
+            <a:spLocks noGrp="1"/>
+          </p:cNvSpPr>
           <p:nvPr>
             <p:ph type="body" sz="quarter" idx="1"/>
           </p:nvPr>
@@ -1553,7 +1618,6 @@
             </a:lvl1pPr>
           </a:lstStyle>
           <a:p>
-            <a:pPr/>
             <a:r>
               <a:t>The next logical question is "where is state stored"? By default, Terraform stores state locally in a JSON file on disk, but it also supports a number of state backends for storing "remote state".</a:t>
             </a:r>
@@ -1569,7 +1633,7 @@
 </file>
 
 <file path=ppt/notesSlides/notesSlide8.xml><?xml version="1.0" encoding="utf-8"?>
-<p:notes xmlns:a="http://schemas.openxmlformats.org/drawingml/2006/main" xmlns:r="http://schemas.openxmlformats.org/officeDocument/2006/relationships" xmlns:p="http://schemas.openxmlformats.org/presentationml/2006/main" showMasterSp="1" showMasterPhAnim="1">
+<p:notes xmlns:a="http://schemas.openxmlformats.org/drawingml/2006/main" xmlns:r="http://schemas.openxmlformats.org/officeDocument/2006/relationships" xmlns:p="http://schemas.openxmlformats.org/presentationml/2006/main">
   <p:cSld>
     <p:spTree>
       <p:nvGrpSpPr>
@@ -1588,7 +1652,9 @@
       <p:sp>
         <p:nvSpPr>
           <p:cNvPr id="217" name="Shape 217"/>
-          <p:cNvSpPr/>
+          <p:cNvSpPr>
+            <a:spLocks noGrp="1" noRot="1" noChangeAspect="1"/>
+          </p:cNvSpPr>
           <p:nvPr>
             <p:ph type="sldImg"/>
           </p:nvPr>
@@ -1602,14 +1668,16 @@
           <a:bodyPr/>
           <a:lstStyle/>
           <a:p>
-            <a:pPr/>
+            <a:endParaRPr/>
           </a:p>
         </p:txBody>
       </p:sp>
       <p:sp>
         <p:nvSpPr>
           <p:cNvPr id="218" name="Shape 218"/>
-          <p:cNvSpPr/>
+          <p:cNvSpPr>
+            <a:spLocks noGrp="1"/>
+          </p:cNvSpPr>
           <p:nvPr>
             <p:ph type="body" sz="quarter" idx="1"/>
           </p:nvPr>
@@ -1644,6 +1712,7 @@
                 <a:sym typeface="Helvetica"/>
               </a:defRPr>
             </a:pPr>
+            <a:endParaRPr/>
           </a:p>
           <a:p>
             <a:pPr>
@@ -1667,6 +1736,7 @@
                 <a:sym typeface="Helvetica"/>
               </a:defRPr>
             </a:pPr>
+            <a:endParaRPr/>
           </a:p>
           <a:p>
             <a:pPr>
@@ -1692,7 +1762,7 @@
 </file>
 
 <file path=ppt/notesSlides/notesSlide9.xml><?xml version="1.0" encoding="utf-8"?>
-<p:notes xmlns:a="http://schemas.openxmlformats.org/drawingml/2006/main" xmlns:r="http://schemas.openxmlformats.org/officeDocument/2006/relationships" xmlns:p="http://schemas.openxmlformats.org/presentationml/2006/main" showMasterSp="1" showMasterPhAnim="1">
+<p:notes xmlns:a="http://schemas.openxmlformats.org/drawingml/2006/main" xmlns:r="http://schemas.openxmlformats.org/officeDocument/2006/relationships" xmlns:p="http://schemas.openxmlformats.org/presentationml/2006/main">
   <p:cSld>
     <p:spTree>
       <p:nvGrpSpPr>
@@ -1711,7 +1781,9 @@
       <p:sp>
         <p:nvSpPr>
           <p:cNvPr id="222" name="Shape 222"/>
-          <p:cNvSpPr/>
+          <p:cNvSpPr>
+            <a:spLocks noGrp="1" noRot="1" noChangeAspect="1"/>
+          </p:cNvSpPr>
           <p:nvPr>
             <p:ph type="sldImg"/>
           </p:nvPr>
@@ -1725,14 +1797,16 @@
           <a:bodyPr/>
           <a:lstStyle/>
           <a:p>
-            <a:pPr/>
+            <a:endParaRPr/>
           </a:p>
         </p:txBody>
       </p:sp>
       <p:sp>
         <p:nvSpPr>
           <p:cNvPr id="223" name="Shape 223"/>
-          <p:cNvSpPr/>
+          <p:cNvSpPr>
+            <a:spLocks noGrp="1"/>
+          </p:cNvSpPr>
           <p:nvPr>
             <p:ph type="body" sz="quarter" idx="1"/>
           </p:nvPr>
@@ -1767,6 +1841,7 @@
                 <a:sym typeface="Helvetica"/>
               </a:defRPr>
             </a:pPr>
+            <a:endParaRPr/>
           </a:p>
           <a:p>
             <a:pPr>
@@ -1790,6 +1865,7 @@
                 <a:sym typeface="Helvetica"/>
               </a:defRPr>
             </a:pPr>
+            <a:endParaRPr/>
           </a:p>
           <a:p>
             <a:pPr>
@@ -1828,7 +1904,7 @@
 </file>
 
 <file path=ppt/slideLayouts/slideLayout1.xml><?xml version="1.0" encoding="utf-8"?>
-<p:sldLayout xmlns:a="http://schemas.openxmlformats.org/drawingml/2006/main" xmlns:r="http://schemas.openxmlformats.org/officeDocument/2006/relationships" xmlns:p="http://schemas.openxmlformats.org/presentationml/2006/main" type="title" showMasterSp="0" showMasterPhAnim="1">
+<p:sldLayout xmlns:a="http://schemas.openxmlformats.org/drawingml/2006/main" xmlns:r="http://schemas.openxmlformats.org/officeDocument/2006/relationships" xmlns:p="http://schemas.openxmlformats.org/presentationml/2006/main" showMasterSp="0" type="title">
   <p:cSld name="Title &amp; Subtitle">
     <p:spTree>
       <p:nvGrpSpPr>
@@ -1847,7 +1923,9 @@
       <p:sp>
         <p:nvSpPr>
           <p:cNvPr id="13" name="Title Text"/>
-          <p:cNvSpPr txBox="1"/>
+          <p:cNvSpPr txBox="1">
+            <a:spLocks noGrp="1"/>
+          </p:cNvSpPr>
           <p:nvPr>
             <p:ph type="title"/>
           </p:nvPr>
@@ -1877,7 +1955,6 @@
             </a:lvl1pPr>
           </a:lstStyle>
           <a:p>
-            <a:pPr/>
             <a:r>
               <a:t>Title Text</a:t>
             </a:r>
@@ -1887,7 +1964,9 @@
       <p:sp>
         <p:nvSpPr>
           <p:cNvPr id="14" name="Body Level One…"/>
-          <p:cNvSpPr txBox="1"/>
+          <p:cNvSpPr txBox="1">
+            <a:spLocks noGrp="1"/>
+          </p:cNvSpPr>
           <p:nvPr>
             <p:ph type="body" sz="quarter" idx="1"/>
           </p:nvPr>
@@ -1946,7 +2025,6 @@
             </a:lvl5pPr>
           </a:lstStyle>
           <a:p>
-            <a:pPr/>
             <a:r>
               <a:t>Body Level One</a:t>
             </a:r>
@@ -1980,7 +2058,9 @@
       <p:sp>
         <p:nvSpPr>
           <p:cNvPr id="15" name="Slide Number"/>
-          <p:cNvSpPr txBox="1"/>
+          <p:cNvSpPr txBox="1">
+            <a:spLocks noGrp="1"/>
+          </p:cNvSpPr>
           <p:nvPr>
             <p:ph type="sldNum" sz="quarter" idx="2"/>
           </p:nvPr>
@@ -2007,8 +2087,10 @@
             </a:lvl1pPr>
           </a:lstStyle>
           <a:p>
-            <a:pPr/>
-            <a:fld id="{86CB4B4D-7CA3-9044-876B-883B54F8677D}" type="slidenum"/>
+            <a:fld id="{86CB4B4D-7CA3-9044-876B-883B54F8677D}" type="slidenum">
+              <a:t>‹#›</a:t>
+            </a:fld>
+            <a:endParaRPr/>
           </a:p>
         </p:txBody>
       </p:sp>
@@ -2017,12 +2099,12 @@
   <p:clrMapOvr>
     <a:masterClrMapping/>
   </p:clrMapOvr>
-  <p:transition xmlns:p14="http://schemas.microsoft.com/office/powerpoint/2010/main" spd="med" advClick="1"/>
+  <p:transition spd="med"/>
 </p:sldLayout>
 </file>
 
 <file path=ppt/slideLayouts/slideLayout10.xml><?xml version="1.0" encoding="utf-8"?>
-<p:sldLayout xmlns:a="http://schemas.openxmlformats.org/drawingml/2006/main" xmlns:r="http://schemas.openxmlformats.org/officeDocument/2006/relationships" xmlns:p="http://schemas.openxmlformats.org/presentationml/2006/main" type="tx" showMasterSp="0" showMasterPhAnim="1">
+<p:sldLayout xmlns:a="http://schemas.openxmlformats.org/drawingml/2006/main" xmlns:r="http://schemas.openxmlformats.org/officeDocument/2006/relationships" xmlns:p="http://schemas.openxmlformats.org/presentationml/2006/main" showMasterSp="0" type="tx">
   <p:cSld name="Quote">
     <p:spTree>
       <p:nvGrpSpPr>
@@ -2041,7 +2123,9 @@
       <p:sp>
         <p:nvSpPr>
           <p:cNvPr id="95" name="–Johnny Appleseed"/>
-          <p:cNvSpPr txBox="1"/>
+          <p:cNvSpPr txBox="1">
+            <a:spLocks noGrp="1"/>
+          </p:cNvSpPr>
           <p:nvPr>
             <p:ph type="body" sz="quarter" idx="13"/>
           </p:nvPr>
@@ -2061,7 +2145,7 @@
           </a:bodyPr>
           <a:lstStyle>
             <a:lvl1pPr defTabSz="821531">
-              <a:defRPr i="1" sz="3200">
+              <a:defRPr sz="3200" i="1">
                 <a:latin typeface="Helvetica Neue"/>
                 <a:ea typeface="Helvetica Neue"/>
                 <a:cs typeface="Helvetica Neue"/>
@@ -2070,7 +2154,6 @@
             </a:lvl1pPr>
           </a:lstStyle>
           <a:p>
-            <a:pPr/>
             <a:r>
               <a:t>–Johnny Appleseed</a:t>
             </a:r>
@@ -2080,7 +2163,9 @@
       <p:sp>
         <p:nvSpPr>
           <p:cNvPr id="96" name="“Type a quote here.”"/>
-          <p:cNvSpPr txBox="1"/>
+          <p:cNvSpPr txBox="1">
+            <a:spLocks noGrp="1"/>
+          </p:cNvSpPr>
           <p:nvPr>
             <p:ph type="body" sz="quarter" idx="14"/>
           </p:nvPr>
@@ -2109,7 +2194,6 @@
             </a:lvl1pPr>
           </a:lstStyle>
           <a:p>
-            <a:pPr/>
             <a:r>
               <a:t>“Type a quote here.” </a:t>
             </a:r>
@@ -2119,7 +2203,9 @@
       <p:sp>
         <p:nvSpPr>
           <p:cNvPr id="97" name="Slide Number"/>
-          <p:cNvSpPr txBox="1"/>
+          <p:cNvSpPr txBox="1">
+            <a:spLocks noGrp="1"/>
+          </p:cNvSpPr>
           <p:nvPr>
             <p:ph type="sldNum" sz="quarter" idx="2"/>
           </p:nvPr>
@@ -2146,8 +2232,10 @@
             </a:lvl1pPr>
           </a:lstStyle>
           <a:p>
-            <a:pPr/>
-            <a:fld id="{86CB4B4D-7CA3-9044-876B-883B54F8677D}" type="slidenum"/>
+            <a:fld id="{86CB4B4D-7CA3-9044-876B-883B54F8677D}" type="slidenum">
+              <a:t>‹#›</a:t>
+            </a:fld>
+            <a:endParaRPr/>
           </a:p>
         </p:txBody>
       </p:sp>
@@ -2156,12 +2244,12 @@
   <p:clrMapOvr>
     <a:masterClrMapping/>
   </p:clrMapOvr>
-  <p:transition xmlns:p14="http://schemas.microsoft.com/office/powerpoint/2010/main" spd="med" advClick="1"/>
+  <p:transition spd="med"/>
 </p:sldLayout>
 </file>
 
 <file path=ppt/slideLayouts/slideLayout11.xml><?xml version="1.0" encoding="utf-8"?>
-<p:sldLayout xmlns:a="http://schemas.openxmlformats.org/drawingml/2006/main" xmlns:r="http://schemas.openxmlformats.org/officeDocument/2006/relationships" xmlns:p="http://schemas.openxmlformats.org/presentationml/2006/main" type="tx" showMasterSp="0" showMasterPhAnim="1">
+<p:sldLayout xmlns:a="http://schemas.openxmlformats.org/drawingml/2006/main" xmlns:r="http://schemas.openxmlformats.org/officeDocument/2006/relationships" xmlns:p="http://schemas.openxmlformats.org/presentationml/2006/main" showMasterSp="0" type="tx">
   <p:cSld name="Photo">
     <p:spTree>
       <p:nvGrpSpPr>
@@ -2180,7 +2268,9 @@
       <p:sp>
         <p:nvSpPr>
           <p:cNvPr id="104" name="Image"/>
-          <p:cNvSpPr/>
+          <p:cNvSpPr>
+            <a:spLocks noGrp="1"/>
+          </p:cNvSpPr>
           <p:nvPr>
             <p:ph type="pic" idx="13"/>
           </p:nvPr>
@@ -2200,14 +2290,16 @@
           </a:bodyPr>
           <a:lstStyle/>
           <a:p>
-            <a:pPr/>
+            <a:endParaRPr/>
           </a:p>
         </p:txBody>
       </p:sp>
       <p:sp>
         <p:nvSpPr>
           <p:cNvPr id="105" name="Slide Number"/>
-          <p:cNvSpPr txBox="1"/>
+          <p:cNvSpPr txBox="1">
+            <a:spLocks noGrp="1"/>
+          </p:cNvSpPr>
           <p:nvPr>
             <p:ph type="sldNum" sz="quarter" idx="2"/>
           </p:nvPr>
@@ -2234,8 +2326,10 @@
             </a:lvl1pPr>
           </a:lstStyle>
           <a:p>
-            <a:pPr/>
-            <a:fld id="{86CB4B4D-7CA3-9044-876B-883B54F8677D}" type="slidenum"/>
+            <a:fld id="{86CB4B4D-7CA3-9044-876B-883B54F8677D}" type="slidenum">
+              <a:t>‹#›</a:t>
+            </a:fld>
+            <a:endParaRPr/>
           </a:p>
         </p:txBody>
       </p:sp>
@@ -2244,12 +2338,12 @@
   <p:clrMapOvr>
     <a:masterClrMapping/>
   </p:clrMapOvr>
-  <p:transition xmlns:p14="http://schemas.microsoft.com/office/powerpoint/2010/main" spd="med" advClick="1"/>
+  <p:transition spd="med"/>
 </p:sldLayout>
 </file>
 
 <file path=ppt/slideLayouts/slideLayout12.xml><?xml version="1.0" encoding="utf-8"?>
-<p:sldLayout xmlns:a="http://schemas.openxmlformats.org/drawingml/2006/main" xmlns:r="http://schemas.openxmlformats.org/officeDocument/2006/relationships" xmlns:p="http://schemas.openxmlformats.org/presentationml/2006/main" type="tx" showMasterSp="0" showMasterPhAnim="1">
+<p:sldLayout xmlns:a="http://schemas.openxmlformats.org/drawingml/2006/main" xmlns:r="http://schemas.openxmlformats.org/officeDocument/2006/relationships" xmlns:p="http://schemas.openxmlformats.org/presentationml/2006/main" showMasterSp="0" type="tx">
   <p:cSld name="Blank">
     <p:spTree>
       <p:nvGrpSpPr>
@@ -2268,7 +2362,9 @@
       <p:sp>
         <p:nvSpPr>
           <p:cNvPr id="112" name="Slide Number"/>
-          <p:cNvSpPr txBox="1"/>
+          <p:cNvSpPr txBox="1">
+            <a:spLocks noGrp="1"/>
+          </p:cNvSpPr>
           <p:nvPr>
             <p:ph type="sldNum" sz="quarter" idx="2"/>
           </p:nvPr>
@@ -2295,8 +2391,10 @@
             </a:lvl1pPr>
           </a:lstStyle>
           <a:p>
-            <a:pPr/>
-            <a:fld id="{86CB4B4D-7CA3-9044-876B-883B54F8677D}" type="slidenum"/>
+            <a:fld id="{86CB4B4D-7CA3-9044-876B-883B54F8677D}" type="slidenum">
+              <a:t>‹#›</a:t>
+            </a:fld>
+            <a:endParaRPr/>
           </a:p>
         </p:txBody>
       </p:sp>
@@ -2305,12 +2403,12 @@
   <p:clrMapOvr>
     <a:masterClrMapping/>
   </p:clrMapOvr>
-  <p:transition xmlns:p14="http://schemas.microsoft.com/office/powerpoint/2010/main" spd="med" advClick="1"/>
+  <p:transition spd="med"/>
 </p:sldLayout>
 </file>
 
 <file path=ppt/slideLayouts/slideLayout13.xml><?xml version="1.0" encoding="utf-8"?>
-<p:sldLayout xmlns:a="http://schemas.openxmlformats.org/drawingml/2006/main" xmlns:r="http://schemas.openxmlformats.org/officeDocument/2006/relationships" xmlns:p="http://schemas.openxmlformats.org/presentationml/2006/main" type="tx" showMasterSp="1" showMasterPhAnim="1">
+<p:sldLayout xmlns:a="http://schemas.openxmlformats.org/drawingml/2006/main" xmlns:r="http://schemas.openxmlformats.org/officeDocument/2006/relationships" xmlns:p="http://schemas.openxmlformats.org/presentationml/2006/main" type="tx">
   <p:cSld name="Terraform - Title">
     <p:spTree>
       <p:nvGrpSpPr>
@@ -2329,7 +2427,9 @@
       <p:sp>
         <p:nvSpPr>
           <p:cNvPr id="119" name="Title Text"/>
-          <p:cNvSpPr txBox="1"/>
+          <p:cNvSpPr txBox="1">
+            <a:spLocks noGrp="1"/>
+          </p:cNvSpPr>
           <p:nvPr>
             <p:ph type="title"/>
           </p:nvPr>
@@ -2343,7 +2443,6 @@
           <a:bodyPr/>
           <a:lstStyle/>
           <a:p>
-            <a:pPr/>
             <a:r>
               <a:t>Title Text</a:t>
             </a:r>
@@ -2353,7 +2452,9 @@
       <p:sp>
         <p:nvSpPr>
           <p:cNvPr id="120" name="Slide Number"/>
-          <p:cNvSpPr txBox="1"/>
+          <p:cNvSpPr txBox="1">
+            <a:spLocks noGrp="1"/>
+          </p:cNvSpPr>
           <p:nvPr>
             <p:ph type="sldNum" sz="quarter" idx="2"/>
           </p:nvPr>
@@ -2367,8 +2468,10 @@
           <a:bodyPr/>
           <a:lstStyle/>
           <a:p>
-            <a:pPr/>
-            <a:fld id="{86CB4B4D-7CA3-9044-876B-883B54F8677D}" type="slidenum"/>
+            <a:fld id="{86CB4B4D-7CA3-9044-876B-883B54F8677D}" type="slidenum">
+              <a:t>‹#›</a:t>
+            </a:fld>
+            <a:endParaRPr/>
           </a:p>
         </p:txBody>
       </p:sp>
@@ -2377,12 +2480,12 @@
   <p:clrMapOvr>
     <a:masterClrMapping/>
   </p:clrMapOvr>
-  <p:transition xmlns:p14="http://schemas.microsoft.com/office/powerpoint/2010/main" spd="med" advClick="1"/>
+  <p:transition spd="med"/>
 </p:sldLayout>
 </file>
 
 <file path=ppt/slideLayouts/slideLayout14.xml><?xml version="1.0" encoding="utf-8"?>
-<p:sldLayout xmlns:a="http://schemas.openxmlformats.org/drawingml/2006/main" xmlns:r="http://schemas.openxmlformats.org/officeDocument/2006/relationships" xmlns:p="http://schemas.openxmlformats.org/presentationml/2006/main" type="tx" showMasterSp="0" showMasterPhAnim="1">
+<p:sldLayout xmlns:a="http://schemas.openxmlformats.org/drawingml/2006/main" xmlns:r="http://schemas.openxmlformats.org/officeDocument/2006/relationships" xmlns:p="http://schemas.openxmlformats.org/presentationml/2006/main" showMasterSp="0" type="tx">
   <p:cSld name="Terraform - Text">
     <p:spTree>
       <p:nvGrpSpPr>
@@ -2429,7 +2532,7 @@
                   <a:srgbClr val="FFFFFF"/>
                 </a:solidFill>
                 <a:effectLst>
-                  <a:outerShdw sx="100000" sy="100000" kx="0" ky="0" algn="b" rotWithShape="0" blurRad="25400" dist="23998" dir="2700000">
+                  <a:outerShdw blurRad="25400" dist="23998" dir="2700000" rotWithShape="0">
                     <a:srgbClr val="000000">
                       <a:alpha val="31034"/>
                     </a:srgbClr>
@@ -2441,13 +2544,16 @@
                 <a:sym typeface="Helvetica"/>
               </a:defRPr>
             </a:pPr>
+            <a:endParaRPr/>
           </a:p>
         </p:txBody>
       </p:sp>
       <p:sp>
         <p:nvSpPr>
           <p:cNvPr id="128" name="Title Text"/>
-          <p:cNvSpPr txBox="1"/>
+          <p:cNvSpPr txBox="1">
+            <a:spLocks noGrp="1"/>
+          </p:cNvSpPr>
           <p:nvPr>
             <p:ph type="title"/>
           </p:nvPr>
@@ -2473,7 +2579,6 @@
             </a:lvl1pPr>
           </a:lstStyle>
           <a:p>
-            <a:pPr/>
             <a:r>
               <a:t>Title Text</a:t>
             </a:r>
@@ -2483,7 +2588,9 @@
       <p:sp>
         <p:nvSpPr>
           <p:cNvPr id="129" name="Body Level One…"/>
-          <p:cNvSpPr txBox="1"/>
+          <p:cNvSpPr txBox="1">
+            <a:spLocks noGrp="1"/>
+          </p:cNvSpPr>
           <p:nvPr>
             <p:ph type="body" idx="1"/>
           </p:nvPr>
@@ -2547,7 +2654,6 @@
             </a:lvl5pPr>
           </a:lstStyle>
           <a:p>
-            <a:pPr/>
             <a:r>
               <a:t>Body Level One</a:t>
             </a:r>
@@ -2640,7 +2746,9 @@
       <p:sp>
         <p:nvSpPr>
           <p:cNvPr id="132" name="Slide Number"/>
-          <p:cNvSpPr txBox="1"/>
+          <p:cNvSpPr txBox="1">
+            <a:spLocks noGrp="1"/>
+          </p:cNvSpPr>
           <p:nvPr>
             <p:ph type="sldNum" sz="quarter" idx="2"/>
           </p:nvPr>
@@ -2654,8 +2762,10 @@
           <a:bodyPr/>
           <a:lstStyle/>
           <a:p>
-            <a:pPr/>
-            <a:fld id="{86CB4B4D-7CA3-9044-876B-883B54F8677D}" type="slidenum"/>
+            <a:fld id="{86CB4B4D-7CA3-9044-876B-883B54F8677D}" type="slidenum">
+              <a:t>‹#›</a:t>
+            </a:fld>
+            <a:endParaRPr/>
           </a:p>
         </p:txBody>
       </p:sp>
@@ -2664,12 +2774,12 @@
   <p:clrMapOvr>
     <a:masterClrMapping/>
   </p:clrMapOvr>
-  <p:transition xmlns:p14="http://schemas.microsoft.com/office/powerpoint/2010/main" spd="med" advClick="1"/>
+  <p:transition spd="med"/>
 </p:sldLayout>
 </file>
 
 <file path=ppt/slideLayouts/slideLayout15.xml><?xml version="1.0" encoding="utf-8"?>
-<p:sldLayout xmlns:a="http://schemas.openxmlformats.org/drawingml/2006/main" xmlns:r="http://schemas.openxmlformats.org/officeDocument/2006/relationships" xmlns:p="http://schemas.openxmlformats.org/presentationml/2006/main" type="tx" showMasterSp="0" showMasterPhAnim="1">
+<p:sldLayout xmlns:a="http://schemas.openxmlformats.org/drawingml/2006/main" xmlns:r="http://schemas.openxmlformats.org/officeDocument/2006/relationships" xmlns:p="http://schemas.openxmlformats.org/presentationml/2006/main" showMasterSp="0" type="tx">
   <p:cSld name="Terraform - Terminal">
     <p:spTree>
       <p:nvGrpSpPr>
@@ -2753,6 +2863,7 @@
                 <a:sym typeface="Helvetica"/>
               </a:defRPr>
             </a:pPr>
+            <a:endParaRPr/>
           </a:p>
         </p:txBody>
       </p:sp>
@@ -2795,6 +2906,7 @@
                 <a:sym typeface="Helvetica"/>
               </a:defRPr>
             </a:pPr>
+            <a:endParaRPr/>
           </a:p>
         </p:txBody>
       </p:sp>
@@ -2836,6 +2948,7 @@
                 <a:sym typeface="Helvetica"/>
               </a:defRPr>
             </a:pPr>
+            <a:endParaRPr/>
           </a:p>
         </p:txBody>
       </p:sp>
@@ -2877,6 +2990,7 @@
                 <a:sym typeface="Helvetica"/>
               </a:defRPr>
             </a:pPr>
+            <a:endParaRPr/>
           </a:p>
         </p:txBody>
       </p:sp>
@@ -2918,13 +3032,16 @@
                 <a:sym typeface="Helvetica"/>
               </a:defRPr>
             </a:pPr>
+            <a:endParaRPr/>
           </a:p>
         </p:txBody>
       </p:sp>
       <p:sp>
         <p:nvSpPr>
           <p:cNvPr id="145" name="Text"/>
-          <p:cNvSpPr txBox="1"/>
+          <p:cNvSpPr txBox="1">
+            <a:spLocks noGrp="1"/>
+          </p:cNvSpPr>
           <p:nvPr>
             <p:ph type="body" sz="quarter" idx="13"/>
           </p:nvPr>
@@ -2958,6 +3075,7 @@
                 <a:sym typeface="Courier"/>
               </a:defRPr>
             </a:pPr>
+            <a:endParaRPr/>
           </a:p>
         </p:txBody>
       </p:sp>
@@ -2980,7 +3098,7 @@
           </a:ln>
           <a:extLst>
             <a:ext uri="{C572A759-6A51-4108-AA02-DFA0A04FC94B}">
-              <ma14:wrappingTextBoxFlag xmlns:ma14="http://schemas.microsoft.com/office/mac/drawingml/2011/main" val="1"/>
+              <ma14:wrappingTextBoxFlag xmlns:ma14="http://schemas.microsoft.com/office/mac/drawingml/2011/main" xmlns="" val="1"/>
             </a:ext>
           </a:extLst>
         </p:spPr>
@@ -3002,7 +3120,6 @@
             </a:lvl1pPr>
           </a:lstStyle>
           <a:p>
-            <a:pPr/>
             <a:r>
               <a:t>Terminal</a:t>
             </a:r>
@@ -3042,7 +3159,9 @@
       <p:sp>
         <p:nvSpPr>
           <p:cNvPr id="148" name="Slide Number"/>
-          <p:cNvSpPr txBox="1"/>
+          <p:cNvSpPr txBox="1">
+            <a:spLocks noGrp="1"/>
+          </p:cNvSpPr>
           <p:nvPr>
             <p:ph type="sldNum" sz="quarter" idx="2"/>
           </p:nvPr>
@@ -3056,8 +3175,10 @@
           <a:bodyPr/>
           <a:lstStyle/>
           <a:p>
-            <a:pPr/>
-            <a:fld id="{86CB4B4D-7CA3-9044-876B-883B54F8677D}" type="slidenum"/>
+            <a:fld id="{86CB4B4D-7CA3-9044-876B-883B54F8677D}" type="slidenum">
+              <a:t>‹#›</a:t>
+            </a:fld>
+            <a:endParaRPr/>
           </a:p>
         </p:txBody>
       </p:sp>
@@ -3066,12 +3187,12 @@
   <p:clrMapOvr>
     <a:masterClrMapping/>
   </p:clrMapOvr>
-  <p:transition xmlns:p14="http://schemas.microsoft.com/office/powerpoint/2010/main" spd="med" advClick="1"/>
+  <p:transition spd="med"/>
 </p:sldLayout>
 </file>
 
 <file path=ppt/slideLayouts/slideLayout16.xml><?xml version="1.0" encoding="utf-8"?>
-<p:sldLayout xmlns:a="http://schemas.openxmlformats.org/drawingml/2006/main" xmlns:r="http://schemas.openxmlformats.org/officeDocument/2006/relationships" xmlns:p="http://schemas.openxmlformats.org/presentationml/2006/main" type="tx" showMasterSp="0" showMasterPhAnim="1">
+<p:sldLayout xmlns:a="http://schemas.openxmlformats.org/drawingml/2006/main" xmlns:r="http://schemas.openxmlformats.org/officeDocument/2006/relationships" xmlns:p="http://schemas.openxmlformats.org/presentationml/2006/main" showMasterSp="0" type="tx">
   <p:cSld name="Terraform - Code">
     <p:spTree>
       <p:nvGrpSpPr>
@@ -3155,6 +3276,7 @@
                 <a:sym typeface="Helvetica"/>
               </a:defRPr>
             </a:pPr>
+            <a:endParaRPr/>
           </a:p>
         </p:txBody>
       </p:sp>
@@ -3197,6 +3319,7 @@
                 <a:sym typeface="Helvetica"/>
               </a:defRPr>
             </a:pPr>
+            <a:endParaRPr/>
           </a:p>
         </p:txBody>
       </p:sp>
@@ -3238,6 +3361,7 @@
                 <a:sym typeface="Helvetica"/>
               </a:defRPr>
             </a:pPr>
+            <a:endParaRPr/>
           </a:p>
         </p:txBody>
       </p:sp>
@@ -3279,6 +3403,7 @@
                 <a:sym typeface="Helvetica"/>
               </a:defRPr>
             </a:pPr>
+            <a:endParaRPr/>
           </a:p>
         </p:txBody>
       </p:sp>
@@ -3320,13 +3445,16 @@
                 <a:sym typeface="Helvetica"/>
               </a:defRPr>
             </a:pPr>
+            <a:endParaRPr/>
           </a:p>
         </p:txBody>
       </p:sp>
       <p:sp>
         <p:nvSpPr>
           <p:cNvPr id="161" name="Text"/>
-          <p:cNvSpPr txBox="1"/>
+          <p:cNvSpPr txBox="1">
+            <a:spLocks noGrp="1"/>
+          </p:cNvSpPr>
           <p:nvPr>
             <p:ph type="body" sz="quarter" idx="13"/>
           </p:nvPr>
@@ -3357,13 +3485,16 @@
                 <a:sym typeface="Courier"/>
               </a:defRPr>
             </a:pPr>
+            <a:endParaRPr/>
           </a:p>
         </p:txBody>
       </p:sp>
       <p:sp>
         <p:nvSpPr>
           <p:cNvPr id="162" name="Text"/>
-          <p:cNvSpPr txBox="1"/>
+          <p:cNvSpPr txBox="1">
+            <a:spLocks noGrp="1"/>
+          </p:cNvSpPr>
           <p:nvPr>
             <p:ph type="body" sz="quarter" idx="14"/>
           </p:nvPr>
@@ -3384,7 +3515,7 @@
           <a:lstStyle/>
           <a:p>
             <a:pPr>
-              <a:defRPr b="1" sz="2400">
+              <a:defRPr sz="2400" b="1">
                 <a:solidFill>
                   <a:srgbClr val="FFFFFF"/>
                 </a:solidFill>
@@ -3394,6 +3525,7 @@
                 <a:sym typeface="Courier"/>
               </a:defRPr>
             </a:pPr>
+            <a:endParaRPr/>
           </a:p>
         </p:txBody>
       </p:sp>
@@ -3430,7 +3562,9 @@
       <p:sp>
         <p:nvSpPr>
           <p:cNvPr id="164" name="Slide Number"/>
-          <p:cNvSpPr txBox="1"/>
+          <p:cNvSpPr txBox="1">
+            <a:spLocks noGrp="1"/>
+          </p:cNvSpPr>
           <p:nvPr>
             <p:ph type="sldNum" sz="quarter" idx="2"/>
           </p:nvPr>
@@ -3444,8 +3578,10 @@
           <a:bodyPr/>
           <a:lstStyle/>
           <a:p>
-            <a:pPr/>
-            <a:fld id="{86CB4B4D-7CA3-9044-876B-883B54F8677D}" type="slidenum"/>
+            <a:fld id="{86CB4B4D-7CA3-9044-876B-883B54F8677D}" type="slidenum">
+              <a:t>‹#›</a:t>
+            </a:fld>
+            <a:endParaRPr/>
           </a:p>
         </p:txBody>
       </p:sp>
@@ -3454,12 +3590,12 @@
   <p:clrMapOvr>
     <a:masterClrMapping/>
   </p:clrMapOvr>
-  <p:transition xmlns:p14="http://schemas.microsoft.com/office/powerpoint/2010/main" spd="med" advClick="1"/>
+  <p:transition spd="med"/>
 </p:sldLayout>
 </file>
 
 <file path=ppt/slideLayouts/slideLayout2.xml><?xml version="1.0" encoding="utf-8"?>
-<p:sldLayout xmlns:a="http://schemas.openxmlformats.org/drawingml/2006/main" xmlns:r="http://schemas.openxmlformats.org/officeDocument/2006/relationships" xmlns:p="http://schemas.openxmlformats.org/presentationml/2006/main" type="tx" showMasterSp="0" showMasterPhAnim="1">
+<p:sldLayout xmlns:a="http://schemas.openxmlformats.org/drawingml/2006/main" xmlns:r="http://schemas.openxmlformats.org/officeDocument/2006/relationships" xmlns:p="http://schemas.openxmlformats.org/presentationml/2006/main" showMasterSp="0" type="tx">
   <p:cSld name="Photo - Horizontal">
     <p:spTree>
       <p:nvGrpSpPr>
@@ -3478,7 +3614,9 @@
       <p:sp>
         <p:nvSpPr>
           <p:cNvPr id="22" name="Image"/>
-          <p:cNvSpPr/>
+          <p:cNvSpPr>
+            <a:spLocks noGrp="1"/>
+          </p:cNvSpPr>
           <p:nvPr>
             <p:ph type="pic" sz="half" idx="13"/>
           </p:nvPr>
@@ -3498,14 +3636,16 @@
           </a:bodyPr>
           <a:lstStyle/>
           <a:p>
-            <a:pPr/>
+            <a:endParaRPr/>
           </a:p>
         </p:txBody>
       </p:sp>
       <p:sp>
         <p:nvSpPr>
           <p:cNvPr id="23" name="Title Text"/>
-          <p:cNvSpPr txBox="1"/>
+          <p:cNvSpPr txBox="1">
+            <a:spLocks noGrp="1"/>
+          </p:cNvSpPr>
           <p:nvPr>
             <p:ph type="title"/>
           </p:nvPr>
@@ -3535,7 +3675,6 @@
             </a:lvl1pPr>
           </a:lstStyle>
           <a:p>
-            <a:pPr/>
             <a:r>
               <a:t>Title Text</a:t>
             </a:r>
@@ -3545,7 +3684,9 @@
       <p:sp>
         <p:nvSpPr>
           <p:cNvPr id="24" name="Body Level One…"/>
-          <p:cNvSpPr txBox="1"/>
+          <p:cNvSpPr txBox="1">
+            <a:spLocks noGrp="1"/>
+          </p:cNvSpPr>
           <p:nvPr>
             <p:ph type="body" sz="quarter" idx="1"/>
           </p:nvPr>
@@ -3604,7 +3745,6 @@
             </a:lvl5pPr>
           </a:lstStyle>
           <a:p>
-            <a:pPr/>
             <a:r>
               <a:t>Body Level One</a:t>
             </a:r>
@@ -3638,7 +3778,9 @@
       <p:sp>
         <p:nvSpPr>
           <p:cNvPr id="25" name="Slide Number"/>
-          <p:cNvSpPr txBox="1"/>
+          <p:cNvSpPr txBox="1">
+            <a:spLocks noGrp="1"/>
+          </p:cNvSpPr>
           <p:nvPr>
             <p:ph type="sldNum" sz="quarter" idx="2"/>
           </p:nvPr>
@@ -3665,8 +3807,10 @@
             </a:lvl1pPr>
           </a:lstStyle>
           <a:p>
-            <a:pPr/>
-            <a:fld id="{86CB4B4D-7CA3-9044-876B-883B54F8677D}" type="slidenum"/>
+            <a:fld id="{86CB4B4D-7CA3-9044-876B-883B54F8677D}" type="slidenum">
+              <a:t>‹#›</a:t>
+            </a:fld>
+            <a:endParaRPr/>
           </a:p>
         </p:txBody>
       </p:sp>
@@ -3675,12 +3819,12 @@
   <p:clrMapOvr>
     <a:masterClrMapping/>
   </p:clrMapOvr>
-  <p:transition xmlns:p14="http://schemas.microsoft.com/office/powerpoint/2010/main" spd="med" advClick="1"/>
+  <p:transition spd="med"/>
 </p:sldLayout>
 </file>
 
 <file path=ppt/slideLayouts/slideLayout3.xml><?xml version="1.0" encoding="utf-8"?>
-<p:sldLayout xmlns:a="http://schemas.openxmlformats.org/drawingml/2006/main" xmlns:r="http://schemas.openxmlformats.org/officeDocument/2006/relationships" xmlns:p="http://schemas.openxmlformats.org/presentationml/2006/main" type="tx" showMasterSp="0" showMasterPhAnim="1">
+<p:sldLayout xmlns:a="http://schemas.openxmlformats.org/drawingml/2006/main" xmlns:r="http://schemas.openxmlformats.org/officeDocument/2006/relationships" xmlns:p="http://schemas.openxmlformats.org/presentationml/2006/main" showMasterSp="0" type="tx">
   <p:cSld name="Title - Center">
     <p:spTree>
       <p:nvGrpSpPr>
@@ -3699,7 +3843,9 @@
       <p:sp>
         <p:nvSpPr>
           <p:cNvPr id="32" name="Title Text"/>
-          <p:cNvSpPr txBox="1"/>
+          <p:cNvSpPr txBox="1">
+            <a:spLocks noGrp="1"/>
+          </p:cNvSpPr>
           <p:nvPr>
             <p:ph type="title"/>
           </p:nvPr>
@@ -3729,7 +3875,6 @@
             </a:lvl1pPr>
           </a:lstStyle>
           <a:p>
-            <a:pPr/>
             <a:r>
               <a:t>Title Text</a:t>
             </a:r>
@@ -3739,7 +3884,9 @@
       <p:sp>
         <p:nvSpPr>
           <p:cNvPr id="33" name="Slide Number"/>
-          <p:cNvSpPr txBox="1"/>
+          <p:cNvSpPr txBox="1">
+            <a:spLocks noGrp="1"/>
+          </p:cNvSpPr>
           <p:nvPr>
             <p:ph type="sldNum" sz="quarter" idx="2"/>
           </p:nvPr>
@@ -3766,8 +3913,10 @@
             </a:lvl1pPr>
           </a:lstStyle>
           <a:p>
-            <a:pPr/>
-            <a:fld id="{86CB4B4D-7CA3-9044-876B-883B54F8677D}" type="slidenum"/>
+            <a:fld id="{86CB4B4D-7CA3-9044-876B-883B54F8677D}" type="slidenum">
+              <a:t>‹#›</a:t>
+            </a:fld>
+            <a:endParaRPr/>
           </a:p>
         </p:txBody>
       </p:sp>
@@ -3776,12 +3925,12 @@
   <p:clrMapOvr>
     <a:masterClrMapping/>
   </p:clrMapOvr>
-  <p:transition xmlns:p14="http://schemas.microsoft.com/office/powerpoint/2010/main" spd="med" advClick="1"/>
+  <p:transition spd="med"/>
 </p:sldLayout>
 </file>
 
 <file path=ppt/slideLayouts/slideLayout4.xml><?xml version="1.0" encoding="utf-8"?>
-<p:sldLayout xmlns:a="http://schemas.openxmlformats.org/drawingml/2006/main" xmlns:r="http://schemas.openxmlformats.org/officeDocument/2006/relationships" xmlns:p="http://schemas.openxmlformats.org/presentationml/2006/main" type="tx" showMasterSp="0" showMasterPhAnim="1">
+<p:sldLayout xmlns:a="http://schemas.openxmlformats.org/drawingml/2006/main" xmlns:r="http://schemas.openxmlformats.org/officeDocument/2006/relationships" xmlns:p="http://schemas.openxmlformats.org/presentationml/2006/main" showMasterSp="0" type="tx">
   <p:cSld name="Photo - Vertical">
     <p:spTree>
       <p:nvGrpSpPr>
@@ -3800,7 +3949,9 @@
       <p:sp>
         <p:nvSpPr>
           <p:cNvPr id="40" name="Image"/>
-          <p:cNvSpPr/>
+          <p:cNvSpPr>
+            <a:spLocks noGrp="1"/>
+          </p:cNvSpPr>
           <p:nvPr>
             <p:ph type="pic" sz="half" idx="13"/>
           </p:nvPr>
@@ -3820,14 +3971,16 @@
           </a:bodyPr>
           <a:lstStyle/>
           <a:p>
-            <a:pPr/>
+            <a:endParaRPr/>
           </a:p>
         </p:txBody>
       </p:sp>
       <p:sp>
         <p:nvSpPr>
           <p:cNvPr id="41" name="Title Text"/>
-          <p:cNvSpPr txBox="1"/>
+          <p:cNvSpPr txBox="1">
+            <a:spLocks noGrp="1"/>
+          </p:cNvSpPr>
           <p:nvPr>
             <p:ph type="title"/>
           </p:nvPr>
@@ -3857,7 +4010,6 @@
             </a:lvl1pPr>
           </a:lstStyle>
           <a:p>
-            <a:pPr/>
             <a:r>
               <a:t>Title Text</a:t>
             </a:r>
@@ -3867,7 +4019,9 @@
       <p:sp>
         <p:nvSpPr>
           <p:cNvPr id="42" name="Body Level One…"/>
-          <p:cNvSpPr txBox="1"/>
+          <p:cNvSpPr txBox="1">
+            <a:spLocks noGrp="1"/>
+          </p:cNvSpPr>
           <p:nvPr>
             <p:ph type="body" sz="quarter" idx="1"/>
           </p:nvPr>
@@ -3926,7 +4080,6 @@
             </a:lvl5pPr>
           </a:lstStyle>
           <a:p>
-            <a:pPr/>
             <a:r>
               <a:t>Body Level One</a:t>
             </a:r>
@@ -3960,7 +4113,9 @@
       <p:sp>
         <p:nvSpPr>
           <p:cNvPr id="43" name="Slide Number"/>
-          <p:cNvSpPr txBox="1"/>
+          <p:cNvSpPr txBox="1">
+            <a:spLocks noGrp="1"/>
+          </p:cNvSpPr>
           <p:nvPr>
             <p:ph type="sldNum" sz="quarter" idx="2"/>
           </p:nvPr>
@@ -3987,8 +4142,10 @@
             </a:lvl1pPr>
           </a:lstStyle>
           <a:p>
-            <a:pPr/>
-            <a:fld id="{86CB4B4D-7CA3-9044-876B-883B54F8677D}" type="slidenum"/>
+            <a:fld id="{86CB4B4D-7CA3-9044-876B-883B54F8677D}" type="slidenum">
+              <a:t>‹#›</a:t>
+            </a:fld>
+            <a:endParaRPr/>
           </a:p>
         </p:txBody>
       </p:sp>
@@ -3997,12 +4154,12 @@
   <p:clrMapOvr>
     <a:masterClrMapping/>
   </p:clrMapOvr>
-  <p:transition xmlns:p14="http://schemas.microsoft.com/office/powerpoint/2010/main" spd="med" advClick="1"/>
+  <p:transition spd="med"/>
 </p:sldLayout>
 </file>
 
 <file path=ppt/slideLayouts/slideLayout5.xml><?xml version="1.0" encoding="utf-8"?>
-<p:sldLayout xmlns:a="http://schemas.openxmlformats.org/drawingml/2006/main" xmlns:r="http://schemas.openxmlformats.org/officeDocument/2006/relationships" xmlns:p="http://schemas.openxmlformats.org/presentationml/2006/main" type="tx" showMasterSp="0" showMasterPhAnim="1">
+<p:sldLayout xmlns:a="http://schemas.openxmlformats.org/drawingml/2006/main" xmlns:r="http://schemas.openxmlformats.org/officeDocument/2006/relationships" xmlns:p="http://schemas.openxmlformats.org/presentationml/2006/main" showMasterSp="0" type="tx">
   <p:cSld name="Title - Top">
     <p:spTree>
       <p:nvGrpSpPr>
@@ -4021,7 +4178,9 @@
       <p:sp>
         <p:nvSpPr>
           <p:cNvPr id="50" name="Title Text"/>
-          <p:cNvSpPr txBox="1"/>
+          <p:cNvSpPr txBox="1">
+            <a:spLocks noGrp="1"/>
+          </p:cNvSpPr>
           <p:nvPr>
             <p:ph type="title"/>
           </p:nvPr>
@@ -4051,7 +4210,6 @@
             </a:lvl1pPr>
           </a:lstStyle>
           <a:p>
-            <a:pPr/>
             <a:r>
               <a:t>Title Text</a:t>
             </a:r>
@@ -4061,7 +4219,9 @@
       <p:sp>
         <p:nvSpPr>
           <p:cNvPr id="51" name="Slide Number"/>
-          <p:cNvSpPr txBox="1"/>
+          <p:cNvSpPr txBox="1">
+            <a:spLocks noGrp="1"/>
+          </p:cNvSpPr>
           <p:nvPr>
             <p:ph type="sldNum" sz="quarter" idx="2"/>
           </p:nvPr>
@@ -4088,8 +4248,10 @@
             </a:lvl1pPr>
           </a:lstStyle>
           <a:p>
-            <a:pPr/>
-            <a:fld id="{86CB4B4D-7CA3-9044-876B-883B54F8677D}" type="slidenum"/>
+            <a:fld id="{86CB4B4D-7CA3-9044-876B-883B54F8677D}" type="slidenum">
+              <a:t>‹#›</a:t>
+            </a:fld>
+            <a:endParaRPr/>
           </a:p>
         </p:txBody>
       </p:sp>
@@ -4098,12 +4260,12 @@
   <p:clrMapOvr>
     <a:masterClrMapping/>
   </p:clrMapOvr>
-  <p:transition xmlns:p14="http://schemas.microsoft.com/office/powerpoint/2010/main" spd="med" advClick="1"/>
+  <p:transition spd="med"/>
 </p:sldLayout>
 </file>
 
 <file path=ppt/slideLayouts/slideLayout6.xml><?xml version="1.0" encoding="utf-8"?>
-<p:sldLayout xmlns:a="http://schemas.openxmlformats.org/drawingml/2006/main" xmlns:r="http://schemas.openxmlformats.org/officeDocument/2006/relationships" xmlns:p="http://schemas.openxmlformats.org/presentationml/2006/main" type="tx" showMasterSp="0" showMasterPhAnim="1">
+<p:sldLayout xmlns:a="http://schemas.openxmlformats.org/drawingml/2006/main" xmlns:r="http://schemas.openxmlformats.org/officeDocument/2006/relationships" xmlns:p="http://schemas.openxmlformats.org/presentationml/2006/main" showMasterSp="0" type="tx">
   <p:cSld name="Title &amp; Bullets">
     <p:spTree>
       <p:nvGrpSpPr>
@@ -4122,7 +4284,9 @@
       <p:sp>
         <p:nvSpPr>
           <p:cNvPr id="58" name="Title Text"/>
-          <p:cNvSpPr txBox="1"/>
+          <p:cNvSpPr txBox="1">
+            <a:spLocks noGrp="1"/>
+          </p:cNvSpPr>
           <p:nvPr>
             <p:ph type="title"/>
           </p:nvPr>
@@ -4152,7 +4316,6 @@
             </a:lvl1pPr>
           </a:lstStyle>
           <a:p>
-            <a:pPr/>
             <a:r>
               <a:t>Title Text</a:t>
             </a:r>
@@ -4162,7 +4325,9 @@
       <p:sp>
         <p:nvSpPr>
           <p:cNvPr id="59" name="Body Level One…"/>
-          <p:cNvSpPr txBox="1"/>
+          <p:cNvSpPr txBox="1">
+            <a:spLocks noGrp="1"/>
+          </p:cNvSpPr>
           <p:nvPr>
             <p:ph type="body" idx="1"/>
           </p:nvPr>
@@ -4246,7 +4411,6 @@
             </a:lvl5pPr>
           </a:lstStyle>
           <a:p>
-            <a:pPr/>
             <a:r>
               <a:t>Body Level One</a:t>
             </a:r>
@@ -4280,7 +4444,9 @@
       <p:sp>
         <p:nvSpPr>
           <p:cNvPr id="60" name="Slide Number"/>
-          <p:cNvSpPr txBox="1"/>
+          <p:cNvSpPr txBox="1">
+            <a:spLocks noGrp="1"/>
+          </p:cNvSpPr>
           <p:nvPr>
             <p:ph type="sldNum" sz="quarter" idx="2"/>
           </p:nvPr>
@@ -4307,8 +4473,10 @@
             </a:lvl1pPr>
           </a:lstStyle>
           <a:p>
-            <a:pPr/>
-            <a:fld id="{86CB4B4D-7CA3-9044-876B-883B54F8677D}" type="slidenum"/>
+            <a:fld id="{86CB4B4D-7CA3-9044-876B-883B54F8677D}" type="slidenum">
+              <a:t>‹#›</a:t>
+            </a:fld>
+            <a:endParaRPr/>
           </a:p>
         </p:txBody>
       </p:sp>
@@ -4317,12 +4485,12 @@
   <p:clrMapOvr>
     <a:masterClrMapping/>
   </p:clrMapOvr>
-  <p:transition xmlns:p14="http://schemas.microsoft.com/office/powerpoint/2010/main" spd="med" advClick="1"/>
+  <p:transition spd="med"/>
 </p:sldLayout>
 </file>
 
 <file path=ppt/slideLayouts/slideLayout7.xml><?xml version="1.0" encoding="utf-8"?>
-<p:sldLayout xmlns:a="http://schemas.openxmlformats.org/drawingml/2006/main" xmlns:r="http://schemas.openxmlformats.org/officeDocument/2006/relationships" xmlns:p="http://schemas.openxmlformats.org/presentationml/2006/main" type="tx" showMasterSp="0" showMasterPhAnim="1">
+<p:sldLayout xmlns:a="http://schemas.openxmlformats.org/drawingml/2006/main" xmlns:r="http://schemas.openxmlformats.org/officeDocument/2006/relationships" xmlns:p="http://schemas.openxmlformats.org/presentationml/2006/main" showMasterSp="0" type="tx">
   <p:cSld name="Title, Bullets &amp; Photo">
     <p:spTree>
       <p:nvGrpSpPr>
@@ -4341,7 +4509,9 @@
       <p:sp>
         <p:nvSpPr>
           <p:cNvPr id="67" name="Image"/>
-          <p:cNvSpPr/>
+          <p:cNvSpPr>
+            <a:spLocks noGrp="1"/>
+          </p:cNvSpPr>
           <p:nvPr>
             <p:ph type="pic" sz="quarter" idx="13"/>
           </p:nvPr>
@@ -4361,14 +4531,16 @@
           </a:bodyPr>
           <a:lstStyle/>
           <a:p>
-            <a:pPr/>
+            <a:endParaRPr/>
           </a:p>
         </p:txBody>
       </p:sp>
       <p:sp>
         <p:nvSpPr>
           <p:cNvPr id="68" name="Title Text"/>
-          <p:cNvSpPr txBox="1"/>
+          <p:cNvSpPr txBox="1">
+            <a:spLocks noGrp="1"/>
+          </p:cNvSpPr>
           <p:nvPr>
             <p:ph type="title"/>
           </p:nvPr>
@@ -4398,7 +4570,6 @@
             </a:lvl1pPr>
           </a:lstStyle>
           <a:p>
-            <a:pPr/>
             <a:r>
               <a:t>Title Text</a:t>
             </a:r>
@@ -4408,7 +4579,9 @@
       <p:sp>
         <p:nvSpPr>
           <p:cNvPr id="69" name="Body Level One…"/>
-          <p:cNvSpPr txBox="1"/>
+          <p:cNvSpPr txBox="1">
+            <a:spLocks noGrp="1"/>
+          </p:cNvSpPr>
           <p:nvPr>
             <p:ph type="body" sz="quarter" idx="1"/>
           </p:nvPr>
@@ -4492,7 +4665,6 @@
             </a:lvl5pPr>
           </a:lstStyle>
           <a:p>
-            <a:pPr/>
             <a:r>
               <a:t>Body Level One</a:t>
             </a:r>
@@ -4526,7 +4698,9 @@
       <p:sp>
         <p:nvSpPr>
           <p:cNvPr id="70" name="Slide Number"/>
-          <p:cNvSpPr txBox="1"/>
+          <p:cNvSpPr txBox="1">
+            <a:spLocks noGrp="1"/>
+          </p:cNvSpPr>
           <p:nvPr>
             <p:ph type="sldNum" sz="quarter" idx="2"/>
           </p:nvPr>
@@ -4553,8 +4727,10 @@
             </a:lvl1pPr>
           </a:lstStyle>
           <a:p>
-            <a:pPr/>
-            <a:fld id="{86CB4B4D-7CA3-9044-876B-883B54F8677D}" type="slidenum"/>
+            <a:fld id="{86CB4B4D-7CA3-9044-876B-883B54F8677D}" type="slidenum">
+              <a:t>‹#›</a:t>
+            </a:fld>
+            <a:endParaRPr/>
           </a:p>
         </p:txBody>
       </p:sp>
@@ -4563,12 +4739,12 @@
   <p:clrMapOvr>
     <a:masterClrMapping/>
   </p:clrMapOvr>
-  <p:transition xmlns:p14="http://schemas.microsoft.com/office/powerpoint/2010/main" spd="med" advClick="1"/>
+  <p:transition spd="med"/>
 </p:sldLayout>
 </file>
 
 <file path=ppt/slideLayouts/slideLayout8.xml><?xml version="1.0" encoding="utf-8"?>
-<p:sldLayout xmlns:a="http://schemas.openxmlformats.org/drawingml/2006/main" xmlns:r="http://schemas.openxmlformats.org/officeDocument/2006/relationships" xmlns:p="http://schemas.openxmlformats.org/presentationml/2006/main" type="tx" showMasterSp="0" showMasterPhAnim="1">
+<p:sldLayout xmlns:a="http://schemas.openxmlformats.org/drawingml/2006/main" xmlns:r="http://schemas.openxmlformats.org/officeDocument/2006/relationships" xmlns:p="http://schemas.openxmlformats.org/presentationml/2006/main" showMasterSp="0" type="tx">
   <p:cSld name="Bullets">
     <p:spTree>
       <p:nvGrpSpPr>
@@ -4587,7 +4763,9 @@
       <p:sp>
         <p:nvSpPr>
           <p:cNvPr id="77" name="Body Level One…"/>
-          <p:cNvSpPr txBox="1"/>
+          <p:cNvSpPr txBox="1">
+            <a:spLocks noGrp="1"/>
+          </p:cNvSpPr>
           <p:nvPr>
             <p:ph type="body" idx="1"/>
           </p:nvPr>
@@ -4671,7 +4849,6 @@
             </a:lvl5pPr>
           </a:lstStyle>
           <a:p>
-            <a:pPr/>
             <a:r>
               <a:t>Body Level One</a:t>
             </a:r>
@@ -4705,7 +4882,9 @@
       <p:sp>
         <p:nvSpPr>
           <p:cNvPr id="78" name="Slide Number"/>
-          <p:cNvSpPr txBox="1"/>
+          <p:cNvSpPr txBox="1">
+            <a:spLocks noGrp="1"/>
+          </p:cNvSpPr>
           <p:nvPr>
             <p:ph type="sldNum" sz="quarter" idx="2"/>
           </p:nvPr>
@@ -4732,8 +4911,10 @@
             </a:lvl1pPr>
           </a:lstStyle>
           <a:p>
-            <a:pPr/>
-            <a:fld id="{86CB4B4D-7CA3-9044-876B-883B54F8677D}" type="slidenum"/>
+            <a:fld id="{86CB4B4D-7CA3-9044-876B-883B54F8677D}" type="slidenum">
+              <a:t>‹#›</a:t>
+            </a:fld>
+            <a:endParaRPr/>
           </a:p>
         </p:txBody>
       </p:sp>
@@ -4742,12 +4923,12 @@
   <p:clrMapOvr>
     <a:masterClrMapping/>
   </p:clrMapOvr>
-  <p:transition xmlns:p14="http://schemas.microsoft.com/office/powerpoint/2010/main" spd="med" advClick="1"/>
+  <p:transition spd="med"/>
 </p:sldLayout>
 </file>
 
 <file path=ppt/slideLayouts/slideLayout9.xml><?xml version="1.0" encoding="utf-8"?>
-<p:sldLayout xmlns:a="http://schemas.openxmlformats.org/drawingml/2006/main" xmlns:r="http://schemas.openxmlformats.org/officeDocument/2006/relationships" xmlns:p="http://schemas.openxmlformats.org/presentationml/2006/main" type="tx" showMasterSp="0" showMasterPhAnim="1">
+<p:sldLayout xmlns:a="http://schemas.openxmlformats.org/drawingml/2006/main" xmlns:r="http://schemas.openxmlformats.org/officeDocument/2006/relationships" xmlns:p="http://schemas.openxmlformats.org/presentationml/2006/main" showMasterSp="0" type="tx">
   <p:cSld name="Photo - 3 Up">
     <p:spTree>
       <p:nvGrpSpPr>
@@ -4766,7 +4947,9 @@
       <p:sp>
         <p:nvSpPr>
           <p:cNvPr id="85" name="Image"/>
-          <p:cNvSpPr/>
+          <p:cNvSpPr>
+            <a:spLocks noGrp="1"/>
+          </p:cNvSpPr>
           <p:nvPr>
             <p:ph type="pic" sz="quarter" idx="13"/>
           </p:nvPr>
@@ -4786,14 +4969,16 @@
           </a:bodyPr>
           <a:lstStyle/>
           <a:p>
-            <a:pPr/>
+            <a:endParaRPr/>
           </a:p>
         </p:txBody>
       </p:sp>
       <p:sp>
         <p:nvSpPr>
           <p:cNvPr id="86" name="Image"/>
-          <p:cNvSpPr/>
+          <p:cNvSpPr>
+            <a:spLocks noGrp="1"/>
+          </p:cNvSpPr>
           <p:nvPr>
             <p:ph type="pic" sz="quarter" idx="14"/>
           </p:nvPr>
@@ -4813,14 +4998,16 @@
           </a:bodyPr>
           <a:lstStyle/>
           <a:p>
-            <a:pPr/>
+            <a:endParaRPr/>
           </a:p>
         </p:txBody>
       </p:sp>
       <p:sp>
         <p:nvSpPr>
           <p:cNvPr id="87" name="Image"/>
-          <p:cNvSpPr/>
+          <p:cNvSpPr>
+            <a:spLocks noGrp="1"/>
+          </p:cNvSpPr>
           <p:nvPr>
             <p:ph type="pic" sz="half" idx="15"/>
           </p:nvPr>
@@ -4840,14 +5027,16 @@
           </a:bodyPr>
           <a:lstStyle/>
           <a:p>
-            <a:pPr/>
+            <a:endParaRPr/>
           </a:p>
         </p:txBody>
       </p:sp>
       <p:sp>
         <p:nvSpPr>
           <p:cNvPr id="88" name="Slide Number"/>
-          <p:cNvSpPr txBox="1"/>
+          <p:cNvSpPr txBox="1">
+            <a:spLocks noGrp="1"/>
+          </p:cNvSpPr>
           <p:nvPr>
             <p:ph type="sldNum" sz="quarter" idx="2"/>
           </p:nvPr>
@@ -4874,8 +5063,10 @@
             </a:lvl1pPr>
           </a:lstStyle>
           <a:p>
-            <a:pPr/>
-            <a:fld id="{86CB4B4D-7CA3-9044-876B-883B54F8677D}" type="slidenum"/>
+            <a:fld id="{86CB4B4D-7CA3-9044-876B-883B54F8677D}" type="slidenum">
+              <a:t>‹#›</a:t>
+            </a:fld>
+            <a:endParaRPr/>
           </a:p>
         </p:txBody>
       </p:sp>
@@ -4884,7 +5075,7 @@
   <p:clrMapOvr>
     <a:masterClrMapping/>
   </p:clrMapOvr>
-  <p:transition xmlns:p14="http://schemas.microsoft.com/office/powerpoint/2010/main" spd="med" advClick="1"/>
+  <p:transition spd="med"/>
 </p:sldLayout>
 </file>
 
@@ -4896,6 +5087,7 @@
         <a:solidFill>
           <a:srgbClr val="FFFFFF"/>
         </a:solidFill>
+        <a:effectLst/>
       </p:bgPr>
     </p:bg>
     <p:spTree>
@@ -4948,13 +5140,16 @@
                 <a:sym typeface="Helvetica"/>
               </a:defRPr>
             </a:pPr>
+            <a:endParaRPr/>
           </a:p>
         </p:txBody>
       </p:sp>
       <p:sp>
         <p:nvSpPr>
           <p:cNvPr id="3" name="Title Text"/>
-          <p:cNvSpPr txBox="1"/>
+          <p:cNvSpPr txBox="1">
+            <a:spLocks noGrp="1"/>
+          </p:cNvSpPr>
           <p:nvPr>
             <p:ph type="title"/>
           </p:nvPr>
@@ -4972,17 +5167,16 @@
           </a:ln>
           <a:extLst>
             <a:ext uri="{C572A759-6A51-4108-AA02-DFA0A04FC94B}">
-              <ma14:wrappingTextBoxFlag xmlns:ma14="http://schemas.microsoft.com/office/mac/drawingml/2011/main" val="1"/>
+              <ma14:wrappingTextBoxFlag xmlns:ma14="http://schemas.microsoft.com/office/mac/drawingml/2011/main" xmlns="" val="1"/>
             </a:ext>
           </a:extLst>
         </p:spPr>
         <p:txBody>
           <a:bodyPr lIns="50800" tIns="50800" rIns="50800" bIns="50800" anchor="ctr">
-            <a:normAutofit fontScale="100000" lnSpcReduction="0"/>
+            <a:normAutofit/>
           </a:bodyPr>
           <a:lstStyle/>
           <a:p>
-            <a:pPr/>
             <a:r>
               <a:t>Title Text</a:t>
             </a:r>
@@ -4998,7 +5192,7 @@
           <p:nvPr/>
         </p:nvPicPr>
         <p:blipFill>
-          <a:blip r:embed="rId2">
+          <a:blip r:embed="rId18">
             <a:alphaModFix amt="25000"/>
             <a:extLst/>
           </a:blip>
@@ -5022,7 +5216,9 @@
       <p:sp>
         <p:nvSpPr>
           <p:cNvPr id="5" name="Body Level One…"/>
-          <p:cNvSpPr txBox="1"/>
+          <p:cNvSpPr txBox="1">
+            <a:spLocks noGrp="1"/>
+          </p:cNvSpPr>
           <p:nvPr>
             <p:ph type="body" idx="1"/>
           </p:nvPr>
@@ -5040,17 +5236,16 @@
           </a:ln>
           <a:extLst>
             <a:ext uri="{C572A759-6A51-4108-AA02-DFA0A04FC94B}">
-              <ma14:wrappingTextBoxFlag xmlns:ma14="http://schemas.microsoft.com/office/mac/drawingml/2011/main" val="1"/>
+              <ma14:wrappingTextBoxFlag xmlns:ma14="http://schemas.microsoft.com/office/mac/drawingml/2011/main" xmlns="" val="1"/>
             </a:ext>
           </a:extLst>
         </p:spPr>
         <p:txBody>
           <a:bodyPr lIns="50800" tIns="50800" rIns="50800" bIns="50800">
-            <a:normAutofit fontScale="100000" lnSpcReduction="0"/>
+            <a:normAutofit/>
           </a:bodyPr>
           <a:lstStyle/>
           <a:p>
-            <a:pPr/>
             <a:r>
               <a:t>Body Level One</a:t>
             </a:r>
@@ -5084,7 +5279,9 @@
       <p:sp>
         <p:nvSpPr>
           <p:cNvPr id="6" name="Slide Number"/>
-          <p:cNvSpPr txBox="1"/>
+          <p:cNvSpPr txBox="1">
+            <a:spLocks noGrp="1"/>
+          </p:cNvSpPr>
           <p:nvPr>
             <p:ph type="sldNum" sz="quarter" idx="2"/>
           </p:nvPr>
@@ -5107,7 +5304,7 @@
           </a:bodyPr>
           <a:lstStyle>
             <a:lvl1pPr defTabSz="825500">
-              <a:defRPr b="0" sz="2400">
+              <a:defRPr sz="2400" b="0">
                 <a:latin typeface="Helvetica"/>
                 <a:ea typeface="Helvetica"/>
                 <a:cs typeface="Helvetica"/>
@@ -5116,8 +5313,10 @@
             </a:lvl1pPr>
           </a:lstStyle>
           <a:p>
-            <a:pPr/>
-            <a:fld id="{86CB4B4D-7CA3-9044-876B-883B54F8677D}" type="slidenum"/>
+            <a:fld id="{86CB4B4D-7CA3-9044-876B-883B54F8677D}" type="slidenum">
+              <a:t>‹#›</a:t>
+            </a:fld>
+            <a:endParaRPr/>
           </a:p>
         </p:txBody>
       </p:sp>
@@ -5125,24 +5324,24 @@
   </p:cSld>
   <p:clrMap bg1="lt1" tx1="dk1" bg2="lt2" tx2="dk2" accent1="accent1" accent2="accent2" accent3="accent3" accent4="accent4" accent5="accent5" accent6="accent6" hlink="hlink" folHlink="folHlink"/>
   <p:sldLayoutIdLst>
-    <p:sldLayoutId id="2147483649" r:id="rId3"/>
-    <p:sldLayoutId id="2147483650" r:id="rId4"/>
-    <p:sldLayoutId id="2147483651" r:id="rId5"/>
-    <p:sldLayoutId id="2147483652" r:id="rId6"/>
-    <p:sldLayoutId id="2147483653" r:id="rId7"/>
-    <p:sldLayoutId id="2147483654" r:id="rId8"/>
-    <p:sldLayoutId id="2147483655" r:id="rId9"/>
-    <p:sldLayoutId id="2147483656" r:id="rId10"/>
-    <p:sldLayoutId id="2147483657" r:id="rId11"/>
-    <p:sldLayoutId id="2147483658" r:id="rId12"/>
-    <p:sldLayoutId id="2147483659" r:id="rId13"/>
-    <p:sldLayoutId id="2147483660" r:id="rId14"/>
-    <p:sldLayoutId id="2147483661" r:id="rId15"/>
-    <p:sldLayoutId id="2147483662" r:id="rId16"/>
-    <p:sldLayoutId id="2147483663" r:id="rId17"/>
-    <p:sldLayoutId id="2147483664" r:id="rId18"/>
+    <p:sldLayoutId id="2147483649" r:id="rId1"/>
+    <p:sldLayoutId id="2147483650" r:id="rId2"/>
+    <p:sldLayoutId id="2147483651" r:id="rId3"/>
+    <p:sldLayoutId id="2147483652" r:id="rId4"/>
+    <p:sldLayoutId id="2147483653" r:id="rId5"/>
+    <p:sldLayoutId id="2147483654" r:id="rId6"/>
+    <p:sldLayoutId id="2147483655" r:id="rId7"/>
+    <p:sldLayoutId id="2147483656" r:id="rId8"/>
+    <p:sldLayoutId id="2147483657" r:id="rId9"/>
+    <p:sldLayoutId id="2147483658" r:id="rId10"/>
+    <p:sldLayoutId id="2147483659" r:id="rId11"/>
+    <p:sldLayoutId id="2147483660" r:id="rId12"/>
+    <p:sldLayoutId id="2147483661" r:id="rId13"/>
+    <p:sldLayoutId id="2147483662" r:id="rId14"/>
+    <p:sldLayoutId id="2147483663" r:id="rId15"/>
+    <p:sldLayoutId id="2147483664" r:id="rId16"/>
   </p:sldLayoutIdLst>
-  <p:transition xmlns:p14="http://schemas.microsoft.com/office/powerpoint/2010/main" spd="med" advClick="1"/>
+  <p:transition spd="med"/>
   <p:txStyles>
     <p:titleStyle>
       <a:lvl1pPr marL="0" marR="0" indent="0" algn="ctr" defTabSz="825500" latinLnBrk="0">
@@ -5160,7 +5359,7 @@
         <a:buFontTx/>
         <a:buNone/>
         <a:tabLst/>
-        <a:defRPr b="0" baseline="0" cap="none" i="0" spc="0" strike="noStrike" sz="15000" u="none">
+        <a:defRPr sz="15000" b="0" i="0" u="none" strike="noStrike" cap="none" spc="0" baseline="0">
           <a:ln>
             <a:noFill/>
           </a:ln>
@@ -5189,7 +5388,7 @@
         <a:buFontTx/>
         <a:buNone/>
         <a:tabLst/>
-        <a:defRPr b="0" baseline="0" cap="none" i="0" spc="0" strike="noStrike" sz="15000" u="none">
+        <a:defRPr sz="15000" b="0" i="0" u="none" strike="noStrike" cap="none" spc="0" baseline="0">
           <a:ln>
             <a:noFill/>
           </a:ln>
@@ -5218,7 +5417,7 @@
         <a:buFontTx/>
         <a:buNone/>
         <a:tabLst/>
-        <a:defRPr b="0" baseline="0" cap="none" i="0" spc="0" strike="noStrike" sz="15000" u="none">
+        <a:defRPr sz="15000" b="0" i="0" u="none" strike="noStrike" cap="none" spc="0" baseline="0">
           <a:ln>
             <a:noFill/>
           </a:ln>
@@ -5247,7 +5446,7 @@
         <a:buFontTx/>
         <a:buNone/>
         <a:tabLst/>
-        <a:defRPr b="0" baseline="0" cap="none" i="0" spc="0" strike="noStrike" sz="15000" u="none">
+        <a:defRPr sz="15000" b="0" i="0" u="none" strike="noStrike" cap="none" spc="0" baseline="0">
           <a:ln>
             <a:noFill/>
           </a:ln>
@@ -5276,7 +5475,7 @@
         <a:buFontTx/>
         <a:buNone/>
         <a:tabLst/>
-        <a:defRPr b="0" baseline="0" cap="none" i="0" spc="0" strike="noStrike" sz="15000" u="none">
+        <a:defRPr sz="15000" b="0" i="0" u="none" strike="noStrike" cap="none" spc="0" baseline="0">
           <a:ln>
             <a:noFill/>
           </a:ln>
@@ -5305,7 +5504,7 @@
         <a:buFontTx/>
         <a:buNone/>
         <a:tabLst/>
-        <a:defRPr b="0" baseline="0" cap="none" i="0" spc="0" strike="noStrike" sz="15000" u="none">
+        <a:defRPr sz="15000" b="0" i="0" u="none" strike="noStrike" cap="none" spc="0" baseline="0">
           <a:ln>
             <a:noFill/>
           </a:ln>
@@ -5334,7 +5533,7 @@
         <a:buFontTx/>
         <a:buNone/>
         <a:tabLst/>
-        <a:defRPr b="0" baseline="0" cap="none" i="0" spc="0" strike="noStrike" sz="15000" u="none">
+        <a:defRPr sz="15000" b="0" i="0" u="none" strike="noStrike" cap="none" spc="0" baseline="0">
           <a:ln>
             <a:noFill/>
           </a:ln>
@@ -5363,7 +5562,7 @@
         <a:buFontTx/>
         <a:buNone/>
         <a:tabLst/>
-        <a:defRPr b="0" baseline="0" cap="none" i="0" spc="0" strike="noStrike" sz="15000" u="none">
+        <a:defRPr sz="15000" b="0" i="0" u="none" strike="noStrike" cap="none" spc="0" baseline="0">
           <a:ln>
             <a:noFill/>
           </a:ln>
@@ -5392,7 +5591,7 @@
         <a:buFontTx/>
         <a:buNone/>
         <a:tabLst/>
-        <a:defRPr b="0" baseline="0" cap="none" i="0" spc="0" strike="noStrike" sz="15000" u="none">
+        <a:defRPr sz="15000" b="0" i="0" u="none" strike="noStrike" cap="none" spc="0" baseline="0">
           <a:ln>
             <a:noFill/>
           </a:ln>
@@ -5423,7 +5622,7 @@
         <a:buFontTx/>
         <a:buNone/>
         <a:tabLst/>
-        <a:defRPr b="0" baseline="0" cap="none" i="0" spc="0" strike="noStrike" sz="4400" u="none">
+        <a:defRPr sz="4400" b="0" i="0" u="none" strike="noStrike" cap="none" spc="0" baseline="0">
           <a:ln>
             <a:noFill/>
           </a:ln>
@@ -5452,7 +5651,7 @@
         <a:buFontTx/>
         <a:buNone/>
         <a:tabLst/>
-        <a:defRPr b="0" baseline="0" cap="none" i="0" spc="0" strike="noStrike" sz="4400" u="none">
+        <a:defRPr sz="4400" b="0" i="0" u="none" strike="noStrike" cap="none" spc="0" baseline="0">
           <a:ln>
             <a:noFill/>
           </a:ln>
@@ -5481,7 +5680,7 @@
         <a:buFontTx/>
         <a:buNone/>
         <a:tabLst/>
-        <a:defRPr b="0" baseline="0" cap="none" i="0" spc="0" strike="noStrike" sz="4400" u="none">
+        <a:defRPr sz="4400" b="0" i="0" u="none" strike="noStrike" cap="none" spc="0" baseline="0">
           <a:ln>
             <a:noFill/>
           </a:ln>
@@ -5510,7 +5709,7 @@
         <a:buFontTx/>
         <a:buNone/>
         <a:tabLst/>
-        <a:defRPr b="0" baseline="0" cap="none" i="0" spc="0" strike="noStrike" sz="4400" u="none">
+        <a:defRPr sz="4400" b="0" i="0" u="none" strike="noStrike" cap="none" spc="0" baseline="0">
           <a:ln>
             <a:noFill/>
           </a:ln>
@@ -5539,7 +5738,7 @@
         <a:buFontTx/>
         <a:buNone/>
         <a:tabLst/>
-        <a:defRPr b="0" baseline="0" cap="none" i="0" spc="0" strike="noStrike" sz="4400" u="none">
+        <a:defRPr sz="4400" b="0" i="0" u="none" strike="noStrike" cap="none" spc="0" baseline="0">
           <a:ln>
             <a:noFill/>
           </a:ln>
@@ -5568,7 +5767,7 @@
         <a:buFontTx/>
         <a:buNone/>
         <a:tabLst/>
-        <a:defRPr b="0" baseline="0" cap="none" i="0" spc="0" strike="noStrike" sz="4400" u="none">
+        <a:defRPr sz="4400" b="0" i="0" u="none" strike="noStrike" cap="none" spc="0" baseline="0">
           <a:ln>
             <a:noFill/>
           </a:ln>
@@ -5597,7 +5796,7 @@
         <a:buFontTx/>
         <a:buNone/>
         <a:tabLst/>
-        <a:defRPr b="0" baseline="0" cap="none" i="0" spc="0" strike="noStrike" sz="4400" u="none">
+        <a:defRPr sz="4400" b="0" i="0" u="none" strike="noStrike" cap="none" spc="0" baseline="0">
           <a:ln>
             <a:noFill/>
           </a:ln>
@@ -5626,7 +5825,7 @@
         <a:buFontTx/>
         <a:buNone/>
         <a:tabLst/>
-        <a:defRPr b="0" baseline="0" cap="none" i="0" spc="0" strike="noStrike" sz="4400" u="none">
+        <a:defRPr sz="4400" b="0" i="0" u="none" strike="noStrike" cap="none" spc="0" baseline="0">
           <a:ln>
             <a:noFill/>
           </a:ln>
@@ -5655,7 +5854,7 @@
         <a:buFontTx/>
         <a:buNone/>
         <a:tabLst/>
-        <a:defRPr b="0" baseline="0" cap="none" i="0" spc="0" strike="noStrike" sz="4400" u="none">
+        <a:defRPr sz="4400" b="0" i="0" u="none" strike="noStrike" cap="none" spc="0" baseline="0">
           <a:ln>
             <a:noFill/>
           </a:ln>
@@ -5686,7 +5885,7 @@
         <a:buFontTx/>
         <a:buNone/>
         <a:tabLst/>
-        <a:defRPr b="0" baseline="0" cap="none" i="0" spc="0" strike="noStrike" sz="2400" u="none">
+        <a:defRPr sz="2400" b="0" i="0" u="none" strike="noStrike" cap="none" spc="0" baseline="0">
           <a:ln>
             <a:noFill/>
           </a:ln>
@@ -5715,7 +5914,7 @@
         <a:buFontTx/>
         <a:buNone/>
         <a:tabLst/>
-        <a:defRPr b="0" baseline="0" cap="none" i="0" spc="0" strike="noStrike" sz="2400" u="none">
+        <a:defRPr sz="2400" b="0" i="0" u="none" strike="noStrike" cap="none" spc="0" baseline="0">
           <a:ln>
             <a:noFill/>
           </a:ln>
@@ -5744,7 +5943,7 @@
         <a:buFontTx/>
         <a:buNone/>
         <a:tabLst/>
-        <a:defRPr b="0" baseline="0" cap="none" i="0" spc="0" strike="noStrike" sz="2400" u="none">
+        <a:defRPr sz="2400" b="0" i="0" u="none" strike="noStrike" cap="none" spc="0" baseline="0">
           <a:ln>
             <a:noFill/>
           </a:ln>
@@ -5773,7 +5972,7 @@
         <a:buFontTx/>
         <a:buNone/>
         <a:tabLst/>
-        <a:defRPr b="0" baseline="0" cap="none" i="0" spc="0" strike="noStrike" sz="2400" u="none">
+        <a:defRPr sz="2400" b="0" i="0" u="none" strike="noStrike" cap="none" spc="0" baseline="0">
           <a:ln>
             <a:noFill/>
           </a:ln>
@@ -5802,7 +6001,7 @@
         <a:buFontTx/>
         <a:buNone/>
         <a:tabLst/>
-        <a:defRPr b="0" baseline="0" cap="none" i="0" spc="0" strike="noStrike" sz="2400" u="none">
+        <a:defRPr sz="2400" b="0" i="0" u="none" strike="noStrike" cap="none" spc="0" baseline="0">
           <a:ln>
             <a:noFill/>
           </a:ln>
@@ -5831,7 +6030,7 @@
         <a:buFontTx/>
         <a:buNone/>
         <a:tabLst/>
-        <a:defRPr b="0" baseline="0" cap="none" i="0" spc="0" strike="noStrike" sz="2400" u="none">
+        <a:defRPr sz="2400" b="0" i="0" u="none" strike="noStrike" cap="none" spc="0" baseline="0">
           <a:ln>
             <a:noFill/>
           </a:ln>
@@ -5860,7 +6059,7 @@
         <a:buFontTx/>
         <a:buNone/>
         <a:tabLst/>
-        <a:defRPr b="0" baseline="0" cap="none" i="0" spc="0" strike="noStrike" sz="2400" u="none">
+        <a:defRPr sz="2400" b="0" i="0" u="none" strike="noStrike" cap="none" spc="0" baseline="0">
           <a:ln>
             <a:noFill/>
           </a:ln>
@@ -5889,7 +6088,7 @@
         <a:buFontTx/>
         <a:buNone/>
         <a:tabLst/>
-        <a:defRPr b="0" baseline="0" cap="none" i="0" spc="0" strike="noStrike" sz="2400" u="none">
+        <a:defRPr sz="2400" b="0" i="0" u="none" strike="noStrike" cap="none" spc="0" baseline="0">
           <a:ln>
             <a:noFill/>
           </a:ln>
@@ -5918,7 +6117,7 @@
         <a:buFontTx/>
         <a:buNone/>
         <a:tabLst/>
-        <a:defRPr b="0" baseline="0" cap="none" i="0" spc="0" strike="noStrike" sz="2400" u="none">
+        <a:defRPr sz="2400" b="0" i="0" u="none" strike="noStrike" cap="none" spc="0" baseline="0">
           <a:ln>
             <a:noFill/>
           </a:ln>
@@ -5938,7 +6137,7 @@
 </file>
 
 <file path=ppt/slides/slide1.xml><?xml version="1.0" encoding="utf-8"?>
-<p:sld xmlns:a="http://schemas.openxmlformats.org/drawingml/2006/main" xmlns:r="http://schemas.openxmlformats.org/officeDocument/2006/relationships" xmlns:p="http://schemas.openxmlformats.org/presentationml/2006/main" showMasterSp="1" showMasterPhAnim="1">
+<p:sld xmlns:a="http://schemas.openxmlformats.org/drawingml/2006/main" xmlns:r="http://schemas.openxmlformats.org/officeDocument/2006/relationships" xmlns:p="http://schemas.openxmlformats.org/presentationml/2006/main">
   <p:cSld>
     <p:spTree>
       <p:nvGrpSpPr>
@@ -5957,7 +6156,9 @@
       <p:sp>
         <p:nvSpPr>
           <p:cNvPr id="173" name="State"/>
-          <p:cNvSpPr txBox="1"/>
+          <p:cNvSpPr txBox="1">
+            <a:spLocks noGrp="1"/>
+          </p:cNvSpPr>
           <p:nvPr>
             <p:ph type="title"/>
           </p:nvPr>
@@ -5971,7 +6172,6 @@
           <a:bodyPr/>
           <a:lstStyle/>
           <a:p>
-            <a:pPr/>
             <a:r>
               <a:t>State</a:t>
             </a:r>
@@ -5983,12 +6183,12 @@
   <p:clrMapOvr>
     <a:masterClrMapping/>
   </p:clrMapOvr>
-  <p:transition xmlns:p14="http://schemas.microsoft.com/office/powerpoint/2010/main" spd="med" advClick="1"/>
+  <p:transition spd="med"/>
 </p:sld>
 </file>
 
 <file path=ppt/slides/slide10.xml><?xml version="1.0" encoding="utf-8"?>
-<p:sld xmlns:a="http://schemas.openxmlformats.org/drawingml/2006/main" xmlns:r="http://schemas.openxmlformats.org/officeDocument/2006/relationships" xmlns:p="http://schemas.openxmlformats.org/presentationml/2006/main" showMasterSp="1" showMasterPhAnim="1">
+<p:sld xmlns:a="http://schemas.openxmlformats.org/drawingml/2006/main" xmlns:r="http://schemas.openxmlformats.org/officeDocument/2006/relationships" xmlns:p="http://schemas.openxmlformats.org/presentationml/2006/main">
   <p:cSld>
     <p:spTree>
       <p:nvGrpSpPr>
@@ -6007,7 +6207,9 @@
       <p:sp>
         <p:nvSpPr>
           <p:cNvPr id="210" name="Where is State?"/>
-          <p:cNvSpPr txBox="1"/>
+          <p:cNvSpPr txBox="1">
+            <a:spLocks noGrp="1"/>
+          </p:cNvSpPr>
           <p:nvPr>
             <p:ph type="title"/>
           </p:nvPr>
@@ -6021,7 +6223,6 @@
           <a:bodyPr/>
           <a:lstStyle/>
           <a:p>
-            <a:pPr/>
             <a:r>
               <a:t>Where is State?</a:t>
             </a:r>
@@ -6031,7 +6232,9 @@
       <p:sp>
         <p:nvSpPr>
           <p:cNvPr id="211" name="Local State (default)…"/>
-          <p:cNvSpPr txBox="1"/>
+          <p:cNvSpPr txBox="1">
+            <a:spLocks noGrp="1"/>
+          </p:cNvSpPr>
           <p:nvPr>
             <p:ph type="body" idx="1"/>
           </p:nvPr>
@@ -6049,7 +6252,7 @@
               <a:spcBef>
                 <a:spcPts val="3700"/>
               </a:spcBef>
-              <a:defRPr b="1" sz="5640"/>
+              <a:defRPr sz="5640" b="1"/>
             </a:pPr>
             <a:r>
               <a:t>Local State (default)</a:t>
@@ -6061,20 +6264,19 @@
               <a:spcBef>
                 <a:spcPts val="3700"/>
               </a:spcBef>
-              <a:defRPr b="1" sz="5640"/>
+              <a:defRPr sz="5640" b="1"/>
             </a:pPr>
             <a:r>
               <a:rPr b="0"/>
               <a:t>Stored locally in a JSON format.</a:t>
             </a:r>
-            <a:endParaRPr b="0"/>
           </a:p>
           <a:p>
             <a:pPr defTabSz="775969">
               <a:spcBef>
                 <a:spcPts val="3700"/>
               </a:spcBef>
-              <a:defRPr b="1" sz="5640"/>
+              <a:defRPr sz="5640" b="1"/>
             </a:pPr>
             <a:endParaRPr b="0"/>
           </a:p>
@@ -6083,7 +6285,7 @@
               <a:spcBef>
                 <a:spcPts val="3700"/>
               </a:spcBef>
-              <a:defRPr b="1" sz="5640"/>
+              <a:defRPr sz="5640" b="1"/>
             </a:pPr>
             <a:r>
               <a:t>Remote State</a:t>
@@ -6107,12 +6309,12 @@
   <p:clrMapOvr>
     <a:masterClrMapping/>
   </p:clrMapOvr>
-  <p:transition xmlns:p14="http://schemas.microsoft.com/office/powerpoint/2010/main" spd="med" advClick="1"/>
+  <p:transition spd="med"/>
 </p:sld>
 </file>
 
 <file path=ppt/slides/slide11.xml><?xml version="1.0" encoding="utf-8"?>
-<p:sld xmlns:a="http://schemas.openxmlformats.org/drawingml/2006/main" xmlns:r="http://schemas.openxmlformats.org/officeDocument/2006/relationships" xmlns:p="http://schemas.openxmlformats.org/presentationml/2006/main" showMasterSp="1" showMasterPhAnim="1">
+<p:sld xmlns:a="http://schemas.openxmlformats.org/drawingml/2006/main" xmlns:r="http://schemas.openxmlformats.org/officeDocument/2006/relationships" xmlns:p="http://schemas.openxmlformats.org/presentationml/2006/main">
   <p:cSld>
     <p:spTree>
       <p:nvGrpSpPr>
@@ -6131,7 +6333,9 @@
       <p:sp>
         <p:nvSpPr>
           <p:cNvPr id="215" name="Local State"/>
-          <p:cNvSpPr txBox="1"/>
+          <p:cNvSpPr txBox="1">
+            <a:spLocks noGrp="1"/>
+          </p:cNvSpPr>
           <p:nvPr>
             <p:ph type="title"/>
           </p:nvPr>
@@ -6145,7 +6349,6 @@
           <a:bodyPr/>
           <a:lstStyle/>
           <a:p>
-            <a:pPr/>
             <a:r>
               <a:t>Local State</a:t>
             </a:r>
@@ -6155,7 +6358,9 @@
       <p:sp>
         <p:nvSpPr>
           <p:cNvPr id="216" name="State is stored locally on one machine in JSON format…"/>
-          <p:cNvSpPr txBox="1"/>
+          <p:cNvSpPr txBox="1">
+            <a:spLocks noGrp="1"/>
+          </p:cNvSpPr>
           <p:nvPr>
             <p:ph type="body" idx="1"/>
           </p:nvPr>
@@ -6230,12 +6435,12 @@
   <p:clrMapOvr>
     <a:masterClrMapping/>
   </p:clrMapOvr>
-  <p:transition xmlns:p14="http://schemas.microsoft.com/office/powerpoint/2010/main" spd="med" advClick="1"/>
+  <p:transition spd="med"/>
 </p:sld>
 </file>
 
 <file path=ppt/slides/slide12.xml><?xml version="1.0" encoding="utf-8"?>
-<p:sld xmlns:a="http://schemas.openxmlformats.org/drawingml/2006/main" xmlns:r="http://schemas.openxmlformats.org/officeDocument/2006/relationships" xmlns:p="http://schemas.openxmlformats.org/presentationml/2006/main" showMasterSp="1" showMasterPhAnim="1">
+<p:sld xmlns:a="http://schemas.openxmlformats.org/drawingml/2006/main" xmlns:r="http://schemas.openxmlformats.org/officeDocument/2006/relationships" xmlns:p="http://schemas.openxmlformats.org/presentationml/2006/main">
   <p:cSld>
     <p:spTree>
       <p:nvGrpSpPr>
@@ -6254,7 +6459,9 @@
       <p:sp>
         <p:nvSpPr>
           <p:cNvPr id="220" name="Remote State"/>
-          <p:cNvSpPr txBox="1"/>
+          <p:cNvSpPr txBox="1">
+            <a:spLocks noGrp="1"/>
+          </p:cNvSpPr>
           <p:nvPr>
             <p:ph type="title"/>
           </p:nvPr>
@@ -6268,7 +6475,6 @@
           <a:bodyPr/>
           <a:lstStyle/>
           <a:p>
-            <a:pPr/>
             <a:r>
               <a:t>Remote State</a:t>
             </a:r>
@@ -6278,7 +6484,9 @@
       <p:sp>
         <p:nvSpPr>
           <p:cNvPr id="221" name="State is on a remote source like Terraform Enterprise or Consul…"/>
-          <p:cNvSpPr txBox="1"/>
+          <p:cNvSpPr txBox="1">
+            <a:spLocks noGrp="1"/>
+          </p:cNvSpPr>
           <p:nvPr>
             <p:ph type="body" idx="1"/>
           </p:nvPr>
@@ -6353,12 +6561,12 @@
   <p:clrMapOvr>
     <a:masterClrMapping/>
   </p:clrMapOvr>
-  <p:transition xmlns:p14="http://schemas.microsoft.com/office/powerpoint/2010/main" spd="med" advClick="1"/>
+  <p:transition spd="med"/>
 </p:sld>
 </file>
 
 <file path=ppt/slides/slide13.xml><?xml version="1.0" encoding="utf-8"?>
-<p:sld xmlns:a="http://schemas.openxmlformats.org/drawingml/2006/main" xmlns:r="http://schemas.openxmlformats.org/officeDocument/2006/relationships" xmlns:p="http://schemas.openxmlformats.org/presentationml/2006/main" showMasterSp="1" showMasterPhAnim="1">
+<p:sld xmlns:a="http://schemas.openxmlformats.org/drawingml/2006/main" xmlns:r="http://schemas.openxmlformats.org/officeDocument/2006/relationships" xmlns:p="http://schemas.openxmlformats.org/presentationml/2006/main">
   <p:cSld>
     <p:spTree>
       <p:nvGrpSpPr>
@@ -6377,7 +6585,9 @@
       <p:sp>
         <p:nvSpPr>
           <p:cNvPr id="225" name="data &quot;terraform_remote_state&quot; &quot;networkink&quot; {…"/>
-          <p:cNvSpPr txBox="1"/>
+          <p:cNvSpPr txBox="1">
+            <a:spLocks noGrp="1"/>
+          </p:cNvSpPr>
           <p:nvPr>
             <p:ph type="body" idx="13"/>
           </p:nvPr>
@@ -6385,14 +6595,14 @@
         <p:spPr>
           <a:xfrm>
             <a:off x="6256972" y="2587656"/>
-            <a:ext cx="16670656" cy="7269481"/>
+            <a:ext cx="16670656" cy="5273238"/>
           </a:xfrm>
           <a:prstGeom prst="rect">
             <a:avLst/>
           </a:prstGeom>
           <a:extLst>
             <a:ext uri="{C572A759-6A51-4108-AA02-DFA0A04FC94B}">
-              <ma14:wrappingTextBoxFlag xmlns:ma14="http://schemas.microsoft.com/office/mac/drawingml/2011/main" val="1"/>
+              <ma14:wrappingTextBoxFlag xmlns:ma14="http://schemas.microsoft.com/office/mac/drawingml/2011/main" xmlns="" val="1"/>
             </a:ext>
           </a:extLst>
         </p:spPr>
@@ -6400,224 +6610,360 @@
           <a:bodyPr/>
           <a:lstStyle/>
           <a:p>
-            <a:pPr algn="l">
-              <a:lnSpc>
-                <a:spcPct val="120000"/>
-              </a:lnSpc>
-              <a:defRPr sz="2800">
+            <a:pPr algn="l"/>
+            <a:r>
+              <a:rPr lang="en-US" sz="2800" dirty="0">
                 <a:solidFill>
-                  <a:srgbClr val="FFFFFF"/>
+                  <a:srgbClr val="569CD6"/>
                 </a:solidFill>
-                <a:latin typeface="Courier"/>
-                <a:ea typeface="Courier"/>
-                <a:cs typeface="Courier"/>
-                <a:sym typeface="Courier"/>
-              </a:defRPr>
-            </a:pPr>
-            <a:r>
-              <a:t>data "terraform_remote_state" "networkink" {</a:t>
-            </a:r>
-          </a:p>
-          <a:p>
-            <a:pPr algn="l">
-              <a:lnSpc>
-                <a:spcPct val="120000"/>
-              </a:lnSpc>
-              <a:defRPr sz="2800">
+                <a:latin typeface="Consolas" panose="020B0609020204030204" pitchFamily="49" charset="0"/>
+              </a:rPr>
+              <a:t>data</a:t>
+            </a:r>
+            <a:r>
+              <a:rPr lang="en-US" sz="2800" dirty="0">
                 <a:solidFill>
-                  <a:srgbClr val="FFFFFF"/>
+                  <a:srgbClr val="CE9178"/>
                 </a:solidFill>
-                <a:latin typeface="Courier"/>
-                <a:ea typeface="Courier"/>
-                <a:cs typeface="Courier"/>
-                <a:sym typeface="Courier"/>
-              </a:defRPr>
-            </a:pPr>
-            <a:r>
-              <a:t>  backend = "atlas"</a:t>
-            </a:r>
-          </a:p>
-          <a:p>
-            <a:pPr algn="l">
-              <a:lnSpc>
-                <a:spcPct val="120000"/>
-              </a:lnSpc>
-              <a:defRPr sz="2800">
+                <a:latin typeface="Consolas" panose="020B0609020204030204" pitchFamily="49" charset="0"/>
+              </a:rPr>
+              <a:t> "</a:t>
+            </a:r>
+            <a:r>
+              <a:rPr lang="en-US" sz="2800" dirty="0" err="1">
                 <a:solidFill>
-                  <a:srgbClr val="FFFFFF"/>
+                  <a:srgbClr val="CE9178"/>
                 </a:solidFill>
-                <a:latin typeface="Courier"/>
-                <a:ea typeface="Courier"/>
-                <a:cs typeface="Courier"/>
-                <a:sym typeface="Courier"/>
-              </a:defRPr>
-            </a:pPr>
-            <a:r>
-              <a:t>  config {</a:t>
-            </a:r>
-          </a:p>
-          <a:p>
-            <a:pPr algn="l">
-              <a:lnSpc>
-                <a:spcPct val="120000"/>
-              </a:lnSpc>
-              <a:defRPr sz="2800">
+                <a:latin typeface="Consolas" panose="020B0609020204030204" pitchFamily="49" charset="0"/>
+              </a:rPr>
+              <a:t>terraform_remote_state</a:t>
+            </a:r>
+            <a:r>
+              <a:rPr lang="en-US" sz="2800" dirty="0">
                 <a:solidFill>
-                  <a:srgbClr val="FFFFFF"/>
+                  <a:srgbClr val="CE9178"/>
                 </a:solidFill>
-                <a:latin typeface="Courier"/>
-                <a:ea typeface="Courier"/>
-                <a:cs typeface="Courier"/>
-                <a:sym typeface="Courier"/>
-              </a:defRPr>
-            </a:pPr>
-            <a:r>
-              <a:t>    name = "hashicorp/networking-prod"</a:t>
-            </a:r>
-          </a:p>
-          <a:p>
-            <a:pPr algn="l">
-              <a:lnSpc>
-                <a:spcPct val="120000"/>
-              </a:lnSpc>
-              <a:defRPr sz="2800">
+                <a:latin typeface="Consolas" panose="020B0609020204030204" pitchFamily="49" charset="0"/>
+              </a:rPr>
+              <a:t>" "</a:t>
+            </a:r>
+            <a:r>
+              <a:rPr lang="en-US" sz="2800" dirty="0" err="1">
                 <a:solidFill>
-                  <a:srgbClr val="FFFFFF"/>
+                  <a:srgbClr val="CE9178"/>
                 </a:solidFill>
-                <a:latin typeface="Courier"/>
-                <a:ea typeface="Courier"/>
-                <a:cs typeface="Courier"/>
-                <a:sym typeface="Courier"/>
-              </a:defRPr>
-            </a:pPr>
-            <a:r>
-              <a:t>  }</a:t>
-            </a:r>
-          </a:p>
-          <a:p>
-            <a:pPr algn="l">
-              <a:lnSpc>
-                <a:spcPct val="120000"/>
-              </a:lnSpc>
-              <a:defRPr sz="2800">
+                <a:latin typeface="Consolas" panose="020B0609020204030204" pitchFamily="49" charset="0"/>
+              </a:rPr>
+              <a:t>networkink</a:t>
+            </a:r>
+            <a:r>
+              <a:rPr lang="en-US" sz="2800" dirty="0">
                 <a:solidFill>
-                  <a:srgbClr val="FFFFFF"/>
+                  <a:srgbClr val="CE9178"/>
                 </a:solidFill>
-                <a:latin typeface="Courier"/>
-                <a:ea typeface="Courier"/>
-                <a:cs typeface="Courier"/>
-                <a:sym typeface="Courier"/>
-              </a:defRPr>
-            </a:pPr>
-            <a:r>
+                <a:latin typeface="Consolas" panose="020B0609020204030204" pitchFamily="49" charset="0"/>
+              </a:rPr>
+              <a:t>"</a:t>
+            </a:r>
+            <a:r>
+              <a:rPr lang="en-US" sz="2800" dirty="0">
+                <a:solidFill>
+                  <a:srgbClr val="D4D4D4"/>
+                </a:solidFill>
+                <a:latin typeface="Consolas" panose="020B0609020204030204" pitchFamily="49" charset="0"/>
+              </a:rPr>
+              <a:t> {</a:t>
+            </a:r>
+          </a:p>
+          <a:p>
+            <a:pPr algn="l"/>
+            <a:r>
+              <a:rPr lang="en-US" sz="2800" dirty="0">
+                <a:solidFill>
+                  <a:srgbClr val="D4D4D4"/>
+                </a:solidFill>
+                <a:latin typeface="Consolas" panose="020B0609020204030204" pitchFamily="49" charset="0"/>
+              </a:rPr>
+              <a:t>    backend = </a:t>
+            </a:r>
+            <a:r>
+              <a:rPr lang="en-US" sz="2800" dirty="0">
+                <a:solidFill>
+                  <a:srgbClr val="CE9178"/>
+                </a:solidFill>
+                <a:latin typeface="Consolas" panose="020B0609020204030204" pitchFamily="49" charset="0"/>
+              </a:rPr>
+              <a:t>"atlas"</a:t>
+            </a:r>
+            <a:endParaRPr lang="en-US" sz="2800" dirty="0">
+              <a:solidFill>
+                <a:srgbClr val="D4D4D4"/>
+              </a:solidFill>
+              <a:latin typeface="Consolas" panose="020B0609020204030204" pitchFamily="49" charset="0"/>
+            </a:endParaRPr>
+          </a:p>
+          <a:p>
+            <a:pPr algn="l"/>
+            <a:r>
+              <a:rPr lang="en-US" sz="2800" dirty="0">
+                <a:solidFill>
+                  <a:srgbClr val="569CD6"/>
+                </a:solidFill>
+                <a:latin typeface="Consolas" panose="020B0609020204030204" pitchFamily="49" charset="0"/>
+              </a:rPr>
+              <a:t>    config</a:t>
+            </a:r>
+            <a:r>
+              <a:rPr lang="en-US" sz="2800" dirty="0">
+                <a:solidFill>
+                  <a:srgbClr val="D4D4D4"/>
+                </a:solidFill>
+                <a:latin typeface="Consolas" panose="020B0609020204030204" pitchFamily="49" charset="0"/>
+              </a:rPr>
+              <a:t> {</a:t>
+            </a:r>
+          </a:p>
+          <a:p>
+            <a:pPr algn="l"/>
+            <a:r>
+              <a:rPr lang="en-US" sz="2800" dirty="0">
+                <a:solidFill>
+                  <a:srgbClr val="D4D4D4"/>
+                </a:solidFill>
+                <a:latin typeface="Consolas" panose="020B0609020204030204" pitchFamily="49" charset="0"/>
+              </a:rPr>
+              <a:t>        name = </a:t>
+            </a:r>
+            <a:r>
+              <a:rPr lang="en-US" sz="2800" dirty="0">
+                <a:solidFill>
+                  <a:srgbClr val="CE9178"/>
+                </a:solidFill>
+                <a:latin typeface="Consolas" panose="020B0609020204030204" pitchFamily="49" charset="0"/>
+              </a:rPr>
+              <a:t>"</a:t>
+            </a:r>
+            <a:r>
+              <a:rPr lang="en-US" sz="2800" dirty="0" err="1">
+                <a:solidFill>
+                  <a:srgbClr val="CE9178"/>
+                </a:solidFill>
+                <a:latin typeface="Consolas" panose="020B0609020204030204" pitchFamily="49" charset="0"/>
+              </a:rPr>
+              <a:t>hashicorp</a:t>
+            </a:r>
+            <a:r>
+              <a:rPr lang="en-US" sz="2800" dirty="0">
+                <a:solidFill>
+                  <a:srgbClr val="CE9178"/>
+                </a:solidFill>
+                <a:latin typeface="Consolas" panose="020B0609020204030204" pitchFamily="49" charset="0"/>
+              </a:rPr>
+              <a:t>/networking-prod"</a:t>
+            </a:r>
+            <a:endParaRPr lang="en-US" sz="2800" dirty="0">
+              <a:solidFill>
+                <a:srgbClr val="D4D4D4"/>
+              </a:solidFill>
+              <a:latin typeface="Consolas" panose="020B0609020204030204" pitchFamily="49" charset="0"/>
+            </a:endParaRPr>
+          </a:p>
+          <a:p>
+            <a:pPr algn="l"/>
+            <a:r>
+              <a:rPr lang="en-US" sz="2800" dirty="0">
+                <a:solidFill>
+                  <a:srgbClr val="D4D4D4"/>
+                </a:solidFill>
+                <a:latin typeface="Consolas" panose="020B0609020204030204" pitchFamily="49" charset="0"/>
+              </a:rPr>
+              <a:t>    }</a:t>
+            </a:r>
+          </a:p>
+          <a:p>
+            <a:pPr algn="l"/>
+            <a:r>
+              <a:rPr lang="en-US" sz="2800" dirty="0">
+                <a:solidFill>
+                  <a:srgbClr val="D4D4D4"/>
+                </a:solidFill>
+                <a:latin typeface="Consolas" panose="020B0609020204030204" pitchFamily="49" charset="0"/>
+              </a:rPr>
               <a:t>}</a:t>
             </a:r>
           </a:p>
           <a:p>
-            <a:pPr algn="l">
-              <a:lnSpc>
-                <a:spcPct val="120000"/>
-              </a:lnSpc>
-              <a:defRPr sz="2800">
+            <a:pPr algn="l"/>
+            <a:br>
+              <a:rPr lang="en-US" sz="2800" dirty="0">
                 <a:solidFill>
-                  <a:srgbClr val="FFFFFF"/>
+                  <a:srgbClr val="D4D4D4"/>
                 </a:solidFill>
-                <a:latin typeface="Courier"/>
-                <a:ea typeface="Courier"/>
-                <a:cs typeface="Courier"/>
-                <a:sym typeface="Courier"/>
-              </a:defRPr>
-            </a:pPr>
-          </a:p>
-          <a:p>
-            <a:pPr algn="l">
-              <a:lnSpc>
-                <a:spcPct val="120000"/>
-              </a:lnSpc>
-              <a:defRPr sz="2800">
+                <a:latin typeface="Consolas" panose="020B0609020204030204" pitchFamily="49" charset="0"/>
+              </a:rPr>
+            </a:br>
+            <a:r>
+              <a:rPr lang="en-US" sz="2800" dirty="0">
                 <a:solidFill>
-                  <a:srgbClr val="FFFFFF"/>
+                  <a:srgbClr val="569CD6"/>
                 </a:solidFill>
-                <a:latin typeface="Courier"/>
-                <a:ea typeface="Courier"/>
-                <a:cs typeface="Courier"/>
-                <a:sym typeface="Courier"/>
-              </a:defRPr>
-            </a:pPr>
-            <a:r>
-              <a:t>module “compute” {</a:t>
-            </a:r>
-          </a:p>
-          <a:p>
-            <a:pPr algn="l">
-              <a:lnSpc>
-                <a:spcPct val="120000"/>
-              </a:lnSpc>
-              <a:defRPr sz="2800">
+                <a:latin typeface="Consolas" panose="020B0609020204030204" pitchFamily="49" charset="0"/>
+              </a:rPr>
+              <a:t>module</a:t>
+            </a:r>
+            <a:r>
+              <a:rPr lang="en-US" sz="2800" dirty="0">
                 <a:solidFill>
-                  <a:srgbClr val="FFFFFF"/>
+                  <a:srgbClr val="CE9178"/>
                 </a:solidFill>
-                <a:latin typeface="Courier"/>
-                <a:ea typeface="Courier"/>
-                <a:cs typeface="Courier"/>
-                <a:sym typeface="Courier"/>
-              </a:defRPr>
-            </a:pPr>
-          </a:p>
-          <a:p>
-            <a:pPr algn="l">
-              <a:lnSpc>
-                <a:spcPct val="120000"/>
-              </a:lnSpc>
-              <a:defRPr sz="2800">
+                <a:latin typeface="Consolas" panose="020B0609020204030204" pitchFamily="49" charset="0"/>
+              </a:rPr>
+              <a:t> "compute"</a:t>
+            </a:r>
+            <a:r>
+              <a:rPr lang="en-US" sz="2800" dirty="0">
                 <a:solidFill>
-                  <a:srgbClr val="FFFFFF"/>
+                  <a:srgbClr val="D4D4D4"/>
                 </a:solidFill>
-                <a:latin typeface="Courier"/>
-                <a:ea typeface="Courier"/>
-                <a:cs typeface="Courier"/>
-                <a:sym typeface="Courier"/>
-              </a:defRPr>
-            </a:pPr>
-            <a:r>
-              <a:t>  source = “Azure/compute/azurerm”</a:t>
-            </a:r>
-          </a:p>
-          <a:p>
-            <a:pPr algn="l">
-              <a:lnSpc>
-                <a:spcPct val="120000"/>
-              </a:lnSpc>
-              <a:defRPr sz="2800">
+                <a:latin typeface="Consolas" panose="020B0609020204030204" pitchFamily="49" charset="0"/>
+              </a:rPr>
+              <a:t> {</a:t>
+            </a:r>
+          </a:p>
+          <a:p>
+            <a:pPr algn="l"/>
+            <a:br>
+              <a:rPr lang="en-US" sz="2800" dirty="0">
                 <a:solidFill>
-                  <a:srgbClr val="FFFFFF"/>
+                  <a:srgbClr val="D4D4D4"/>
                 </a:solidFill>
-                <a:latin typeface="Courier"/>
-                <a:ea typeface="Courier"/>
-                <a:cs typeface="Courier"/>
-                <a:sym typeface="Courier"/>
-              </a:defRPr>
-            </a:pPr>
-            <a:r>
-              <a:t>  vnet_subnet_id = “${data.terraform_remote_state.networking-prod.vnet_subnet_id}”</a:t>
-            </a:r>
-          </a:p>
-          <a:p>
-            <a:pPr algn="l">
-              <a:lnSpc>
-                <a:spcPct val="120000"/>
-              </a:lnSpc>
-              <a:defRPr sz="2800">
+                <a:latin typeface="Consolas" panose="020B0609020204030204" pitchFamily="49" charset="0"/>
+              </a:rPr>
+            </a:br>
+            <a:r>
+              <a:rPr lang="en-US" sz="2800" dirty="0">
                 <a:solidFill>
-                  <a:srgbClr val="FFFFFF"/>
+                  <a:srgbClr val="D4D4D4"/>
                 </a:solidFill>
-                <a:latin typeface="Courier"/>
-                <a:ea typeface="Courier"/>
-                <a:cs typeface="Courier"/>
-                <a:sym typeface="Courier"/>
-              </a:defRPr>
-            </a:pPr>
-            <a:r>
+                <a:latin typeface="Consolas" panose="020B0609020204030204" pitchFamily="49" charset="0"/>
+              </a:rPr>
+              <a:t>source = </a:t>
+            </a:r>
+            <a:r>
+              <a:rPr lang="en-US" sz="2800" dirty="0">
+                <a:solidFill>
+                  <a:srgbClr val="CE9178"/>
+                </a:solidFill>
+                <a:latin typeface="Consolas" panose="020B0609020204030204" pitchFamily="49" charset="0"/>
+              </a:rPr>
+              <a:t>"Azure/compute/azurerm"</a:t>
+            </a:r>
+            <a:endParaRPr lang="en-US" sz="2800" dirty="0">
+              <a:solidFill>
+                <a:srgbClr val="D4D4D4"/>
+              </a:solidFill>
+              <a:latin typeface="Consolas" panose="020B0609020204030204" pitchFamily="49" charset="0"/>
+            </a:endParaRPr>
+          </a:p>
+          <a:p>
+            <a:pPr algn="l"/>
+            <a:r>
+              <a:rPr lang="en-US" sz="2800" dirty="0">
+                <a:solidFill>
+                  <a:srgbClr val="D4D4D4"/>
+                </a:solidFill>
+                <a:latin typeface="Consolas" panose="020B0609020204030204" pitchFamily="49" charset="0"/>
+              </a:rPr>
+              <a:t>    </a:t>
+            </a:r>
+            <a:r>
+              <a:rPr lang="en-US" sz="2800" dirty="0" err="1">
+                <a:solidFill>
+                  <a:srgbClr val="D4D4D4"/>
+                </a:solidFill>
+                <a:latin typeface="Consolas" panose="020B0609020204030204" pitchFamily="49" charset="0"/>
+              </a:rPr>
+              <a:t>vnet_subnet_id</a:t>
+            </a:r>
+            <a:r>
+              <a:rPr lang="en-US" sz="2800" dirty="0">
+                <a:solidFill>
+                  <a:srgbClr val="D4D4D4"/>
+                </a:solidFill>
+                <a:latin typeface="Consolas" panose="020B0609020204030204" pitchFamily="49" charset="0"/>
+              </a:rPr>
+              <a:t> = </a:t>
+            </a:r>
+            <a:r>
+              <a:rPr lang="en-US" sz="2800" dirty="0">
+                <a:solidFill>
+                  <a:srgbClr val="CE9178"/>
+                </a:solidFill>
+                <a:latin typeface="Consolas" panose="020B0609020204030204" pitchFamily="49" charset="0"/>
+              </a:rPr>
+              <a:t>"</a:t>
+            </a:r>
+            <a:r>
+              <a:rPr lang="en-US" sz="2800" dirty="0">
+                <a:solidFill>
+                  <a:srgbClr val="D4D4D4"/>
+                </a:solidFill>
+                <a:latin typeface="Consolas" panose="020B0609020204030204" pitchFamily="49" charset="0"/>
+              </a:rPr>
+              <a:t>${</a:t>
+            </a:r>
+            <a:r>
+              <a:rPr lang="en-US" sz="2800" dirty="0" err="1">
+                <a:solidFill>
+                  <a:srgbClr val="569CD6"/>
+                </a:solidFill>
+                <a:latin typeface="Consolas" panose="020B0609020204030204" pitchFamily="49" charset="0"/>
+              </a:rPr>
+              <a:t>data</a:t>
+            </a:r>
+            <a:r>
+              <a:rPr lang="en-US" sz="2800" dirty="0" err="1">
+                <a:solidFill>
+                  <a:srgbClr val="D4D4D4"/>
+                </a:solidFill>
+                <a:latin typeface="Consolas" panose="020B0609020204030204" pitchFamily="49" charset="0"/>
+              </a:rPr>
+              <a:t>.terraform_remote_state.networking-prod.vnet_subnet_id</a:t>
+            </a:r>
+            <a:r>
+              <a:rPr lang="en-US" sz="2800" dirty="0">
+                <a:solidFill>
+                  <a:srgbClr val="D4D4D4"/>
+                </a:solidFill>
+                <a:latin typeface="Consolas" panose="020B0609020204030204" pitchFamily="49" charset="0"/>
+              </a:rPr>
+              <a:t>}</a:t>
+            </a:r>
+            <a:r>
+              <a:rPr lang="en-US" sz="2800" dirty="0">
+                <a:solidFill>
+                  <a:srgbClr val="CE9178"/>
+                </a:solidFill>
+                <a:latin typeface="Consolas" panose="020B0609020204030204" pitchFamily="49" charset="0"/>
+              </a:rPr>
+              <a:t>"</a:t>
+            </a:r>
+            <a:endParaRPr lang="en-US" sz="2800" dirty="0">
+              <a:solidFill>
+                <a:srgbClr val="D4D4D4"/>
+              </a:solidFill>
+              <a:latin typeface="Consolas" panose="020B0609020204030204" pitchFamily="49" charset="0"/>
+            </a:endParaRPr>
+          </a:p>
+          <a:p>
+            <a:pPr algn="l"/>
+            <a:r>
+              <a:rPr lang="en-US" sz="2800" dirty="0">
+                <a:solidFill>
+                  <a:srgbClr val="D4D4D4"/>
+                </a:solidFill>
+                <a:latin typeface="Consolas" panose="020B0609020204030204" pitchFamily="49" charset="0"/>
+              </a:rPr>
               <a:t>}</a:t>
             </a:r>
           </a:p>
@@ -6628,12 +6974,12 @@
   <p:clrMapOvr>
     <a:masterClrMapping/>
   </p:clrMapOvr>
-  <p:transition xmlns:p14="http://schemas.microsoft.com/office/powerpoint/2010/main" spd="med" advClick="1"/>
+  <p:transition spd="med"/>
 </p:sld>
 </file>
 
 <file path=ppt/slides/slide14.xml><?xml version="1.0" encoding="utf-8"?>
-<p:sld xmlns:a="http://schemas.openxmlformats.org/drawingml/2006/main" xmlns:r="http://schemas.openxmlformats.org/officeDocument/2006/relationships" xmlns:p="http://schemas.openxmlformats.org/presentationml/2006/main" showMasterSp="1" showMasterPhAnim="1">
+<p:sld xmlns:a="http://schemas.openxmlformats.org/drawingml/2006/main" xmlns:r="http://schemas.openxmlformats.org/officeDocument/2006/relationships" xmlns:p="http://schemas.openxmlformats.org/presentationml/2006/main">
   <p:cSld>
     <p:spTree>
       <p:nvGrpSpPr>
@@ -6652,7 +6998,9 @@
       <p:sp>
         <p:nvSpPr>
           <p:cNvPr id="229" name="Sensitive Data in State"/>
-          <p:cNvSpPr txBox="1"/>
+          <p:cNvSpPr txBox="1">
+            <a:spLocks noGrp="1"/>
+          </p:cNvSpPr>
           <p:nvPr>
             <p:ph type="title"/>
           </p:nvPr>
@@ -6666,7 +7014,6 @@
           <a:bodyPr/>
           <a:lstStyle/>
           <a:p>
-            <a:pPr/>
             <a:r>
               <a:t>Sensitive Data in State</a:t>
             </a:r>
@@ -6676,7 +7023,9 @@
       <p:sp>
         <p:nvSpPr>
           <p:cNvPr id="230" name="State can contain sensitive data depending on the resources used…"/>
-          <p:cNvSpPr txBox="1"/>
+          <p:cNvSpPr txBox="1">
+            <a:spLocks noGrp="1"/>
+          </p:cNvSpPr>
           <p:nvPr>
             <p:ph type="body" idx="1"/>
           </p:nvPr>
@@ -6690,19 +7039,16 @@
           <a:bodyPr/>
           <a:lstStyle/>
           <a:p>
-            <a:pPr/>
             <a:r>
               <a:t>State can contain sensitive data depending on the resources used</a:t>
             </a:r>
           </a:p>
           <a:p>
-            <a:pPr/>
             <a:r>
               <a:t>Sometimes it can contain initial database passwords or other secret data returned by a provider.</a:t>
             </a:r>
           </a:p>
           <a:p>
-            <a:pPr/>
             <a:r>
               <a:t>Some resources support PGP encrypting the values in the state, but this is implemented on a per-resource basis.</a:t>
             </a:r>
@@ -6714,12 +7060,12 @@
   <p:clrMapOvr>
     <a:masterClrMapping/>
   </p:clrMapOvr>
-  <p:transition xmlns:p14="http://schemas.microsoft.com/office/powerpoint/2010/main" spd="med" advClick="1"/>
+  <p:transition spd="med"/>
 </p:sld>
 </file>
 
 <file path=ppt/slides/slide15.xml><?xml version="1.0" encoding="utf-8"?>
-<p:sld xmlns:a="http://schemas.openxmlformats.org/drawingml/2006/main" xmlns:r="http://schemas.openxmlformats.org/officeDocument/2006/relationships" xmlns:p="http://schemas.openxmlformats.org/presentationml/2006/main" showMasterSp="1" showMasterPhAnim="1">
+<p:sld xmlns:a="http://schemas.openxmlformats.org/drawingml/2006/main" xmlns:r="http://schemas.openxmlformats.org/officeDocument/2006/relationships" xmlns:p="http://schemas.openxmlformats.org/presentationml/2006/main">
   <p:cSld>
     <p:spTree>
       <p:nvGrpSpPr>
@@ -6738,7 +7084,9 @@
       <p:sp>
         <p:nvSpPr>
           <p:cNvPr id="234" name="Sensitive Data in State"/>
-          <p:cNvSpPr txBox="1"/>
+          <p:cNvSpPr txBox="1">
+            <a:spLocks noGrp="1"/>
+          </p:cNvSpPr>
           <p:nvPr>
             <p:ph type="title"/>
           </p:nvPr>
@@ -6752,7 +7100,6 @@
           <a:bodyPr/>
           <a:lstStyle/>
           <a:p>
-            <a:pPr/>
             <a:r>
               <a:t>Sensitive Data in State</a:t>
             </a:r>
@@ -6762,7 +7109,9 @@
       <p:sp>
         <p:nvSpPr>
           <p:cNvPr id="235" name="Local state (JSON) is not encrypted.…"/>
-          <p:cNvSpPr txBox="1"/>
+          <p:cNvSpPr txBox="1">
+            <a:spLocks noGrp="1"/>
+          </p:cNvSpPr>
           <p:nvPr>
             <p:ph type="body" idx="1"/>
           </p:nvPr>
@@ -6837,12 +7186,12 @@
   <p:clrMapOvr>
     <a:masterClrMapping/>
   </p:clrMapOvr>
-  <p:transition xmlns:p14="http://schemas.microsoft.com/office/powerpoint/2010/main" spd="med" advClick="1"/>
+  <p:transition spd="med"/>
 </p:sld>
 </file>
 
 <file path=ppt/slides/slide16.xml><?xml version="1.0" encoding="utf-8"?>
-<p:sld xmlns:a="http://schemas.openxmlformats.org/drawingml/2006/main" xmlns:r="http://schemas.openxmlformats.org/officeDocument/2006/relationships" xmlns:p="http://schemas.openxmlformats.org/presentationml/2006/main" showMasterSp="1" showMasterPhAnim="1">
+<p:sld xmlns:a="http://schemas.openxmlformats.org/drawingml/2006/main" xmlns:r="http://schemas.openxmlformats.org/officeDocument/2006/relationships" xmlns:p="http://schemas.openxmlformats.org/presentationml/2006/main">
   <p:cSld>
     <p:spTree>
       <p:nvGrpSpPr>
@@ -6861,7 +7210,9 @@
       <p:sp>
         <p:nvSpPr>
           <p:cNvPr id="239" name="module “compute” {…"/>
-          <p:cNvSpPr txBox="1"/>
+          <p:cNvSpPr txBox="1">
+            <a:spLocks noGrp="1"/>
+          </p:cNvSpPr>
           <p:nvPr>
             <p:ph type="body" idx="13"/>
           </p:nvPr>
@@ -6869,14 +7220,14 @@
         <p:spPr>
           <a:xfrm>
             <a:off x="6256972" y="2587656"/>
-            <a:ext cx="16670656" cy="3642361"/>
+            <a:ext cx="16670656" cy="2257028"/>
           </a:xfrm>
           <a:prstGeom prst="rect">
             <a:avLst/>
           </a:prstGeom>
           <a:extLst>
             <a:ext uri="{C572A759-6A51-4108-AA02-DFA0A04FC94B}">
-              <ma14:wrappingTextBoxFlag xmlns:ma14="http://schemas.microsoft.com/office/mac/drawingml/2011/main" val="1"/>
+              <ma14:wrappingTextBoxFlag xmlns:ma14="http://schemas.microsoft.com/office/mac/drawingml/2011/main" xmlns="" val="1"/>
             </a:ext>
           </a:extLst>
         </p:spPr>
@@ -6884,113 +7235,224 @@
           <a:bodyPr/>
           <a:lstStyle/>
           <a:p>
-            <a:pPr algn="l">
-              <a:lnSpc>
-                <a:spcPct val="120000"/>
-              </a:lnSpc>
-              <a:defRPr sz="2800">
+            <a:pPr algn="l"/>
+            <a:r>
+              <a:rPr lang="en-US" sz="2800" dirty="0">
                 <a:solidFill>
-                  <a:srgbClr val="FFFFFF"/>
+                  <a:srgbClr val="569CD6"/>
                 </a:solidFill>
-                <a:latin typeface="Courier"/>
-                <a:ea typeface="Courier"/>
-                <a:cs typeface="Courier"/>
-                <a:sym typeface="Courier"/>
-              </a:defRPr>
-            </a:pPr>
-            <a:r>
-              <a:t>module “compute” {</a:t>
-            </a:r>
-          </a:p>
-          <a:p>
-            <a:pPr algn="l">
-              <a:lnSpc>
-                <a:spcPct val="120000"/>
-              </a:lnSpc>
-              <a:defRPr sz="2800">
+                <a:latin typeface="Consolas" panose="020B0609020204030204" pitchFamily="49" charset="0"/>
+              </a:rPr>
+              <a:t>module</a:t>
+            </a:r>
+            <a:r>
+              <a:rPr lang="en-US" sz="2800" dirty="0">
                 <a:solidFill>
-                  <a:srgbClr val="FFFFFF"/>
+                  <a:srgbClr val="CE9178"/>
                 </a:solidFill>
-                <a:latin typeface="Courier"/>
-                <a:ea typeface="Courier"/>
-                <a:cs typeface="Courier"/>
-                <a:sym typeface="Courier"/>
-              </a:defRPr>
-            </a:pPr>
-          </a:p>
-          <a:p>
-            <a:pPr algn="l">
-              <a:lnSpc>
-                <a:spcPct val="120000"/>
-              </a:lnSpc>
-              <a:defRPr sz="2800">
+                <a:latin typeface="Consolas" panose="020B0609020204030204" pitchFamily="49" charset="0"/>
+              </a:rPr>
+              <a:t> "compute"</a:t>
+            </a:r>
+            <a:r>
+              <a:rPr lang="en-US" sz="2800" dirty="0">
                 <a:solidFill>
-                  <a:srgbClr val="FFFFFF"/>
+                  <a:srgbClr val="D4D4D4"/>
                 </a:solidFill>
-                <a:latin typeface="Courier"/>
-                <a:ea typeface="Courier"/>
-                <a:cs typeface="Courier"/>
-                <a:sym typeface="Courier"/>
-              </a:defRPr>
-            </a:pPr>
-            <a:r>
-              <a:t>  source = “Azure/compute/azurerm”</a:t>
-            </a:r>
-          </a:p>
-          <a:p>
-            <a:pPr algn="l">
-              <a:lnSpc>
-                <a:spcPct val="120000"/>
-              </a:lnSpc>
-              <a:defRPr sz="2800">
+                <a:latin typeface="Consolas" panose="020B0609020204030204" pitchFamily="49" charset="0"/>
+              </a:rPr>
+              <a:t> {</a:t>
+            </a:r>
+          </a:p>
+          <a:p>
+            <a:pPr algn="l"/>
+            <a:r>
+              <a:rPr lang="en-US" sz="2800" dirty="0">
                 <a:solidFill>
-                  <a:srgbClr val="FFFFFF"/>
+                  <a:srgbClr val="D4D4D4"/>
                 </a:solidFill>
-                <a:latin typeface="Courier"/>
-                <a:ea typeface="Courier"/>
-                <a:cs typeface="Courier"/>
-                <a:sym typeface="Courier"/>
-              </a:defRPr>
-            </a:pPr>
-            <a:r>
-              <a:t>  admin_password = “verysecure”</a:t>
-            </a:r>
-          </a:p>
-          <a:p>
-            <a:pPr algn="l">
-              <a:lnSpc>
-                <a:spcPct val="120000"/>
-              </a:lnSpc>
-              <a:defRPr sz="2800">
+                <a:latin typeface="Consolas" panose="020B0609020204030204" pitchFamily="49" charset="0"/>
+              </a:rPr>
+              <a:t>	source = </a:t>
+            </a:r>
+            <a:r>
+              <a:rPr lang="en-US" sz="2800" dirty="0">
                 <a:solidFill>
-                  <a:srgbClr val="FFFFFF"/>
+                  <a:srgbClr val="CE9178"/>
                 </a:solidFill>
-                <a:latin typeface="Courier"/>
-                <a:ea typeface="Courier"/>
-                <a:cs typeface="Courier"/>
-                <a:sym typeface="Courier"/>
-              </a:defRPr>
-            </a:pPr>
-            <a:r>
-              <a:t>  vnet_subnet_id = “${data.terraform_remote_state.networking-prod.vnet_subnet_id}”</a:t>
-            </a:r>
-          </a:p>
-          <a:p>
-            <a:pPr algn="l">
-              <a:lnSpc>
-                <a:spcPct val="120000"/>
-              </a:lnSpc>
-              <a:defRPr sz="2800">
+                <a:latin typeface="Consolas" panose="020B0609020204030204" pitchFamily="49" charset="0"/>
+              </a:rPr>
+              <a:t>"Azure/compute/azurerm"</a:t>
+            </a:r>
+            <a:endParaRPr lang="en-US" sz="2800" dirty="0">
+              <a:solidFill>
+                <a:srgbClr val="D4D4D4"/>
+              </a:solidFill>
+              <a:latin typeface="Consolas" panose="020B0609020204030204" pitchFamily="49" charset="0"/>
+            </a:endParaRPr>
+          </a:p>
+          <a:p>
+            <a:pPr algn="l"/>
+            <a:r>
+              <a:rPr lang="en-US" sz="2800" dirty="0">
                 <a:solidFill>
-                  <a:srgbClr val="FFFFFF"/>
+                  <a:srgbClr val="D4D4D4"/>
                 </a:solidFill>
-                <a:latin typeface="Courier"/>
-                <a:ea typeface="Courier"/>
-                <a:cs typeface="Courier"/>
-                <a:sym typeface="Courier"/>
-              </a:defRPr>
-            </a:pPr>
-            <a:r>
+                <a:latin typeface="Consolas" panose="020B0609020204030204" pitchFamily="49" charset="0"/>
+              </a:rPr>
+              <a:t>	</a:t>
+            </a:r>
+            <a:r>
+              <a:rPr lang="en-US" sz="2800" dirty="0" err="1">
+                <a:solidFill>
+                  <a:srgbClr val="D4D4D4"/>
+                </a:solidFill>
+                <a:latin typeface="Consolas" panose="020B0609020204030204" pitchFamily="49" charset="0"/>
+              </a:rPr>
+              <a:t>admin_password</a:t>
+            </a:r>
+            <a:r>
+              <a:rPr lang="en-US" sz="2800" dirty="0">
+                <a:solidFill>
+                  <a:srgbClr val="D4D4D4"/>
+                </a:solidFill>
+                <a:latin typeface="Consolas" panose="020B0609020204030204" pitchFamily="49" charset="0"/>
+              </a:rPr>
+              <a:t> = </a:t>
+            </a:r>
+            <a:r>
+              <a:rPr lang="en-US" sz="2800" dirty="0">
+                <a:solidFill>
+                  <a:srgbClr val="CE9178"/>
+                </a:solidFill>
+                <a:latin typeface="Consolas" panose="020B0609020204030204" pitchFamily="49" charset="0"/>
+              </a:rPr>
+              <a:t>"</a:t>
+            </a:r>
+            <a:r>
+              <a:rPr lang="en-US" sz="2800" dirty="0" err="1">
+                <a:solidFill>
+                  <a:srgbClr val="CE9178"/>
+                </a:solidFill>
+                <a:latin typeface="Consolas" panose="020B0609020204030204" pitchFamily="49" charset="0"/>
+              </a:rPr>
+              <a:t>verysecure</a:t>
+            </a:r>
+            <a:r>
+              <a:rPr lang="en-US" sz="2800" dirty="0">
+                <a:solidFill>
+                  <a:srgbClr val="CE9178"/>
+                </a:solidFill>
+                <a:latin typeface="Consolas" panose="020B0609020204030204" pitchFamily="49" charset="0"/>
+              </a:rPr>
+              <a:t>"</a:t>
+            </a:r>
+            <a:endParaRPr lang="en-US" sz="2800" dirty="0">
+              <a:solidFill>
+                <a:srgbClr val="D4D4D4"/>
+              </a:solidFill>
+              <a:latin typeface="Consolas" panose="020B0609020204030204" pitchFamily="49" charset="0"/>
+            </a:endParaRPr>
+          </a:p>
+          <a:p>
+            <a:pPr algn="l"/>
+            <a:r>
+              <a:rPr lang="en-US" sz="2800" dirty="0">
+                <a:solidFill>
+                  <a:srgbClr val="D4D4D4"/>
+                </a:solidFill>
+                <a:latin typeface="Consolas" panose="020B0609020204030204" pitchFamily="49" charset="0"/>
+              </a:rPr>
+              <a:t>	</a:t>
+            </a:r>
+            <a:r>
+              <a:rPr lang="en-US" sz="2800" dirty="0" err="1">
+                <a:solidFill>
+                  <a:srgbClr val="D4D4D4"/>
+                </a:solidFill>
+                <a:latin typeface="Consolas" panose="020B0609020204030204" pitchFamily="49" charset="0"/>
+              </a:rPr>
+              <a:t>vnet_subnet_id</a:t>
+            </a:r>
+            <a:r>
+              <a:rPr lang="en-US" sz="2800" dirty="0">
+                <a:solidFill>
+                  <a:srgbClr val="D4D4D4"/>
+                </a:solidFill>
+                <a:latin typeface="Consolas" panose="020B0609020204030204" pitchFamily="49" charset="0"/>
+              </a:rPr>
+              <a:t> = </a:t>
+            </a:r>
+            <a:r>
+              <a:rPr lang="en-US" sz="2800" dirty="0">
+                <a:solidFill>
+                  <a:srgbClr val="CE9178"/>
+                </a:solidFill>
+                <a:latin typeface="Consolas" panose="020B0609020204030204" pitchFamily="49" charset="0"/>
+              </a:rPr>
+              <a:t>"</a:t>
+            </a:r>
+            <a:r>
+              <a:rPr lang="en-US" sz="2800" dirty="0">
+                <a:solidFill>
+                  <a:srgbClr val="D4D4D4"/>
+                </a:solidFill>
+                <a:latin typeface="Consolas" panose="020B0609020204030204" pitchFamily="49" charset="0"/>
+              </a:rPr>
+              <a:t>${</a:t>
+            </a:r>
+            <a:r>
+              <a:rPr lang="en-US" sz="2800" dirty="0" err="1">
+                <a:solidFill>
+                  <a:srgbClr val="569CD6"/>
+                </a:solidFill>
+                <a:latin typeface="Consolas" panose="020B0609020204030204" pitchFamily="49" charset="0"/>
+              </a:rPr>
+              <a:t>data</a:t>
+            </a:r>
+            <a:r>
+              <a:rPr lang="en-US" sz="2800" dirty="0" err="1">
+                <a:solidFill>
+                  <a:srgbClr val="D4D4D4"/>
+                </a:solidFill>
+                <a:latin typeface="Consolas" panose="020B0609020204030204" pitchFamily="49" charset="0"/>
+              </a:rPr>
+              <a:t>.terraform_remote_state.networking-prod.vnet_subnet_id</a:t>
+            </a:r>
+            <a:r>
+              <a:rPr lang="en-US" sz="2800" dirty="0">
+                <a:solidFill>
+                  <a:srgbClr val="D4D4D4"/>
+                </a:solidFill>
+                <a:latin typeface="Consolas" panose="020B0609020204030204" pitchFamily="49" charset="0"/>
+              </a:rPr>
+              <a:t>}</a:t>
+            </a:r>
+            <a:r>
+              <a:rPr lang="en-US" sz="2800" dirty="0">
+                <a:solidFill>
+                  <a:srgbClr val="CE9178"/>
+                </a:solidFill>
+                <a:latin typeface="Consolas" panose="020B0609020204030204" pitchFamily="49" charset="0"/>
+              </a:rPr>
+              <a:t>"</a:t>
+            </a:r>
+            <a:endParaRPr lang="en-US" sz="2800" dirty="0">
+              <a:solidFill>
+                <a:srgbClr val="D4D4D4"/>
+              </a:solidFill>
+              <a:latin typeface="Consolas" panose="020B0609020204030204" pitchFamily="49" charset="0"/>
+            </a:endParaRPr>
+          </a:p>
+          <a:p>
+            <a:pPr algn="l"/>
+            <a:r>
+              <a:rPr lang="en-US" sz="2800" dirty="0">
+                <a:solidFill>
+                  <a:srgbClr val="D4D4D4"/>
+                </a:solidFill>
+                <a:latin typeface="Consolas" panose="020B0609020204030204" pitchFamily="49" charset="0"/>
+              </a:rPr>
               <a:t>}</a:t>
             </a:r>
           </a:p>
@@ -7001,12 +7463,12 @@
   <p:clrMapOvr>
     <a:masterClrMapping/>
   </p:clrMapOvr>
-  <p:transition xmlns:p14="http://schemas.microsoft.com/office/powerpoint/2010/main" spd="med" advClick="1"/>
+  <p:transition spd="med"/>
 </p:sld>
 </file>
 
 <file path=ppt/slides/slide17.xml><?xml version="1.0" encoding="utf-8"?>
-<p:sld xmlns:a="http://schemas.openxmlformats.org/drawingml/2006/main" xmlns:r="http://schemas.openxmlformats.org/officeDocument/2006/relationships" xmlns:p="http://schemas.openxmlformats.org/presentationml/2006/main" showMasterSp="1" showMasterPhAnim="1">
+<p:sld xmlns:a="http://schemas.openxmlformats.org/drawingml/2006/main" xmlns:r="http://schemas.openxmlformats.org/officeDocument/2006/relationships" xmlns:p="http://schemas.openxmlformats.org/presentationml/2006/main">
   <p:cSld>
     <p:spTree>
       <p:nvGrpSpPr>
@@ -7025,7 +7487,9 @@
       <p:sp>
         <p:nvSpPr>
           <p:cNvPr id="243" name="Transitioning from Local to Remote"/>
-          <p:cNvSpPr txBox="1"/>
+          <p:cNvSpPr txBox="1">
+            <a:spLocks noGrp="1"/>
+          </p:cNvSpPr>
           <p:nvPr>
             <p:ph type="title"/>
           </p:nvPr>
@@ -7039,7 +7503,6 @@
           <a:bodyPr/>
           <a:lstStyle/>
           <a:p>
-            <a:pPr/>
             <a:r>
               <a:t>Transitioning from Local to Remote</a:t>
             </a:r>
@@ -7049,7 +7512,9 @@
       <p:sp>
         <p:nvSpPr>
           <p:cNvPr id="244" name="Transitioning is a one-time operation…"/>
-          <p:cNvSpPr txBox="1"/>
+          <p:cNvSpPr txBox="1">
+            <a:spLocks noGrp="1"/>
+          </p:cNvSpPr>
           <p:nvPr>
             <p:ph type="body" idx="1"/>
           </p:nvPr>
@@ -7063,13 +7528,11 @@
           <a:bodyPr/>
           <a:lstStyle/>
           <a:p>
-            <a:pPr/>
             <a:r>
               <a:t>Transitioning is a one-time operation</a:t>
             </a:r>
           </a:p>
           <a:p>
-            <a:pPr/>
             <a:r>
               <a:t>After configured, Terraform will no longer store local state</a:t>
             </a:r>
@@ -7081,12 +7544,12 @@
   <p:clrMapOvr>
     <a:masterClrMapping/>
   </p:clrMapOvr>
-  <p:transition xmlns:p14="http://schemas.microsoft.com/office/powerpoint/2010/main" spd="med" advClick="1"/>
+  <p:transition spd="med"/>
 </p:sld>
 </file>
 
 <file path=ppt/slides/slide18.xml><?xml version="1.0" encoding="utf-8"?>
-<p:sld xmlns:a="http://schemas.openxmlformats.org/drawingml/2006/main" xmlns:r="http://schemas.openxmlformats.org/officeDocument/2006/relationships" xmlns:p="http://schemas.openxmlformats.org/presentationml/2006/main" showMasterSp="1" showMasterPhAnim="1">
+<p:sld xmlns:a="http://schemas.openxmlformats.org/drawingml/2006/main" xmlns:r="http://schemas.openxmlformats.org/officeDocument/2006/relationships" xmlns:p="http://schemas.openxmlformats.org/presentationml/2006/main">
   <p:cSld>
     <p:spTree>
       <p:nvGrpSpPr>
@@ -7105,7 +7568,9 @@
       <p:sp>
         <p:nvSpPr>
           <p:cNvPr id="246" name="Backend Configuration"/>
-          <p:cNvSpPr txBox="1"/>
+          <p:cNvSpPr txBox="1">
+            <a:spLocks noGrp="1"/>
+          </p:cNvSpPr>
           <p:nvPr>
             <p:ph type="title"/>
           </p:nvPr>
@@ -7119,7 +7584,6 @@
           <a:bodyPr/>
           <a:lstStyle/>
           <a:p>
-            <a:pPr/>
             <a:r>
               <a:t>Backend Configuration</a:t>
             </a:r>
@@ -7129,7 +7593,9 @@
       <p:sp>
         <p:nvSpPr>
           <p:cNvPr id="247" name="Prior to Terraform 0.9, backend configuration was a magical incantation of CLI commands.…"/>
-          <p:cNvSpPr txBox="1"/>
+          <p:cNvSpPr txBox="1">
+            <a:spLocks noGrp="1"/>
+          </p:cNvSpPr>
           <p:nvPr>
             <p:ph type="body" idx="1"/>
           </p:nvPr>
@@ -7143,13 +7609,11 @@
           <a:bodyPr/>
           <a:lstStyle/>
           <a:p>
-            <a:pPr/>
             <a:r>
               <a:t>Prior to Terraform 0.9, backend configuration was a magical incantation of CLI commands.</a:t>
             </a:r>
           </a:p>
           <a:p>
-            <a:pPr/>
             <a:r>
               <a:t>Terraform 0.9 added a new </a:t>
             </a:r>
@@ -7173,12 +7637,12 @@
   <p:clrMapOvr>
     <a:masterClrMapping/>
   </p:clrMapOvr>
-  <p:transition xmlns:p14="http://schemas.microsoft.com/office/powerpoint/2010/main" spd="med" advClick="1"/>
+  <p:transition spd="med"/>
 </p:sld>
 </file>
 
 <file path=ppt/slides/slide19.xml><?xml version="1.0" encoding="utf-8"?>
-<p:sld xmlns:a="http://schemas.openxmlformats.org/drawingml/2006/main" xmlns:r="http://schemas.openxmlformats.org/officeDocument/2006/relationships" xmlns:p="http://schemas.openxmlformats.org/presentationml/2006/main" showMasterSp="1" showMasterPhAnim="1">
+<p:sld xmlns:a="http://schemas.openxmlformats.org/drawingml/2006/main" xmlns:r="http://schemas.openxmlformats.org/officeDocument/2006/relationships" xmlns:p="http://schemas.openxmlformats.org/presentationml/2006/main">
   <p:cSld>
     <p:spTree>
       <p:nvGrpSpPr>
@@ -7197,7 +7661,9 @@
       <p:sp>
         <p:nvSpPr>
           <p:cNvPr id="249" name="terraform {…"/>
-          <p:cNvSpPr txBox="1"/>
+          <p:cNvSpPr txBox="1">
+            <a:spLocks noGrp="1"/>
+          </p:cNvSpPr>
           <p:nvPr>
             <p:ph type="body" idx="13"/>
           </p:nvPr>
@@ -7205,14 +7671,14 @@
         <p:spPr>
           <a:xfrm>
             <a:off x="6256972" y="2587656"/>
-            <a:ext cx="16670656" cy="3124201"/>
+            <a:ext cx="16670656" cy="4165243"/>
           </a:xfrm>
           <a:prstGeom prst="rect">
             <a:avLst/>
           </a:prstGeom>
           <a:extLst>
             <a:ext uri="{C572A759-6A51-4108-AA02-DFA0A04FC94B}">
-              <ma14:wrappingTextBoxFlag xmlns:ma14="http://schemas.microsoft.com/office/mac/drawingml/2011/main" val="1"/>
+              <ma14:wrappingTextBoxFlag xmlns:ma14="http://schemas.microsoft.com/office/mac/drawingml/2011/main" xmlns="" val="1"/>
             </a:ext>
           </a:extLst>
         </p:spPr>
@@ -7220,116 +7686,149 @@
           <a:bodyPr/>
           <a:lstStyle/>
           <a:p>
-            <a:pPr algn="l">
-              <a:lnSpc>
-                <a:spcPct val="120000"/>
-              </a:lnSpc>
-              <a:defRPr sz="2800">
+            <a:pPr algn="l"/>
+            <a:r>
+              <a:rPr lang="en-US" dirty="0">
                 <a:solidFill>
-                  <a:srgbClr val="FFFFFF"/>
+                  <a:srgbClr val="569CD6"/>
                 </a:solidFill>
-                <a:latin typeface="Courier"/>
-                <a:ea typeface="Courier"/>
-                <a:cs typeface="Courier"/>
-                <a:sym typeface="Courier"/>
-              </a:defRPr>
-            </a:pPr>
-            <a:r>
-              <a:t>terraform {</a:t>
-            </a:r>
-          </a:p>
-          <a:p>
-            <a:pPr algn="l">
-              <a:lnSpc>
-                <a:spcPct val="120000"/>
-              </a:lnSpc>
-              <a:defRPr sz="2800">
+                <a:latin typeface="Consolas" panose="020B0609020204030204" pitchFamily="49" charset="0"/>
+              </a:rPr>
+              <a:t>terraform</a:t>
+            </a:r>
+            <a:r>
+              <a:rPr lang="en-US" dirty="0">
                 <a:solidFill>
-                  <a:srgbClr val="FFFFFF"/>
+                  <a:srgbClr val="D4D4D4"/>
                 </a:solidFill>
-                <a:latin typeface="Courier"/>
-                <a:ea typeface="Courier"/>
-                <a:cs typeface="Courier"/>
-                <a:sym typeface="Courier"/>
-              </a:defRPr>
-            </a:pPr>
-            <a:r>
-              <a:t>  backend "consul" {</a:t>
-            </a:r>
-          </a:p>
-          <a:p>
-            <a:pPr algn="l">
-              <a:lnSpc>
-                <a:spcPct val="120000"/>
-              </a:lnSpc>
-              <a:defRPr sz="2800">
+                <a:latin typeface="Consolas" panose="020B0609020204030204" pitchFamily="49" charset="0"/>
+              </a:rPr>
+              <a:t> {</a:t>
+            </a:r>
+          </a:p>
+          <a:p>
+            <a:pPr algn="l"/>
+            <a:r>
+              <a:rPr lang="en-US" dirty="0">
                 <a:solidFill>
-                  <a:srgbClr val="FFFFFF"/>
+                  <a:srgbClr val="569CD6"/>
                 </a:solidFill>
-                <a:latin typeface="Courier"/>
-                <a:ea typeface="Courier"/>
-                <a:cs typeface="Courier"/>
-                <a:sym typeface="Courier"/>
-              </a:defRPr>
-            </a:pPr>
-            <a:r>
-              <a:t>    address = "demo.consul.io"</a:t>
-            </a:r>
-          </a:p>
-          <a:p>
-            <a:pPr algn="l">
-              <a:lnSpc>
-                <a:spcPct val="120000"/>
-              </a:lnSpc>
-              <a:defRPr sz="2800">
+                <a:latin typeface="Consolas" panose="020B0609020204030204" pitchFamily="49" charset="0"/>
+              </a:rPr>
+              <a:t>	backend</a:t>
+            </a:r>
+            <a:r>
+              <a:rPr lang="en-US" dirty="0">
                 <a:solidFill>
-                  <a:srgbClr val="FFFFFF"/>
+                  <a:srgbClr val="CE9178"/>
                 </a:solidFill>
-                <a:latin typeface="Courier"/>
-                <a:ea typeface="Courier"/>
-                <a:cs typeface="Courier"/>
-                <a:sym typeface="Courier"/>
-              </a:defRPr>
-            </a:pPr>
-            <a:r>
-              <a:t>    path    = "tfdocs"</a:t>
-            </a:r>
-          </a:p>
-          <a:p>
-            <a:pPr algn="l">
-              <a:lnSpc>
-                <a:spcPct val="120000"/>
-              </a:lnSpc>
-              <a:defRPr sz="2800">
+                <a:latin typeface="Consolas" panose="020B0609020204030204" pitchFamily="49" charset="0"/>
+              </a:rPr>
+              <a:t> "consul"</a:t>
+            </a:r>
+            <a:r>
+              <a:rPr lang="en-US" dirty="0">
                 <a:solidFill>
-                  <a:srgbClr val="FFFFFF"/>
+                  <a:srgbClr val="D4D4D4"/>
                 </a:solidFill>
-                <a:latin typeface="Courier"/>
-                <a:ea typeface="Courier"/>
-                <a:cs typeface="Courier"/>
-                <a:sym typeface="Courier"/>
-              </a:defRPr>
-            </a:pPr>
-            <a:r>
-              <a:t>  }</a:t>
-            </a:r>
-          </a:p>
-          <a:p>
-            <a:pPr algn="l">
-              <a:lnSpc>
-                <a:spcPct val="120000"/>
-              </a:lnSpc>
-              <a:defRPr sz="2800">
+                <a:latin typeface="Consolas" panose="020B0609020204030204" pitchFamily="49" charset="0"/>
+              </a:rPr>
+              <a:t> {</a:t>
+            </a:r>
+          </a:p>
+          <a:p>
+            <a:pPr algn="l"/>
+            <a:r>
+              <a:rPr lang="en-US" dirty="0">
                 <a:solidFill>
-                  <a:srgbClr val="FFFFFF"/>
+                  <a:srgbClr val="D4D4D4"/>
                 </a:solidFill>
-                <a:latin typeface="Courier"/>
-                <a:ea typeface="Courier"/>
-                <a:cs typeface="Courier"/>
-                <a:sym typeface="Courier"/>
-              </a:defRPr>
-            </a:pPr>
-            <a:r>
+                <a:latin typeface="Consolas" panose="020B0609020204030204" pitchFamily="49" charset="0"/>
+              </a:rPr>
+              <a:t>		address = </a:t>
+            </a:r>
+            <a:r>
+              <a:rPr lang="en-US" dirty="0">
+                <a:solidFill>
+                  <a:srgbClr val="CE9178"/>
+                </a:solidFill>
+                <a:latin typeface="Consolas" panose="020B0609020204030204" pitchFamily="49" charset="0"/>
+              </a:rPr>
+              <a:t>"demo.consul.io"</a:t>
+            </a:r>
+            <a:endParaRPr lang="en-US" dirty="0">
+              <a:solidFill>
+                <a:srgbClr val="D4D4D4"/>
+              </a:solidFill>
+              <a:latin typeface="Consolas" panose="020B0609020204030204" pitchFamily="49" charset="0"/>
+            </a:endParaRPr>
+          </a:p>
+          <a:p>
+            <a:pPr algn="l"/>
+            <a:r>
+              <a:rPr lang="en-US" dirty="0">
+                <a:solidFill>
+                  <a:srgbClr val="D4D4D4"/>
+                </a:solidFill>
+                <a:latin typeface="Consolas" panose="020B0609020204030204" pitchFamily="49" charset="0"/>
+              </a:rPr>
+              <a:t>		path = </a:t>
+            </a:r>
+            <a:r>
+              <a:rPr lang="en-US" dirty="0">
+                <a:solidFill>
+                  <a:srgbClr val="CE9178"/>
+                </a:solidFill>
+                <a:latin typeface="Consolas" panose="020B0609020204030204" pitchFamily="49" charset="0"/>
+              </a:rPr>
+              <a:t>"</a:t>
+            </a:r>
+            <a:r>
+              <a:rPr lang="en-US" dirty="0" err="1">
+                <a:solidFill>
+                  <a:srgbClr val="CE9178"/>
+                </a:solidFill>
+                <a:latin typeface="Consolas" panose="020B0609020204030204" pitchFamily="49" charset="0"/>
+              </a:rPr>
+              <a:t>tfdocs</a:t>
+            </a:r>
+            <a:r>
+              <a:rPr lang="en-US" dirty="0">
+                <a:solidFill>
+                  <a:srgbClr val="CE9178"/>
+                </a:solidFill>
+                <a:latin typeface="Consolas" panose="020B0609020204030204" pitchFamily="49" charset="0"/>
+              </a:rPr>
+              <a:t>"</a:t>
+            </a:r>
+            <a:endParaRPr lang="en-US" dirty="0">
+              <a:solidFill>
+                <a:srgbClr val="D4D4D4"/>
+              </a:solidFill>
+              <a:latin typeface="Consolas" panose="020B0609020204030204" pitchFamily="49" charset="0"/>
+            </a:endParaRPr>
+          </a:p>
+          <a:p>
+            <a:pPr algn="l"/>
+            <a:r>
+              <a:rPr lang="en-US" dirty="0">
+                <a:solidFill>
+                  <a:srgbClr val="D4D4D4"/>
+                </a:solidFill>
+                <a:latin typeface="Consolas" panose="020B0609020204030204" pitchFamily="49" charset="0"/>
+              </a:rPr>
+              <a:t>	}</a:t>
+            </a:r>
+          </a:p>
+          <a:p>
+            <a:pPr algn="l"/>
+            <a:r>
+              <a:rPr lang="en-US" dirty="0">
+                <a:solidFill>
+                  <a:srgbClr val="D4D4D4"/>
+                </a:solidFill>
+                <a:latin typeface="Consolas" panose="020B0609020204030204" pitchFamily="49" charset="0"/>
+              </a:rPr>
               <a:t>}</a:t>
             </a:r>
           </a:p>
@@ -7340,12 +7839,12 @@
   <p:clrMapOvr>
     <a:masterClrMapping/>
   </p:clrMapOvr>
-  <p:transition xmlns:p14="http://schemas.microsoft.com/office/powerpoint/2010/main" spd="med" advClick="1"/>
+  <p:transition spd="med"/>
 </p:sld>
 </file>
 
 <file path=ppt/slides/slide2.xml><?xml version="1.0" encoding="utf-8"?>
-<p:sld xmlns:a="http://schemas.openxmlformats.org/drawingml/2006/main" xmlns:r="http://schemas.openxmlformats.org/officeDocument/2006/relationships" xmlns:p="http://schemas.openxmlformats.org/presentationml/2006/main" showMasterSp="1" showMasterPhAnim="1">
+<p:sld xmlns:a="http://schemas.openxmlformats.org/drawingml/2006/main" xmlns:r="http://schemas.openxmlformats.org/officeDocument/2006/relationships" xmlns:p="http://schemas.openxmlformats.org/presentationml/2006/main">
   <p:cSld>
     <p:spTree>
       <p:nvGrpSpPr>
@@ -7364,7 +7863,9 @@
       <p:sp>
         <p:nvSpPr>
           <p:cNvPr id="177" name="Terraform stores the state of your managed infrastructure from the last time Terraform was run.…"/>
-          <p:cNvSpPr txBox="1"/>
+          <p:cNvSpPr txBox="1">
+            <a:spLocks noGrp="1"/>
+          </p:cNvSpPr>
           <p:nvPr>
             <p:ph type="body" idx="1"/>
           </p:nvPr>
@@ -7378,19 +7879,16 @@
           <a:bodyPr/>
           <a:lstStyle/>
           <a:p>
-            <a:pPr/>
             <a:r>
               <a:t>Terraform stores the state of your managed infrastructure from the last time Terraform was run.</a:t>
             </a:r>
           </a:p>
           <a:p>
-            <a:pPr/>
             <a:r>
               <a:t>Terraform uses this state to create plans and make changes to your infrastructure.</a:t>
             </a:r>
           </a:p>
           <a:p>
-            <a:pPr/>
             <a:r>
               <a:t>It is critical that this state is maintained appropriately so future runs operate as expected.</a:t>
             </a:r>
@@ -7400,7 +7898,9 @@
       <p:sp>
         <p:nvSpPr>
           <p:cNvPr id="178" name="State"/>
-          <p:cNvSpPr txBox="1"/>
+          <p:cNvSpPr txBox="1">
+            <a:spLocks noGrp="1"/>
+          </p:cNvSpPr>
           <p:nvPr>
             <p:ph type="title"/>
           </p:nvPr>
@@ -7414,7 +7914,6 @@
           <a:bodyPr/>
           <a:lstStyle/>
           <a:p>
-            <a:pPr/>
             <a:r>
               <a:t>State</a:t>
             </a:r>
@@ -7426,12 +7925,12 @@
   <p:clrMapOvr>
     <a:masterClrMapping/>
   </p:clrMapOvr>
-  <p:transition xmlns:p14="http://schemas.microsoft.com/office/powerpoint/2010/main" spd="med" advClick="1"/>
+  <p:transition spd="med"/>
 </p:sld>
 </file>
 
 <file path=ppt/slides/slide3.xml><?xml version="1.0" encoding="utf-8"?>
-<p:sld xmlns:a="http://schemas.openxmlformats.org/drawingml/2006/main" xmlns:r="http://schemas.openxmlformats.org/officeDocument/2006/relationships" xmlns:p="http://schemas.openxmlformats.org/presentationml/2006/main" showMasterSp="1" showMasterPhAnim="1">
+<p:sld xmlns:a="http://schemas.openxmlformats.org/drawingml/2006/main" xmlns:r="http://schemas.openxmlformats.org/officeDocument/2006/relationships" xmlns:p="http://schemas.openxmlformats.org/presentationml/2006/main">
   <p:cSld>
     <p:spTree>
       <p:nvGrpSpPr>
@@ -7450,7 +7949,9 @@
       <p:sp>
         <p:nvSpPr>
           <p:cNvPr id="182" name="$ cat terraform.tfstate…"/>
-          <p:cNvSpPr txBox="1"/>
+          <p:cNvSpPr txBox="1">
+            <a:spLocks noGrp="1"/>
+          </p:cNvSpPr>
           <p:nvPr>
             <p:ph type="body" idx="13"/>
           </p:nvPr>
@@ -7465,7 +7966,7 @@
           </a:prstGeom>
           <a:extLst>
             <a:ext uri="{C572A759-6A51-4108-AA02-DFA0A04FC94B}">
-              <ma14:wrappingTextBoxFlag xmlns:ma14="http://schemas.microsoft.com/office/mac/drawingml/2011/main" val="1"/>
+              <ma14:wrappingTextBoxFlag xmlns:ma14="http://schemas.microsoft.com/office/mac/drawingml/2011/main" xmlns="" val="1"/>
             </a:ext>
           </a:extLst>
         </p:spPr>
@@ -7488,8 +7989,18 @@
               </a:defRPr>
             </a:pPr>
             <a:r>
-              <a:t>$ cat terraform.tfstate</a:t>
-            </a:r>
+              <a:rPr lang="en-US" dirty="0"/>
+              <a:t>PS&gt;</a:t>
+            </a:r>
+            <a:r>
+              <a:rPr dirty="0"/>
+              <a:t> cat </a:t>
+            </a:r>
+            <a:r>
+              <a:rPr dirty="0" err="1"/>
+              <a:t>terraform.tfstate</a:t>
+            </a:r>
+            <a:endParaRPr dirty="0"/>
           </a:p>
           <a:p>
             <a:pPr algn="l">
@@ -7507,6 +8018,7 @@
               </a:defRPr>
             </a:pPr>
             <a:r>
+              <a:rPr dirty="0"/>
               <a:t>{</a:t>
             </a:r>
           </a:p>
@@ -7526,6 +8038,7 @@
               </a:defRPr>
             </a:pPr>
             <a:r>
+              <a:rPr dirty="0"/>
               <a:t>    "version": 3,</a:t>
             </a:r>
           </a:p>
@@ -7545,7 +8058,16 @@
               </a:defRPr>
             </a:pPr>
             <a:r>
-              <a:t>    "terraform_version": "0.11.1",</a:t>
+              <a:rPr dirty="0"/>
+              <a:t>    "</a:t>
+            </a:r>
+            <a:r>
+              <a:rPr dirty="0" err="1"/>
+              <a:t>terraform_version</a:t>
+            </a:r>
+            <a:r>
+              <a:rPr dirty="0"/>
+              <a:t>": "0.11.1",</a:t>
             </a:r>
           </a:p>
           <a:p>
@@ -7564,6 +8086,7 @@
               </a:defRPr>
             </a:pPr>
             <a:r>
+              <a:rPr dirty="0"/>
               <a:t>    "serial": 31,</a:t>
             </a:r>
           </a:p>
@@ -7583,6 +8106,7 @@
               </a:defRPr>
             </a:pPr>
             <a:r>
+              <a:rPr dirty="0"/>
               <a:t>    "lineage": "08861cb1-debb-4938-b936-0502463409a9",</a:t>
             </a:r>
           </a:p>
@@ -7602,6 +8126,7 @@
               </a:defRPr>
             </a:pPr>
             <a:r>
+              <a:rPr dirty="0"/>
               <a:t>    "modules": [</a:t>
             </a:r>
           </a:p>
@@ -7621,6 +8146,7 @@
               </a:defRPr>
             </a:pPr>
             <a:r>
+              <a:rPr dirty="0"/>
               <a:t>        {</a:t>
             </a:r>
           </a:p>
@@ -7640,6 +8166,7 @@
               </a:defRPr>
             </a:pPr>
             <a:r>
+              <a:rPr dirty="0"/>
               <a:t>            "path": [</a:t>
             </a:r>
           </a:p>
@@ -7659,6 +8186,7 @@
               </a:defRPr>
             </a:pPr>
             <a:r>
+              <a:rPr dirty="0"/>
               <a:t>                "root"</a:t>
             </a:r>
           </a:p>
@@ -7678,6 +8206,7 @@
               </a:defRPr>
             </a:pPr>
             <a:r>
+              <a:rPr dirty="0"/>
               <a:t>            ],</a:t>
             </a:r>
           </a:p>
@@ -7697,6 +8226,7 @@
               </a:defRPr>
             </a:pPr>
             <a:r>
+              <a:rPr dirty="0"/>
               <a:t>            "outputs": {},</a:t>
             </a:r>
           </a:p>
@@ -7716,6 +8246,7 @@
               </a:defRPr>
             </a:pPr>
             <a:r>
+              <a:rPr dirty="0"/>
               <a:t>            "resources": {</a:t>
             </a:r>
           </a:p>
@@ -7735,6 +8266,7 @@
               </a:defRPr>
             </a:pPr>
             <a:r>
+              <a:rPr dirty="0"/>
               <a:t>                "azurerm_network_interface.ni": {</a:t>
             </a:r>
           </a:p>
@@ -7754,7 +8286,16 @@
               </a:defRPr>
             </a:pPr>
             <a:r>
-              <a:t>                    "type": "azurerm_network_interface",</a:t>
+              <a:rPr dirty="0"/>
+              <a:t>                    "type": "</a:t>
+            </a:r>
+            <a:r>
+              <a:rPr dirty="0" err="1"/>
+              <a:t>azurerm_network_interface</a:t>
+            </a:r>
+            <a:r>
+              <a:rPr dirty="0"/>
+              <a:t>",</a:t>
             </a:r>
           </a:p>
           <a:p>
@@ -7773,7 +8314,16 @@
               </a:defRPr>
             </a:pPr>
             <a:r>
-              <a:t>                    "depends_on": [</a:t>
+              <a:rPr dirty="0"/>
+              <a:t>                    "</a:t>
+            </a:r>
+            <a:r>
+              <a:rPr dirty="0" err="1"/>
+              <a:t>depends_on</a:t>
+            </a:r>
+            <a:r>
+              <a:rPr dirty="0"/>
+              <a:t>": [</a:t>
             </a:r>
           </a:p>
           <a:p>
@@ -7792,6 +8342,7 @@
               </a:defRPr>
             </a:pPr>
             <a:r>
+              <a:rPr dirty="0"/>
               <a:t>                        "azurerm_public_ip.vm",</a:t>
             </a:r>
           </a:p>
@@ -7811,7 +8362,16 @@
               </a:defRPr>
             </a:pPr>
             <a:r>
-              <a:t>                        "azurerm_resource_group.tfe",</a:t>
+              <a:rPr dirty="0"/>
+              <a:t>                        "</a:t>
+            </a:r>
+            <a:r>
+              <a:rPr dirty="0" err="1"/>
+              <a:t>azurerm_resource_group.tfe</a:t>
+            </a:r>
+            <a:r>
+              <a:rPr dirty="0"/>
+              <a:t>",</a:t>
             </a:r>
           </a:p>
           <a:p>
@@ -7830,7 +8390,16 @@
               </a:defRPr>
             </a:pPr>
             <a:r>
-              <a:t>                        "module.network"</a:t>
+              <a:rPr dirty="0"/>
+              <a:t>                        "</a:t>
+            </a:r>
+            <a:r>
+              <a:rPr dirty="0" err="1"/>
+              <a:t>module.network</a:t>
+            </a:r>
+            <a:r>
+              <a:rPr dirty="0"/>
+              <a:t>"</a:t>
             </a:r>
           </a:p>
         </p:txBody>
@@ -7840,12 +8409,12 @@
   <p:clrMapOvr>
     <a:masterClrMapping/>
   </p:clrMapOvr>
-  <p:transition xmlns:p14="http://schemas.microsoft.com/office/powerpoint/2010/main" spd="med" advClick="1"/>
+  <p:transition spd="med"/>
 </p:sld>
 </file>
 
 <file path=ppt/slides/slide4.xml><?xml version="1.0" encoding="utf-8"?>
-<p:sld xmlns:a="http://schemas.openxmlformats.org/drawingml/2006/main" xmlns:r="http://schemas.openxmlformats.org/officeDocument/2006/relationships" xmlns:p="http://schemas.openxmlformats.org/presentationml/2006/main" showMasterSp="1" showMasterPhAnim="1">
+<p:sld xmlns:a="http://schemas.openxmlformats.org/drawingml/2006/main" xmlns:r="http://schemas.openxmlformats.org/officeDocument/2006/relationships" xmlns:p="http://schemas.openxmlformats.org/presentationml/2006/main">
   <p:cSld>
     <p:spTree>
       <p:nvGrpSpPr>
@@ -7864,7 +8433,9 @@
       <p:sp>
         <p:nvSpPr>
           <p:cNvPr id="186" name="Exercise: State Resolutions"/>
-          <p:cNvSpPr txBox="1"/>
+          <p:cNvSpPr txBox="1">
+            <a:spLocks noGrp="1"/>
+          </p:cNvSpPr>
           <p:nvPr>
             <p:ph type="title"/>
           </p:nvPr>
@@ -7878,7 +8449,6 @@
           <a:bodyPr/>
           <a:lstStyle/>
           <a:p>
-            <a:pPr/>
             <a:r>
               <a:t>Exercise: State Resolutions</a:t>
             </a:r>
@@ -7893,19 +8463,43 @@
         </p:nvGraphicFramePr>
         <p:xfrm>
           <a:off x="1784350" y="3987800"/>
-          <a:ext cx="20828000" cy="8237935"/>
+          <a:ext cx="20815300" cy="8225232"/>
         </p:xfrm>
-        <a:graphic xmlns:a="http://schemas.openxmlformats.org/drawingml/2006/main">
+        <a:graphic>
           <a:graphicData uri="http://schemas.openxmlformats.org/drawingml/2006/table">
             <a:tbl>
-              <a:tblPr firstCol="0" firstRow="0" lastCol="0" lastRow="0" bandCol="0" bandRow="0" rtl="0">
+              <a:tblPr>
                 <a:tableStyleId>{4C3C2611-4C71-4FC5-86AE-919BDF0F9419}</a:tableStyleId>
               </a:tblPr>
               <a:tblGrid>
-                <a:gridCol w="5203825"/>
-                <a:gridCol w="5203825"/>
-                <a:gridCol w="5203825"/>
-                <a:gridCol w="5203825"/>
+                <a:gridCol w="5203825">
+                  <a:extLst>
+                    <a:ext uri="{9D8B030D-6E8A-4147-A177-3AD203B41FA5}">
+                      <a16:colId xmlns:a16="http://schemas.microsoft.com/office/drawing/2014/main" val="20000"/>
+                    </a:ext>
+                  </a:extLst>
+                </a:gridCol>
+                <a:gridCol w="5203825">
+                  <a:extLst>
+                    <a:ext uri="{9D8B030D-6E8A-4147-A177-3AD203B41FA5}">
+                      <a16:colId xmlns:a16="http://schemas.microsoft.com/office/drawing/2014/main" val="20001"/>
+                    </a:ext>
+                  </a:extLst>
+                </a:gridCol>
+                <a:gridCol w="5203825">
+                  <a:extLst>
+                    <a:ext uri="{9D8B030D-6E8A-4147-A177-3AD203B41FA5}">
+                      <a16:colId xmlns:a16="http://schemas.microsoft.com/office/drawing/2014/main" val="20002"/>
+                    </a:ext>
+                  </a:extLst>
+                </a:gridCol>
+                <a:gridCol w="5203825">
+                  <a:extLst>
+                    <a:ext uri="{9D8B030D-6E8A-4147-A177-3AD203B41FA5}">
+                      <a16:colId xmlns:a16="http://schemas.microsoft.com/office/drawing/2014/main" val="20003"/>
+                    </a:ext>
+                  </a:extLst>
+                </a:gridCol>
               </a:tblGrid>
               <a:tr h="1028154">
                 <a:tc>
@@ -7929,7 +8523,7 @@
                       </a:r>
                     </a:p>
                   </a:txBody>
-                  <a:tcPr marL="50800" marR="50800" marT="50800" marB="50800" anchor="ctr" anchorCtr="0" horzOverflow="overflow">
+                  <a:tcPr marL="50800" marR="50800" marT="50800" marB="50800" anchor="ctr" horzOverflow="overflow">
                     <a:lnL w="25400">
                       <a:solidFill>
                         <a:srgbClr val="5C4EE5"/>
@@ -7980,7 +8574,7 @@
                       </a:r>
                     </a:p>
                   </a:txBody>
-                  <a:tcPr marL="50800" marR="50800" marT="50800" marB="50800" anchor="ctr" anchorCtr="0" horzOverflow="overflow">
+                  <a:tcPr marL="50800" marR="50800" marT="50800" marB="50800" anchor="ctr" horzOverflow="overflow">
                     <a:lnL w="12700">
                       <a:solidFill>
                         <a:srgbClr val="B4B4B4"/>
@@ -8031,7 +8625,7 @@
                       </a:r>
                     </a:p>
                   </a:txBody>
-                  <a:tcPr marL="50800" marR="50800" marT="50800" marB="50800" anchor="ctr" anchorCtr="0" horzOverflow="overflow">
+                  <a:tcPr marL="50800" marR="50800" marT="50800" marB="50800" anchor="ctr" horzOverflow="overflow">
                     <a:lnL w="12700">
                       <a:solidFill>
                         <a:srgbClr val="B4B4B4"/>
@@ -8070,7 +8664,7 @@
                         <a:defRPr sz="1800"/>
                       </a:pPr>
                       <a:r>
-                        <a:rPr b="1" sz="3800">
+                        <a:rPr sz="3800" b="1">
                           <a:solidFill>
                             <a:srgbClr val="FFFFFF"/>
                           </a:solidFill>
@@ -8082,7 +8676,7 @@
                       </a:r>
                     </a:p>
                   </a:txBody>
-                  <a:tcPr marL="50800" marR="50800" marT="50800" marB="50800" anchor="ctr" anchorCtr="0" horzOverflow="overflow">
+                  <a:tcPr marL="50800" marR="50800" marT="50800" marB="50800" anchor="ctr" horzOverflow="overflow">
                     <a:lnL w="12700">
                       <a:solidFill>
                         <a:srgbClr val="5C4EE5"/>
@@ -8112,6 +8706,11 @@
                     </a:solidFill>
                   </a:tcPr>
                 </a:tc>
+                <a:extLst>
+                  <a:ext uri="{0D108BD9-81ED-4DB2-BD59-A6C34878D82A}">
+                    <a16:rowId xmlns:a16="http://schemas.microsoft.com/office/drawing/2014/main" val="10000"/>
+                  </a:ext>
+                </a:extLst>
               </a:tr>
               <a:tr h="1028154">
                 <a:tc>
@@ -8132,7 +8731,7 @@
                       </a:r>
                     </a:p>
                   </a:txBody>
-                  <a:tcPr marL="50800" marR="50800" marT="50800" marB="50800" anchor="ctr" anchorCtr="0" horzOverflow="overflow">
+                  <a:tcPr marL="50800" marR="50800" marT="50800" marB="50800" anchor="ctr" horzOverflow="overflow">
                     <a:lnL w="25400">
                       <a:solidFill>
                         <a:srgbClr val="5C4EE5"/>
@@ -8176,9 +8775,10 @@
                           <a:cs typeface="Helvetica"/>
                         </a:defRPr>
                       </a:pPr>
+                      <a:endParaRPr/>
                     </a:p>
                   </a:txBody>
-                  <a:tcPr marL="50800" marR="50800" marT="50800" marB="50800" anchor="ctr" anchorCtr="0" horzOverflow="overflow">
+                  <a:tcPr marL="50800" marR="50800" marT="50800" marB="50800" anchor="ctr" horzOverflow="overflow">
                     <a:lnL w="12700">
                       <a:solidFill>
                         <a:srgbClr val="8134F7">
@@ -8228,9 +8828,10 @@
                           <a:cs typeface="Helvetica"/>
                         </a:defRPr>
                       </a:pPr>
+                      <a:endParaRPr/>
                     </a:p>
                   </a:txBody>
-                  <a:tcPr marL="50800" marR="50800" marT="50800" marB="50800" anchor="ctr" anchorCtr="0" horzOverflow="overflow">
+                  <a:tcPr marL="50800" marR="50800" marT="50800" marB="50800" anchor="ctr" horzOverflow="overflow">
                     <a:lnL w="12700">
                       <a:solidFill>
                         <a:srgbClr val="8134F7">
@@ -8278,9 +8879,10 @@
                           <a:cs typeface="Helvetica"/>
                         </a:defRPr>
                       </a:pPr>
+                      <a:endParaRPr/>
                     </a:p>
                   </a:txBody>
-                  <a:tcPr marL="50800" marR="50800" marT="50800" marB="50800" anchor="ctr" anchorCtr="0" horzOverflow="overflow">
+                  <a:tcPr marL="50800" marR="50800" marT="50800" marB="50800" anchor="ctr" horzOverflow="overflow">
                     <a:lnL w="25400">
                       <a:solidFill>
                         <a:srgbClr val="5C4EE5"/>
@@ -8310,6 +8912,11 @@
                     <a:noFill/>
                   </a:tcPr>
                 </a:tc>
+                <a:extLst>
+                  <a:ext uri="{0D108BD9-81ED-4DB2-BD59-A6C34878D82A}">
+                    <a16:rowId xmlns:a16="http://schemas.microsoft.com/office/drawing/2014/main" val="10001"/>
+                  </a:ext>
+                </a:extLst>
               </a:tr>
               <a:tr h="1028154">
                 <a:tc>
@@ -8330,7 +8937,7 @@
                       </a:r>
                     </a:p>
                   </a:txBody>
-                  <a:tcPr marL="50800" marR="50800" marT="50800" marB="50800" anchor="ctr" anchorCtr="0" horzOverflow="overflow">
+                  <a:tcPr marL="50800" marR="50800" marT="50800" marB="50800" anchor="ctr" horzOverflow="overflow">
                     <a:lnL w="25400">
                       <a:solidFill>
                         <a:srgbClr val="5C4EE5"/>
@@ -8382,7 +8989,7 @@
                       </a:r>
                     </a:p>
                   </a:txBody>
-                  <a:tcPr marL="50800" marR="50800" marT="50800" marB="50800" anchor="ctr" anchorCtr="0" horzOverflow="overflow">
+                  <a:tcPr marL="50800" marR="50800" marT="50800" marB="50800" anchor="ctr" horzOverflow="overflow">
                     <a:lnL w="12700">
                       <a:solidFill>
                         <a:srgbClr val="8134F7">
@@ -8430,9 +9037,10 @@
                           <a:cs typeface="Helvetica"/>
                         </a:defRPr>
                       </a:pPr>
+                      <a:endParaRPr/>
                     </a:p>
                   </a:txBody>
-                  <a:tcPr marL="50800" marR="50800" marT="50800" marB="50800" anchor="ctr" anchorCtr="0" horzOverflow="overflow">
+                  <a:tcPr marL="50800" marR="50800" marT="50800" marB="50800" anchor="ctr" horzOverflow="overflow">
                     <a:lnL w="12700">
                       <a:solidFill>
                         <a:srgbClr val="8134F7">
@@ -8482,9 +9090,10 @@
                           <a:cs typeface="Helvetica"/>
                         </a:defRPr>
                       </a:pPr>
+                      <a:endParaRPr/>
                     </a:p>
                   </a:txBody>
-                  <a:tcPr marL="50800" marR="50800" marT="50800" marB="50800" anchor="ctr" anchorCtr="0" horzOverflow="overflow">
+                  <a:tcPr marL="50800" marR="50800" marT="50800" marB="50800" anchor="ctr" horzOverflow="overflow">
                     <a:lnL w="25400">
                       <a:solidFill>
                         <a:srgbClr val="5C4EE5"/>
@@ -8516,6 +9125,11 @@
                     <a:noFill/>
                   </a:tcPr>
                 </a:tc>
+                <a:extLst>
+                  <a:ext uri="{0D108BD9-81ED-4DB2-BD59-A6C34878D82A}">
+                    <a16:rowId xmlns:a16="http://schemas.microsoft.com/office/drawing/2014/main" val="10002"/>
+                  </a:ext>
+                </a:extLst>
               </a:tr>
               <a:tr h="1028154">
                 <a:tc>
@@ -8536,7 +9150,7 @@
                       </a:r>
                     </a:p>
                   </a:txBody>
-                  <a:tcPr marL="50800" marR="50800" marT="50800" marB="50800" anchor="ctr" anchorCtr="0" horzOverflow="overflow">
+                  <a:tcPr marL="50800" marR="50800" marT="50800" marB="50800" anchor="ctr" horzOverflow="overflow">
                     <a:lnL w="25400">
                       <a:solidFill>
                         <a:srgbClr val="5C4EE5"/>
@@ -8588,7 +9202,7 @@
                       </a:r>
                     </a:p>
                   </a:txBody>
-                  <a:tcPr marL="50800" marR="50800" marT="50800" marB="50800" anchor="ctr" anchorCtr="0" horzOverflow="overflow">
+                  <a:tcPr marL="50800" marR="50800" marT="50800" marB="50800" anchor="ctr" horzOverflow="overflow">
                     <a:lnL w="12700">
                       <a:solidFill>
                         <a:srgbClr val="8134F7">
@@ -8642,7 +9256,7 @@
                       </a:r>
                     </a:p>
                   </a:txBody>
-                  <a:tcPr marL="50800" marR="50800" marT="50800" marB="50800" anchor="ctr" anchorCtr="0" horzOverflow="overflow">
+                  <a:tcPr marL="50800" marR="50800" marT="50800" marB="50800" anchor="ctr" horzOverflow="overflow">
                     <a:lnL w="12700">
                       <a:solidFill>
                         <a:srgbClr val="8134F7">
@@ -8688,9 +9302,10 @@
                           <a:cs typeface="Helvetica"/>
                         </a:defRPr>
                       </a:pPr>
+                      <a:endParaRPr/>
                     </a:p>
                   </a:txBody>
-                  <a:tcPr marL="50800" marR="50800" marT="50800" marB="50800" anchor="ctr" anchorCtr="0" horzOverflow="overflow">
+                  <a:tcPr marL="50800" marR="50800" marT="50800" marB="50800" anchor="ctr" horzOverflow="overflow">
                     <a:lnL w="25400">
                       <a:solidFill>
                         <a:srgbClr val="5C4EE5"/>
@@ -8722,6 +9337,11 @@
                     <a:noFill/>
                   </a:tcPr>
                 </a:tc>
+                <a:extLst>
+                  <a:ext uri="{0D108BD9-81ED-4DB2-BD59-A6C34878D82A}">
+                    <a16:rowId xmlns:a16="http://schemas.microsoft.com/office/drawing/2014/main" val="10003"/>
+                  </a:ext>
+                </a:extLst>
               </a:tr>
               <a:tr h="1028154">
                 <a:tc>
@@ -8736,9 +9356,10 @@
                           <a:cs typeface="Helvetica"/>
                         </a:defRPr>
                       </a:pPr>
+                      <a:endParaRPr/>
                     </a:p>
                   </a:txBody>
-                  <a:tcPr marL="50800" marR="50800" marT="50800" marB="50800" anchor="ctr" anchorCtr="0" horzOverflow="overflow">
+                  <a:tcPr marL="50800" marR="50800" marT="50800" marB="50800" anchor="ctr" horzOverflow="overflow">
                     <a:lnL w="25400">
                       <a:solidFill>
                         <a:srgbClr val="5C4EE5"/>
@@ -8794,7 +9415,7 @@
                       </a:r>
                     </a:p>
                   </a:txBody>
-                  <a:tcPr marL="50800" marR="50800" marT="50800" marB="50800" anchor="ctr" anchorCtr="0" horzOverflow="overflow">
+                  <a:tcPr marL="50800" marR="50800" marT="50800" marB="50800" anchor="ctr" horzOverflow="overflow">
                     <a:lnL w="12700">
                       <a:solidFill>
                         <a:srgbClr val="8134F7">
@@ -8848,7 +9469,7 @@
                       </a:r>
                     </a:p>
                   </a:txBody>
-                  <a:tcPr marL="50800" marR="50800" marT="50800" marB="50800" anchor="ctr" anchorCtr="0" horzOverflow="overflow">
+                  <a:tcPr marL="50800" marR="50800" marT="50800" marB="50800" anchor="ctr" horzOverflow="overflow">
                     <a:lnL w="12700">
                       <a:solidFill>
                         <a:srgbClr val="8134F7">
@@ -8894,9 +9515,10 @@
                           <a:cs typeface="Helvetica"/>
                         </a:defRPr>
                       </a:pPr>
+                      <a:endParaRPr/>
                     </a:p>
                   </a:txBody>
-                  <a:tcPr marL="50800" marR="50800" marT="50800" marB="50800" anchor="ctr" anchorCtr="0" horzOverflow="overflow">
+                  <a:tcPr marL="50800" marR="50800" marT="50800" marB="50800" anchor="ctr" horzOverflow="overflow">
                     <a:lnL w="25400">
                       <a:solidFill>
                         <a:srgbClr val="5C4EE5"/>
@@ -8928,6 +9550,11 @@
                     <a:noFill/>
                   </a:tcPr>
                 </a:tc>
+                <a:extLst>
+                  <a:ext uri="{0D108BD9-81ED-4DB2-BD59-A6C34878D82A}">
+                    <a16:rowId xmlns:a16="http://schemas.microsoft.com/office/drawing/2014/main" val="10004"/>
+                  </a:ext>
+                </a:extLst>
               </a:tr>
               <a:tr h="1028154">
                 <a:tc>
@@ -8942,9 +9569,10 @@
                           <a:cs typeface="Helvetica"/>
                         </a:defRPr>
                       </a:pPr>
+                      <a:endParaRPr/>
                     </a:p>
                   </a:txBody>
-                  <a:tcPr marL="50800" marR="50800" marT="50800" marB="50800" anchor="ctr" anchorCtr="0" horzOverflow="overflow">
+                  <a:tcPr marL="50800" marR="50800" marT="50800" marB="50800" anchor="ctr" horzOverflow="overflow">
                     <a:lnL w="25400">
                       <a:solidFill>
                         <a:srgbClr val="5C4EE5"/>
@@ -8994,9 +9622,10 @@
                           <a:cs typeface="Helvetica"/>
                         </a:defRPr>
                       </a:pPr>
+                      <a:endParaRPr/>
                     </a:p>
                   </a:txBody>
-                  <a:tcPr marL="50800" marR="50800" marT="50800" marB="50800" anchor="ctr" anchorCtr="0" horzOverflow="overflow">
+                  <a:tcPr marL="50800" marR="50800" marT="50800" marB="50800" anchor="ctr" horzOverflow="overflow">
                     <a:lnL w="12700">
                       <a:solidFill>
                         <a:srgbClr val="8134F7">
@@ -9054,7 +9683,7 @@
                       </a:r>
                     </a:p>
                   </a:txBody>
-                  <a:tcPr marL="50800" marR="50800" marT="50800" marB="50800" anchor="ctr" anchorCtr="0" horzOverflow="overflow">
+                  <a:tcPr marL="50800" marR="50800" marT="50800" marB="50800" anchor="ctr" horzOverflow="overflow">
                     <a:lnL w="12700">
                       <a:solidFill>
                         <a:srgbClr val="8134F7">
@@ -9100,9 +9729,10 @@
                           <a:cs typeface="Helvetica"/>
                         </a:defRPr>
                       </a:pPr>
+                      <a:endParaRPr/>
                     </a:p>
                   </a:txBody>
-                  <a:tcPr marL="50800" marR="50800" marT="50800" marB="50800" anchor="ctr" anchorCtr="0" horzOverflow="overflow">
+                  <a:tcPr marL="50800" marR="50800" marT="50800" marB="50800" anchor="ctr" horzOverflow="overflow">
                     <a:lnL w="25400">
                       <a:solidFill>
                         <a:srgbClr val="5C4EE5"/>
@@ -9134,6 +9764,11 @@
                     <a:noFill/>
                   </a:tcPr>
                 </a:tc>
+                <a:extLst>
+                  <a:ext uri="{0D108BD9-81ED-4DB2-BD59-A6C34878D82A}">
+                    <a16:rowId xmlns:a16="http://schemas.microsoft.com/office/drawing/2014/main" val="10005"/>
+                  </a:ext>
+                </a:extLst>
               </a:tr>
               <a:tr h="1028154">
                 <a:tc>
@@ -9154,7 +9789,7 @@
                       </a:r>
                     </a:p>
                   </a:txBody>
-                  <a:tcPr marL="50800" marR="50800" marT="50800" marB="50800" anchor="ctr" anchorCtr="0" horzOverflow="overflow">
+                  <a:tcPr marL="50800" marR="50800" marT="50800" marB="50800" anchor="ctr" horzOverflow="overflow">
                     <a:lnL w="25400">
                       <a:solidFill>
                         <a:srgbClr val="5C4EE5"/>
@@ -9200,9 +9835,10 @@
                           <a:cs typeface="Helvetica"/>
                         </a:defRPr>
                       </a:pPr>
+                      <a:endParaRPr/>
                     </a:p>
                   </a:txBody>
-                  <a:tcPr marL="50800" marR="50800" marT="50800" marB="50800" anchor="ctr" anchorCtr="0" horzOverflow="overflow">
+                  <a:tcPr marL="50800" marR="50800" marT="50800" marB="50800" anchor="ctr" horzOverflow="overflow">
                     <a:lnL w="12700">
                       <a:solidFill>
                         <a:srgbClr val="8134F7">
@@ -9260,7 +9896,7 @@
                       </a:r>
                     </a:p>
                   </a:txBody>
-                  <a:tcPr marL="50800" marR="50800" marT="50800" marB="50800" anchor="ctr" anchorCtr="0" horzOverflow="overflow">
+                  <a:tcPr marL="50800" marR="50800" marT="50800" marB="50800" anchor="ctr" horzOverflow="overflow">
                     <a:lnL w="12700">
                       <a:solidFill>
                         <a:srgbClr val="8134F7">
@@ -9306,9 +9942,10 @@
                           <a:cs typeface="Helvetica"/>
                         </a:defRPr>
                       </a:pPr>
+                      <a:endParaRPr/>
                     </a:p>
                   </a:txBody>
-                  <a:tcPr marL="50800" marR="50800" marT="50800" marB="50800" anchor="ctr" anchorCtr="0" horzOverflow="overflow">
+                  <a:tcPr marL="50800" marR="50800" marT="50800" marB="50800" anchor="ctr" horzOverflow="overflow">
                     <a:lnL w="25400">
                       <a:solidFill>
                         <a:srgbClr val="5C4EE5"/>
@@ -9340,6 +9977,11 @@
                     <a:noFill/>
                   </a:tcPr>
                 </a:tc>
+                <a:extLst>
+                  <a:ext uri="{0D108BD9-81ED-4DB2-BD59-A6C34878D82A}">
+                    <a16:rowId xmlns:a16="http://schemas.microsoft.com/office/drawing/2014/main" val="10006"/>
+                  </a:ext>
+                </a:extLst>
               </a:tr>
               <a:tr h="1028154">
                 <a:tc>
@@ -9354,9 +9996,10 @@
                           <a:cs typeface="Helvetica"/>
                         </a:defRPr>
                       </a:pPr>
+                      <a:endParaRPr/>
                     </a:p>
                   </a:txBody>
-                  <a:tcPr marL="50800" marR="50800" marT="50800" marB="50800" anchor="ctr" anchorCtr="0" horzOverflow="overflow">
+                  <a:tcPr marL="50800" marR="50800" marT="50800" marB="50800" anchor="ctr" horzOverflow="overflow">
                     <a:lnL w="25400">
                       <a:solidFill>
                         <a:srgbClr val="5C4EE5"/>
@@ -9410,7 +10053,7 @@
                       </a:r>
                     </a:p>
                   </a:txBody>
-                  <a:tcPr marL="50800" marR="50800" marT="50800" marB="50800" anchor="ctr" anchorCtr="0" horzOverflow="overflow">
+                  <a:tcPr marL="50800" marR="50800" marT="50800" marB="50800" anchor="ctr" horzOverflow="overflow">
                     <a:lnL w="12700">
                       <a:solidFill>
                         <a:srgbClr val="8134F7">
@@ -9456,9 +10099,10 @@
                           <a:cs typeface="Helvetica"/>
                         </a:defRPr>
                       </a:pPr>
+                      <a:endParaRPr/>
                     </a:p>
                   </a:txBody>
-                  <a:tcPr marL="50800" marR="50800" marT="50800" marB="50800" anchor="ctr" anchorCtr="0" horzOverflow="overflow">
+                  <a:tcPr marL="50800" marR="50800" marT="50800" marB="50800" anchor="ctr" horzOverflow="overflow">
                     <a:lnL w="12700">
                       <a:solidFill>
                         <a:srgbClr val="8134F7">
@@ -9506,9 +10150,10 @@
                           <a:cs typeface="Helvetica"/>
                         </a:defRPr>
                       </a:pPr>
+                      <a:endParaRPr/>
                     </a:p>
                   </a:txBody>
-                  <a:tcPr marL="50800" marR="50800" marT="50800" marB="50800" anchor="ctr" anchorCtr="0" horzOverflow="overflow">
+                  <a:tcPr marL="50800" marR="50800" marT="50800" marB="50800" anchor="ctr" horzOverflow="overflow">
                     <a:lnL w="25400">
                       <a:solidFill>
                         <a:srgbClr val="5C4EE5"/>
@@ -9538,6 +10183,11 @@
                     <a:noFill/>
                   </a:tcPr>
                 </a:tc>
+                <a:extLst>
+                  <a:ext uri="{0D108BD9-81ED-4DB2-BD59-A6C34878D82A}">
+                    <a16:rowId xmlns:a16="http://schemas.microsoft.com/office/drawing/2014/main" val="10007"/>
+                  </a:ext>
+                </a:extLst>
               </a:tr>
             </a:tbl>
           </a:graphicData>
@@ -9548,12 +10198,12 @@
   <p:clrMapOvr>
     <a:masterClrMapping/>
   </p:clrMapOvr>
-  <p:transition xmlns:p14="http://schemas.microsoft.com/office/powerpoint/2010/main" spd="med" advClick="1"/>
+  <p:transition spd="med"/>
 </p:sld>
 </file>
 
 <file path=ppt/slides/slide5.xml><?xml version="1.0" encoding="utf-8"?>
-<p:sld xmlns:a="http://schemas.openxmlformats.org/drawingml/2006/main" xmlns:r="http://schemas.openxmlformats.org/officeDocument/2006/relationships" xmlns:p="http://schemas.openxmlformats.org/presentationml/2006/main" showMasterSp="1" showMasterPhAnim="1">
+<p:sld xmlns:a="http://schemas.openxmlformats.org/drawingml/2006/main" xmlns:r="http://schemas.openxmlformats.org/officeDocument/2006/relationships" xmlns:p="http://schemas.openxmlformats.org/presentationml/2006/main">
   <p:cSld>
     <p:spTree>
       <p:nvGrpSpPr>
@@ -9572,7 +10222,9 @@
       <p:sp>
         <p:nvSpPr>
           <p:cNvPr id="191" name="Exercise: State Resolutions"/>
-          <p:cNvSpPr txBox="1"/>
+          <p:cNvSpPr txBox="1">
+            <a:spLocks noGrp="1"/>
+          </p:cNvSpPr>
           <p:nvPr>
             <p:ph type="title"/>
           </p:nvPr>
@@ -9586,7 +10238,6 @@
           <a:bodyPr/>
           <a:lstStyle/>
           <a:p>
-            <a:pPr/>
             <a:r>
               <a:t>Exercise: State Resolutions</a:t>
             </a:r>
@@ -9601,19 +10252,43 @@
         </p:nvGraphicFramePr>
         <p:xfrm>
           <a:off x="1784350" y="3860800"/>
-          <a:ext cx="20828000" cy="8237935"/>
+          <a:ext cx="20815300" cy="8225232"/>
         </p:xfrm>
-        <a:graphic xmlns:a="http://schemas.openxmlformats.org/drawingml/2006/main">
+        <a:graphic>
           <a:graphicData uri="http://schemas.openxmlformats.org/drawingml/2006/table">
             <a:tbl>
-              <a:tblPr firstCol="0" firstRow="0" lastCol="0" lastRow="0" bandCol="0" bandRow="0" rtl="0">
+              <a:tblPr>
                 <a:tableStyleId>{4C3C2611-4C71-4FC5-86AE-919BDF0F9419}</a:tableStyleId>
               </a:tblPr>
               <a:tblGrid>
-                <a:gridCol w="5203825"/>
-                <a:gridCol w="5203825"/>
-                <a:gridCol w="5203825"/>
-                <a:gridCol w="5203825"/>
+                <a:gridCol w="5203825">
+                  <a:extLst>
+                    <a:ext uri="{9D8B030D-6E8A-4147-A177-3AD203B41FA5}">
+                      <a16:colId xmlns:a16="http://schemas.microsoft.com/office/drawing/2014/main" val="20000"/>
+                    </a:ext>
+                  </a:extLst>
+                </a:gridCol>
+                <a:gridCol w="5203825">
+                  <a:extLst>
+                    <a:ext uri="{9D8B030D-6E8A-4147-A177-3AD203B41FA5}">
+                      <a16:colId xmlns:a16="http://schemas.microsoft.com/office/drawing/2014/main" val="20001"/>
+                    </a:ext>
+                  </a:extLst>
+                </a:gridCol>
+                <a:gridCol w="5203825">
+                  <a:extLst>
+                    <a:ext uri="{9D8B030D-6E8A-4147-A177-3AD203B41FA5}">
+                      <a16:colId xmlns:a16="http://schemas.microsoft.com/office/drawing/2014/main" val="20002"/>
+                    </a:ext>
+                  </a:extLst>
+                </a:gridCol>
+                <a:gridCol w="5203825">
+                  <a:extLst>
+                    <a:ext uri="{9D8B030D-6E8A-4147-A177-3AD203B41FA5}">
+                      <a16:colId xmlns:a16="http://schemas.microsoft.com/office/drawing/2014/main" val="20003"/>
+                    </a:ext>
+                  </a:extLst>
+                </a:gridCol>
               </a:tblGrid>
               <a:tr h="1028154">
                 <a:tc>
@@ -9637,7 +10312,7 @@
                       </a:r>
                     </a:p>
                   </a:txBody>
-                  <a:tcPr marL="50800" marR="50800" marT="50800" marB="50800" anchor="ctr" anchorCtr="0" horzOverflow="overflow">
+                  <a:tcPr marL="50800" marR="50800" marT="50800" marB="50800" anchor="ctr" horzOverflow="overflow">
                     <a:lnL w="25400">
                       <a:solidFill>
                         <a:srgbClr val="5C4EE5"/>
@@ -9688,7 +10363,7 @@
                       </a:r>
                     </a:p>
                   </a:txBody>
-                  <a:tcPr marL="50800" marR="50800" marT="50800" marB="50800" anchor="ctr" anchorCtr="0" horzOverflow="overflow">
+                  <a:tcPr marL="50800" marR="50800" marT="50800" marB="50800" anchor="ctr" horzOverflow="overflow">
                     <a:lnL w="12700">
                       <a:solidFill>
                         <a:srgbClr val="B4B4B4"/>
@@ -9739,7 +10414,7 @@
                       </a:r>
                     </a:p>
                   </a:txBody>
-                  <a:tcPr marL="50800" marR="50800" marT="50800" marB="50800" anchor="ctr" anchorCtr="0" horzOverflow="overflow">
+                  <a:tcPr marL="50800" marR="50800" marT="50800" marB="50800" anchor="ctr" horzOverflow="overflow">
                     <a:lnL w="12700">
                       <a:solidFill>
                         <a:srgbClr val="B4B4B4"/>
@@ -9778,7 +10453,7 @@
                         <a:defRPr sz="1800"/>
                       </a:pPr>
                       <a:r>
-                        <a:rPr b="1" sz="3800">
+                        <a:rPr sz="3800" b="1">
                           <a:solidFill>
                             <a:srgbClr val="FFFFFF"/>
                           </a:solidFill>
@@ -9790,7 +10465,7 @@
                       </a:r>
                     </a:p>
                   </a:txBody>
-                  <a:tcPr marL="50800" marR="50800" marT="50800" marB="50800" anchor="ctr" anchorCtr="0" horzOverflow="overflow">
+                  <a:tcPr marL="50800" marR="50800" marT="50800" marB="50800" anchor="ctr" horzOverflow="overflow">
                     <a:lnL w="12700">
                       <a:solidFill>
                         <a:srgbClr val="5C4EE5"/>
@@ -9820,6 +10495,11 @@
                     </a:solidFill>
                   </a:tcPr>
                 </a:tc>
+                <a:extLst>
+                  <a:ext uri="{0D108BD9-81ED-4DB2-BD59-A6C34878D82A}">
+                    <a16:rowId xmlns:a16="http://schemas.microsoft.com/office/drawing/2014/main" val="10000"/>
+                  </a:ext>
+                </a:extLst>
               </a:tr>
               <a:tr h="1028154">
                 <a:tc>
@@ -9840,7 +10520,7 @@
                       </a:r>
                     </a:p>
                   </a:txBody>
-                  <a:tcPr marL="50800" marR="50800" marT="50800" marB="50800" anchor="ctr" anchorCtr="0" horzOverflow="overflow">
+                  <a:tcPr marL="50800" marR="50800" marT="50800" marB="50800" anchor="ctr" horzOverflow="overflow">
                     <a:lnL w="25400">
                       <a:solidFill>
                         <a:srgbClr val="5C4EE5"/>
@@ -9884,9 +10564,10 @@
                           <a:cs typeface="Helvetica"/>
                         </a:defRPr>
                       </a:pPr>
+                      <a:endParaRPr/>
                     </a:p>
                   </a:txBody>
-                  <a:tcPr marL="50800" marR="50800" marT="50800" marB="50800" anchor="ctr" anchorCtr="0" horzOverflow="overflow">
+                  <a:tcPr marL="50800" marR="50800" marT="50800" marB="50800" anchor="ctr" horzOverflow="overflow">
                     <a:lnL w="12700">
                       <a:solidFill>
                         <a:srgbClr val="8134F7">
@@ -9936,9 +10617,10 @@
                           <a:cs typeface="Helvetica"/>
                         </a:defRPr>
                       </a:pPr>
+                      <a:endParaRPr/>
                     </a:p>
                   </a:txBody>
-                  <a:tcPr marL="50800" marR="50800" marT="50800" marB="50800" anchor="ctr" anchorCtr="0" horzOverflow="overflow">
+                  <a:tcPr marL="50800" marR="50800" marT="50800" marB="50800" anchor="ctr" horzOverflow="overflow">
                     <a:lnL w="12700">
                       <a:solidFill>
                         <a:srgbClr val="8134F7">
@@ -9983,7 +10665,7 @@
                         <a:defRPr sz="1800"/>
                       </a:pPr>
                       <a:r>
-                        <a:rPr b="1" sz="3800">
+                        <a:rPr sz="3800" b="1">
                           <a:latin typeface="Helvetica"/>
                           <a:ea typeface="Helvetica"/>
                           <a:cs typeface="Helvetica"/>
@@ -9992,7 +10674,7 @@
                       </a:r>
                     </a:p>
                   </a:txBody>
-                  <a:tcPr marL="50800" marR="50800" marT="50800" marB="50800" anchor="ctr" anchorCtr="0" horzOverflow="overflow">
+                  <a:tcPr marL="50800" marR="50800" marT="50800" marB="50800" anchor="ctr" horzOverflow="overflow">
                     <a:lnL w="25400">
                       <a:solidFill>
                         <a:srgbClr val="5C4EE5"/>
@@ -10022,6 +10704,11 @@
                     <a:noFill/>
                   </a:tcPr>
                 </a:tc>
+                <a:extLst>
+                  <a:ext uri="{0D108BD9-81ED-4DB2-BD59-A6C34878D82A}">
+                    <a16:rowId xmlns:a16="http://schemas.microsoft.com/office/drawing/2014/main" val="10001"/>
+                  </a:ext>
+                </a:extLst>
               </a:tr>
               <a:tr h="1028154">
                 <a:tc>
@@ -10042,7 +10729,7 @@
                       </a:r>
                     </a:p>
                   </a:txBody>
-                  <a:tcPr marL="50800" marR="50800" marT="50800" marB="50800" anchor="ctr" anchorCtr="0" horzOverflow="overflow">
+                  <a:tcPr marL="50800" marR="50800" marT="50800" marB="50800" anchor="ctr" horzOverflow="overflow">
                     <a:lnL w="25400">
                       <a:solidFill>
                         <a:srgbClr val="5C4EE5"/>
@@ -10094,7 +10781,7 @@
                       </a:r>
                     </a:p>
                   </a:txBody>
-                  <a:tcPr marL="50800" marR="50800" marT="50800" marB="50800" anchor="ctr" anchorCtr="0" horzOverflow="overflow">
+                  <a:tcPr marL="50800" marR="50800" marT="50800" marB="50800" anchor="ctr" horzOverflow="overflow">
                     <a:lnL w="12700">
                       <a:solidFill>
                         <a:srgbClr val="8134F7">
@@ -10142,9 +10829,10 @@
                           <a:cs typeface="Helvetica"/>
                         </a:defRPr>
                       </a:pPr>
+                      <a:endParaRPr/>
                     </a:p>
                   </a:txBody>
-                  <a:tcPr marL="50800" marR="50800" marT="50800" marB="50800" anchor="ctr" anchorCtr="0" horzOverflow="overflow">
+                  <a:tcPr marL="50800" marR="50800" marT="50800" marB="50800" anchor="ctr" horzOverflow="overflow">
                     <a:lnL w="12700">
                       <a:solidFill>
                         <a:srgbClr val="8134F7">
@@ -10191,7 +10879,7 @@
                         <a:defRPr sz="1800"/>
                       </a:pPr>
                       <a:r>
-                        <a:rPr b="1" sz="3800">
+                        <a:rPr sz="3800" b="1">
                           <a:latin typeface="Helvetica"/>
                           <a:ea typeface="Helvetica"/>
                           <a:cs typeface="Helvetica"/>
@@ -10200,7 +10888,7 @@
                       </a:r>
                     </a:p>
                   </a:txBody>
-                  <a:tcPr marL="50800" marR="50800" marT="50800" marB="50800" anchor="ctr" anchorCtr="0" horzOverflow="overflow">
+                  <a:tcPr marL="50800" marR="50800" marT="50800" marB="50800" anchor="ctr" horzOverflow="overflow">
                     <a:lnL w="25400">
                       <a:solidFill>
                         <a:srgbClr val="5C4EE5"/>
@@ -10232,6 +10920,11 @@
                     <a:noFill/>
                   </a:tcPr>
                 </a:tc>
+                <a:extLst>
+                  <a:ext uri="{0D108BD9-81ED-4DB2-BD59-A6C34878D82A}">
+                    <a16:rowId xmlns:a16="http://schemas.microsoft.com/office/drawing/2014/main" val="10002"/>
+                  </a:ext>
+                </a:extLst>
               </a:tr>
               <a:tr h="1028154">
                 <a:tc>
@@ -10252,7 +10945,7 @@
                       </a:r>
                     </a:p>
                   </a:txBody>
-                  <a:tcPr marL="50800" marR="50800" marT="50800" marB="50800" anchor="ctr" anchorCtr="0" horzOverflow="overflow">
+                  <a:tcPr marL="50800" marR="50800" marT="50800" marB="50800" anchor="ctr" horzOverflow="overflow">
                     <a:lnL w="25400">
                       <a:solidFill>
                         <a:srgbClr val="5C4EE5"/>
@@ -10304,7 +10997,7 @@
                       </a:r>
                     </a:p>
                   </a:txBody>
-                  <a:tcPr marL="50800" marR="50800" marT="50800" marB="50800" anchor="ctr" anchorCtr="0" horzOverflow="overflow">
+                  <a:tcPr marL="50800" marR="50800" marT="50800" marB="50800" anchor="ctr" horzOverflow="overflow">
                     <a:lnL w="12700">
                       <a:solidFill>
                         <a:srgbClr val="8134F7">
@@ -10358,7 +11051,7 @@
                       </a:r>
                     </a:p>
                   </a:txBody>
-                  <a:tcPr marL="50800" marR="50800" marT="50800" marB="50800" anchor="ctr" anchorCtr="0" horzOverflow="overflow">
+                  <a:tcPr marL="50800" marR="50800" marT="50800" marB="50800" anchor="ctr" horzOverflow="overflow">
                     <a:lnL w="12700">
                       <a:solidFill>
                         <a:srgbClr val="8134F7">
@@ -10401,7 +11094,7 @@
                         <a:defRPr sz="1800"/>
                       </a:pPr>
                       <a:r>
-                        <a:rPr b="1" sz="3800">
+                        <a:rPr sz="3800" b="1">
                           <a:latin typeface="Helvetica"/>
                           <a:ea typeface="Helvetica"/>
                           <a:cs typeface="Helvetica"/>
@@ -10410,7 +11103,7 @@
                       </a:r>
                     </a:p>
                   </a:txBody>
-                  <a:tcPr marL="50800" marR="50800" marT="50800" marB="50800" anchor="ctr" anchorCtr="0" horzOverflow="overflow">
+                  <a:tcPr marL="50800" marR="50800" marT="50800" marB="50800" anchor="ctr" horzOverflow="overflow">
                     <a:lnL w="25400">
                       <a:solidFill>
                         <a:srgbClr val="5C4EE5"/>
@@ -10442,6 +11135,11 @@
                     <a:noFill/>
                   </a:tcPr>
                 </a:tc>
+                <a:extLst>
+                  <a:ext uri="{0D108BD9-81ED-4DB2-BD59-A6C34878D82A}">
+                    <a16:rowId xmlns:a16="http://schemas.microsoft.com/office/drawing/2014/main" val="10003"/>
+                  </a:ext>
+                </a:extLst>
               </a:tr>
               <a:tr h="1028154">
                 <a:tc>
@@ -10456,9 +11154,10 @@
                           <a:cs typeface="Helvetica"/>
                         </a:defRPr>
                       </a:pPr>
+                      <a:endParaRPr/>
                     </a:p>
                   </a:txBody>
-                  <a:tcPr marL="50800" marR="50800" marT="50800" marB="50800" anchor="ctr" anchorCtr="0" horzOverflow="overflow">
+                  <a:tcPr marL="50800" marR="50800" marT="50800" marB="50800" anchor="ctr" horzOverflow="overflow">
                     <a:lnL w="25400">
                       <a:solidFill>
                         <a:srgbClr val="5C4EE5"/>
@@ -10514,7 +11213,7 @@
                       </a:r>
                     </a:p>
                   </a:txBody>
-                  <a:tcPr marL="50800" marR="50800" marT="50800" marB="50800" anchor="ctr" anchorCtr="0" horzOverflow="overflow">
+                  <a:tcPr marL="50800" marR="50800" marT="50800" marB="50800" anchor="ctr" horzOverflow="overflow">
                     <a:lnL w="12700">
                       <a:solidFill>
                         <a:srgbClr val="8134F7">
@@ -10568,7 +11267,7 @@
                       </a:r>
                     </a:p>
                   </a:txBody>
-                  <a:tcPr marL="50800" marR="50800" marT="50800" marB="50800" anchor="ctr" anchorCtr="0" horzOverflow="overflow">
+                  <a:tcPr marL="50800" marR="50800" marT="50800" marB="50800" anchor="ctr" horzOverflow="overflow">
                     <a:lnL w="12700">
                       <a:solidFill>
                         <a:srgbClr val="8134F7">
@@ -10611,7 +11310,7 @@
                         <a:defRPr sz="1800"/>
                       </a:pPr>
                       <a:r>
-                        <a:rPr b="1" sz="3800">
+                        <a:rPr sz="3800" b="1">
                           <a:latin typeface="Helvetica"/>
                           <a:ea typeface="Helvetica"/>
                           <a:cs typeface="Helvetica"/>
@@ -10620,7 +11319,7 @@
                       </a:r>
                     </a:p>
                   </a:txBody>
-                  <a:tcPr marL="50800" marR="50800" marT="50800" marB="50800" anchor="ctr" anchorCtr="0" horzOverflow="overflow">
+                  <a:tcPr marL="50800" marR="50800" marT="50800" marB="50800" anchor="ctr" horzOverflow="overflow">
                     <a:lnL w="25400">
                       <a:solidFill>
                         <a:srgbClr val="5C4EE5"/>
@@ -10652,6 +11351,11 @@
                     <a:noFill/>
                   </a:tcPr>
                 </a:tc>
+                <a:extLst>
+                  <a:ext uri="{0D108BD9-81ED-4DB2-BD59-A6C34878D82A}">
+                    <a16:rowId xmlns:a16="http://schemas.microsoft.com/office/drawing/2014/main" val="10004"/>
+                  </a:ext>
+                </a:extLst>
               </a:tr>
               <a:tr h="1028154">
                 <a:tc>
@@ -10666,9 +11370,10 @@
                           <a:cs typeface="Helvetica"/>
                         </a:defRPr>
                       </a:pPr>
+                      <a:endParaRPr/>
                     </a:p>
                   </a:txBody>
-                  <a:tcPr marL="50800" marR="50800" marT="50800" marB="50800" anchor="ctr" anchorCtr="0" horzOverflow="overflow">
+                  <a:tcPr marL="50800" marR="50800" marT="50800" marB="50800" anchor="ctr" horzOverflow="overflow">
                     <a:lnL w="25400">
                       <a:solidFill>
                         <a:srgbClr val="5C4EE5"/>
@@ -10718,9 +11423,10 @@
                           <a:cs typeface="Helvetica"/>
                         </a:defRPr>
                       </a:pPr>
+                      <a:endParaRPr/>
                     </a:p>
                   </a:txBody>
-                  <a:tcPr marL="50800" marR="50800" marT="50800" marB="50800" anchor="ctr" anchorCtr="0" horzOverflow="overflow">
+                  <a:tcPr marL="50800" marR="50800" marT="50800" marB="50800" anchor="ctr" horzOverflow="overflow">
                     <a:lnL w="12700">
                       <a:solidFill>
                         <a:srgbClr val="8134F7">
@@ -10778,7 +11484,7 @@
                       </a:r>
                     </a:p>
                   </a:txBody>
-                  <a:tcPr marL="50800" marR="50800" marT="50800" marB="50800" anchor="ctr" anchorCtr="0" horzOverflow="overflow">
+                  <a:tcPr marL="50800" marR="50800" marT="50800" marB="50800" anchor="ctr" horzOverflow="overflow">
                     <a:lnL w="12700">
                       <a:solidFill>
                         <a:srgbClr val="8134F7">
@@ -10821,7 +11527,7 @@
                         <a:defRPr sz="1800"/>
                       </a:pPr>
                       <a:r>
-                        <a:rPr b="1" sz="3800">
+                        <a:rPr sz="3800" b="1">
                           <a:latin typeface="Helvetica"/>
                           <a:ea typeface="Helvetica"/>
                           <a:cs typeface="Helvetica"/>
@@ -10830,7 +11536,7 @@
                       </a:r>
                     </a:p>
                   </a:txBody>
-                  <a:tcPr marL="50800" marR="50800" marT="50800" marB="50800" anchor="ctr" anchorCtr="0" horzOverflow="overflow">
+                  <a:tcPr marL="50800" marR="50800" marT="50800" marB="50800" anchor="ctr" horzOverflow="overflow">
                     <a:lnL w="25400">
                       <a:solidFill>
                         <a:srgbClr val="5C4EE5"/>
@@ -10862,6 +11568,11 @@
                     <a:noFill/>
                   </a:tcPr>
                 </a:tc>
+                <a:extLst>
+                  <a:ext uri="{0D108BD9-81ED-4DB2-BD59-A6C34878D82A}">
+                    <a16:rowId xmlns:a16="http://schemas.microsoft.com/office/drawing/2014/main" val="10005"/>
+                  </a:ext>
+                </a:extLst>
               </a:tr>
               <a:tr h="1028154">
                 <a:tc>
@@ -10882,7 +11593,7 @@
                       </a:r>
                     </a:p>
                   </a:txBody>
-                  <a:tcPr marL="50800" marR="50800" marT="50800" marB="50800" anchor="ctr" anchorCtr="0" horzOverflow="overflow">
+                  <a:tcPr marL="50800" marR="50800" marT="50800" marB="50800" anchor="ctr" horzOverflow="overflow">
                     <a:lnL w="25400">
                       <a:solidFill>
                         <a:srgbClr val="5C4EE5"/>
@@ -10928,9 +11639,10 @@
                           <a:cs typeface="Helvetica"/>
                         </a:defRPr>
                       </a:pPr>
+                      <a:endParaRPr/>
                     </a:p>
                   </a:txBody>
-                  <a:tcPr marL="50800" marR="50800" marT="50800" marB="50800" anchor="ctr" anchorCtr="0" horzOverflow="overflow">
+                  <a:tcPr marL="50800" marR="50800" marT="50800" marB="50800" anchor="ctr" horzOverflow="overflow">
                     <a:lnL w="12700">
                       <a:solidFill>
                         <a:srgbClr val="8134F7">
@@ -10988,7 +11700,7 @@
                       </a:r>
                     </a:p>
                   </a:txBody>
-                  <a:tcPr marL="50800" marR="50800" marT="50800" marB="50800" anchor="ctr" anchorCtr="0" horzOverflow="overflow">
+                  <a:tcPr marL="50800" marR="50800" marT="50800" marB="50800" anchor="ctr" horzOverflow="overflow">
                     <a:lnL w="12700">
                       <a:solidFill>
                         <a:srgbClr val="8134F7">
@@ -11031,7 +11743,7 @@
                         <a:defRPr sz="1800"/>
                       </a:pPr>
                       <a:r>
-                        <a:rPr b="1" sz="3800">
+                        <a:rPr sz="3800" b="1">
                           <a:latin typeface="Helvetica"/>
                           <a:ea typeface="Helvetica"/>
                           <a:cs typeface="Helvetica"/>
@@ -11040,7 +11752,7 @@
                       </a:r>
                     </a:p>
                   </a:txBody>
-                  <a:tcPr marL="50800" marR="50800" marT="50800" marB="50800" anchor="ctr" anchorCtr="0" horzOverflow="overflow">
+                  <a:tcPr marL="50800" marR="50800" marT="50800" marB="50800" anchor="ctr" horzOverflow="overflow">
                     <a:lnL w="25400">
                       <a:solidFill>
                         <a:srgbClr val="5C4EE5"/>
@@ -11072,6 +11784,11 @@
                     <a:noFill/>
                   </a:tcPr>
                 </a:tc>
+                <a:extLst>
+                  <a:ext uri="{0D108BD9-81ED-4DB2-BD59-A6C34878D82A}">
+                    <a16:rowId xmlns:a16="http://schemas.microsoft.com/office/drawing/2014/main" val="10006"/>
+                  </a:ext>
+                </a:extLst>
               </a:tr>
               <a:tr h="1028154">
                 <a:tc>
@@ -11086,9 +11803,10 @@
                           <a:cs typeface="Helvetica"/>
                         </a:defRPr>
                       </a:pPr>
+                      <a:endParaRPr/>
                     </a:p>
                   </a:txBody>
-                  <a:tcPr marL="50800" marR="50800" marT="50800" marB="50800" anchor="ctr" anchorCtr="0" horzOverflow="overflow">
+                  <a:tcPr marL="50800" marR="50800" marT="50800" marB="50800" anchor="ctr" horzOverflow="overflow">
                     <a:lnL w="25400">
                       <a:solidFill>
                         <a:srgbClr val="5C4EE5"/>
@@ -11142,7 +11860,7 @@
                       </a:r>
                     </a:p>
                   </a:txBody>
-                  <a:tcPr marL="50800" marR="50800" marT="50800" marB="50800" anchor="ctr" anchorCtr="0" horzOverflow="overflow">
+                  <a:tcPr marL="50800" marR="50800" marT="50800" marB="50800" anchor="ctr" horzOverflow="overflow">
                     <a:lnL w="12700">
                       <a:solidFill>
                         <a:srgbClr val="8134F7">
@@ -11188,9 +11906,10 @@
                           <a:cs typeface="Helvetica"/>
                         </a:defRPr>
                       </a:pPr>
+                      <a:endParaRPr/>
                     </a:p>
                   </a:txBody>
-                  <a:tcPr marL="50800" marR="50800" marT="50800" marB="50800" anchor="ctr" anchorCtr="0" horzOverflow="overflow">
+                  <a:tcPr marL="50800" marR="50800" marT="50800" marB="50800" anchor="ctr" horzOverflow="overflow">
                     <a:lnL w="12700">
                       <a:solidFill>
                         <a:srgbClr val="8134F7">
@@ -11235,7 +11954,7 @@
                         <a:defRPr sz="1800"/>
                       </a:pPr>
                       <a:r>
-                        <a:rPr b="1" sz="3800">
+                        <a:rPr sz="3800" b="1">
                           <a:latin typeface="Helvetica"/>
                           <a:ea typeface="Helvetica"/>
                           <a:cs typeface="Helvetica"/>
@@ -11244,7 +11963,7 @@
                       </a:r>
                     </a:p>
                   </a:txBody>
-                  <a:tcPr marL="50800" marR="50800" marT="50800" marB="50800" anchor="ctr" anchorCtr="0" horzOverflow="overflow">
+                  <a:tcPr marL="50800" marR="50800" marT="50800" marB="50800" anchor="ctr" horzOverflow="overflow">
                     <a:lnL w="25400">
                       <a:solidFill>
                         <a:srgbClr val="5C4EE5"/>
@@ -11274,6 +11993,11 @@
                     <a:noFill/>
                   </a:tcPr>
                 </a:tc>
+                <a:extLst>
+                  <a:ext uri="{0D108BD9-81ED-4DB2-BD59-A6C34878D82A}">
+                    <a16:rowId xmlns:a16="http://schemas.microsoft.com/office/drawing/2014/main" val="10007"/>
+                  </a:ext>
+                </a:extLst>
               </a:tr>
             </a:tbl>
           </a:graphicData>
@@ -11284,12 +12008,12 @@
   <p:clrMapOvr>
     <a:masterClrMapping/>
   </p:clrMapOvr>
-  <p:transition xmlns:p14="http://schemas.microsoft.com/office/powerpoint/2010/main" spd="med" advClick="1"/>
+  <p:transition spd="med"/>
 </p:sld>
 </file>
 
 <file path=ppt/slides/slide6.xml><?xml version="1.0" encoding="utf-8"?>
-<p:sld xmlns:a="http://schemas.openxmlformats.org/drawingml/2006/main" xmlns:r="http://schemas.openxmlformats.org/officeDocument/2006/relationships" xmlns:p="http://schemas.openxmlformats.org/presentationml/2006/main" showMasterSp="1" showMasterPhAnim="1">
+<p:sld xmlns:a="http://schemas.openxmlformats.org/drawingml/2006/main" xmlns:r="http://schemas.openxmlformats.org/officeDocument/2006/relationships" xmlns:p="http://schemas.openxmlformats.org/presentationml/2006/main">
   <p:cSld>
     <p:spTree>
       <p:nvGrpSpPr>
@@ -11308,7 +12032,9 @@
       <p:sp>
         <p:nvSpPr>
           <p:cNvPr id="196" name="State Import"/>
-          <p:cNvSpPr txBox="1"/>
+          <p:cNvSpPr txBox="1">
+            <a:spLocks noGrp="1"/>
+          </p:cNvSpPr>
           <p:nvPr>
             <p:ph type="title"/>
           </p:nvPr>
@@ -11322,7 +12048,6 @@
           <a:bodyPr/>
           <a:lstStyle/>
           <a:p>
-            <a:pPr/>
             <a:r>
               <a:t>State Import</a:t>
             </a:r>
@@ -11332,7 +12057,9 @@
       <p:sp>
         <p:nvSpPr>
           <p:cNvPr id="197" name="Terraform only manages previous or imported resources.…"/>
-          <p:cNvSpPr txBox="1"/>
+          <p:cNvSpPr txBox="1">
+            <a:spLocks noGrp="1"/>
+          </p:cNvSpPr>
           <p:nvPr>
             <p:ph type="body" idx="1"/>
           </p:nvPr>
@@ -11346,19 +12073,16 @@
           <a:bodyPr/>
           <a:lstStyle/>
           <a:p>
-            <a:pPr/>
             <a:r>
               <a:t>Terraform only manages previous or imported resources.</a:t>
             </a:r>
           </a:p>
           <a:p>
-            <a:pPr/>
             <a:r>
               <a:t>Terraform can "import" state for existing resources.</a:t>
             </a:r>
           </a:p>
           <a:p>
-            <a:pPr/>
             <a:r>
               <a:t>This only writes the state file, not the Terraform configuration.</a:t>
             </a:r>
@@ -11370,12 +12094,12 @@
   <p:clrMapOvr>
     <a:masterClrMapping/>
   </p:clrMapOvr>
-  <p:transition xmlns:p14="http://schemas.microsoft.com/office/powerpoint/2010/main" spd="med" advClick="1"/>
+  <p:transition spd="med"/>
 </p:sld>
 </file>
 
 <file path=ppt/slides/slide7.xml><?xml version="1.0" encoding="utf-8"?>
-<p:sld xmlns:a="http://schemas.openxmlformats.org/drawingml/2006/main" xmlns:r="http://schemas.openxmlformats.org/officeDocument/2006/relationships" xmlns:p="http://schemas.openxmlformats.org/presentationml/2006/main" showMasterSp="1" showMasterPhAnim="1">
+<p:sld xmlns:a="http://schemas.openxmlformats.org/drawingml/2006/main" xmlns:r="http://schemas.openxmlformats.org/officeDocument/2006/relationships" xmlns:p="http://schemas.openxmlformats.org/presentationml/2006/main">
   <p:cSld>
     <p:spTree>
       <p:nvGrpSpPr>
@@ -11394,7 +12118,9 @@
       <p:sp>
         <p:nvSpPr>
           <p:cNvPr id="199" name="State Import"/>
-          <p:cNvSpPr txBox="1"/>
+          <p:cNvSpPr txBox="1">
+            <a:spLocks noGrp="1"/>
+          </p:cNvSpPr>
           <p:nvPr>
             <p:ph type="title"/>
           </p:nvPr>
@@ -11408,7 +12134,6 @@
           <a:bodyPr/>
           <a:lstStyle/>
           <a:p>
-            <a:pPr/>
             <a:r>
               <a:t>State Import</a:t>
             </a:r>
@@ -11418,7 +12143,9 @@
       <p:sp>
         <p:nvSpPr>
           <p:cNvPr id="200" name="Critical Thinking…"/>
-          <p:cNvSpPr txBox="1"/>
+          <p:cNvSpPr txBox="1">
+            <a:spLocks noGrp="1"/>
+          </p:cNvSpPr>
           <p:nvPr>
             <p:ph type="body" idx="1"/>
           </p:nvPr>
@@ -11432,14 +12159,12 @@
           <a:bodyPr/>
           <a:lstStyle/>
           <a:p>
-            <a:pPr/>
             <a:r>
               <a:rPr b="1"/>
               <a:t>Critical Thinking</a:t>
             </a:r>
           </a:p>
           <a:p>
-            <a:pPr/>
             <a:r>
               <a:t>After importing an existing resource, what operation(s) would the </a:t>
             </a:r>
@@ -11463,12 +12188,12 @@
   <p:clrMapOvr>
     <a:masterClrMapping/>
   </p:clrMapOvr>
-  <p:transition xmlns:p14="http://schemas.microsoft.com/office/powerpoint/2010/main" spd="med" advClick="1"/>
+  <p:transition spd="med"/>
 </p:sld>
 </file>
 
 <file path=ppt/slides/slide8.xml><?xml version="1.0" encoding="utf-8"?>
-<p:sld xmlns:a="http://schemas.openxmlformats.org/drawingml/2006/main" xmlns:r="http://schemas.openxmlformats.org/officeDocument/2006/relationships" xmlns:p="http://schemas.openxmlformats.org/presentationml/2006/main" showMasterSp="1" showMasterPhAnim="1">
+<p:sld xmlns:a="http://schemas.openxmlformats.org/drawingml/2006/main" xmlns:r="http://schemas.openxmlformats.org/officeDocument/2006/relationships" xmlns:p="http://schemas.openxmlformats.org/presentationml/2006/main">
   <p:cSld>
     <p:spTree>
       <p:nvGrpSpPr>
@@ -11487,7 +12212,9 @@
       <p:sp>
         <p:nvSpPr>
           <p:cNvPr id="202" name="State Import"/>
-          <p:cNvSpPr txBox="1"/>
+          <p:cNvSpPr txBox="1">
+            <a:spLocks noGrp="1"/>
+          </p:cNvSpPr>
           <p:nvPr>
             <p:ph type="title"/>
           </p:nvPr>
@@ -11501,7 +12228,6 @@
           <a:bodyPr/>
           <a:lstStyle/>
           <a:p>
-            <a:pPr/>
             <a:r>
               <a:t>State Import</a:t>
             </a:r>
@@ -11511,7 +12237,9 @@
       <p:sp>
         <p:nvSpPr>
           <p:cNvPr id="203" name="Critical Thinking…"/>
-          <p:cNvSpPr txBox="1"/>
+          <p:cNvSpPr txBox="1">
+            <a:spLocks noGrp="1"/>
+          </p:cNvSpPr>
           <p:nvPr>
             <p:ph type="body" idx="1"/>
           </p:nvPr>
@@ -11525,14 +12253,12 @@
           <a:bodyPr/>
           <a:lstStyle/>
           <a:p>
-            <a:pPr/>
             <a:r>
               <a:rPr b="1"/>
               <a:t>Critical Thinking</a:t>
             </a:r>
           </a:p>
           <a:p>
-            <a:pPr/>
             <a:r>
               <a:t>After importing an existing resource, what operation(s) would the </a:t>
             </a:r>
@@ -11558,7 +12284,6 @@
             </a:r>
           </a:p>
           <a:p>
-            <a:pPr/>
             <a:r>
               <a:t>Destroy (state exists, no configuration)</a:t>
             </a:r>
@@ -11570,12 +12295,12 @@
   <p:clrMapOvr>
     <a:masterClrMapping/>
   </p:clrMapOvr>
-  <p:transition xmlns:p14="http://schemas.microsoft.com/office/powerpoint/2010/main" spd="med" advClick="1"/>
+  <p:transition spd="med"/>
 </p:sld>
 </file>
 
 <file path=ppt/slides/slide9.xml><?xml version="1.0" encoding="utf-8"?>
-<p:sld xmlns:a="http://schemas.openxmlformats.org/drawingml/2006/main" xmlns:r="http://schemas.openxmlformats.org/officeDocument/2006/relationships" xmlns:p="http://schemas.openxmlformats.org/presentationml/2006/main" showMasterSp="1" showMasterPhAnim="1">
+<p:sld xmlns:a="http://schemas.openxmlformats.org/drawingml/2006/main" xmlns:r="http://schemas.openxmlformats.org/officeDocument/2006/relationships" xmlns:p="http://schemas.openxmlformats.org/presentationml/2006/main">
   <p:cSld>
     <p:spTree>
       <p:nvGrpSpPr>
@@ -11594,7 +12319,9 @@
       <p:sp>
         <p:nvSpPr>
           <p:cNvPr id="205" name="State Locking"/>
-          <p:cNvSpPr txBox="1"/>
+          <p:cNvSpPr txBox="1">
+            <a:spLocks noGrp="1"/>
+          </p:cNvSpPr>
           <p:nvPr>
             <p:ph type="title"/>
           </p:nvPr>
@@ -11608,7 +12335,6 @@
           <a:bodyPr/>
           <a:lstStyle/>
           <a:p>
-            <a:pPr/>
             <a:r>
               <a:t>State Locking</a:t>
             </a:r>
@@ -11618,7 +12344,9 @@
       <p:sp>
         <p:nvSpPr>
           <p:cNvPr id="206" name="If supported, the state backend will &quot;lock&quot; to prevent concurrent modifications which could cause corruption.…"/>
-          <p:cNvSpPr txBox="1"/>
+          <p:cNvSpPr txBox="1">
+            <a:spLocks noGrp="1"/>
+          </p:cNvSpPr>
           <p:nvPr>
             <p:ph type="body" idx="1"/>
           </p:nvPr>
@@ -11632,13 +12360,11 @@
           <a:bodyPr/>
           <a:lstStyle/>
           <a:p>
-            <a:pPr/>
             <a:r>
               <a:t>If supported, the state backend will "lock" to prevent concurrent modifications which could cause corruption.</a:t>
             </a:r>
           </a:p>
           <a:p>
-            <a:pPr/>
             <a:r>
               <a:t>Not all backends support locking - Terraform's documentation identifies which backends support this functionality.</a:t>
             </a:r>
@@ -11650,12 +12376,12 @@
   <p:clrMapOvr>
     <a:masterClrMapping/>
   </p:clrMapOvr>
-  <p:transition xmlns:p14="http://schemas.microsoft.com/office/powerpoint/2010/main" spd="med" advClick="1"/>
+  <p:transition spd="med"/>
 </p:sld>
 </file>
 
 <file path=ppt/theme/theme1.xml><?xml version="1.0" encoding="utf-8"?>
-<a:theme xmlns:a="http://schemas.openxmlformats.org/drawingml/2006/main" xmlns:r="http://schemas.openxmlformats.org/officeDocument/2006/relationships" name="White">
+<a:theme xmlns:a="http://schemas.openxmlformats.org/drawingml/2006/main" name="White">
   <a:themeElements>
     <a:clrScheme name="White">
       <a:dk1>
@@ -11854,7 +12580,7 @@
         <a:effectLst/>
         <a:sp3d/>
       </a:spPr>
-      <a:bodyPr rot="0" spcFirstLastPara="1" vertOverflow="overflow" horzOverflow="overflow" vert="horz" wrap="square" lIns="71437" tIns="71437" rIns="71437" bIns="71437" numCol="1" spcCol="38100" rtlCol="0" anchor="ctr" upright="0">
+      <a:bodyPr rot="0" spcFirstLastPara="1" vertOverflow="overflow" horzOverflow="overflow" vert="horz" wrap="square" lIns="71437" tIns="71437" rIns="71437" bIns="71437" numCol="1" spcCol="38100" rtlCol="0" anchor="ctr">
         <a:spAutoFit/>
       </a:bodyPr>
       <a:lstStyle>
@@ -11873,7 +12599,7 @@
           <a:buFontTx/>
           <a:buNone/>
           <a:tabLst/>
-          <a:defRPr b="0" baseline="0" cap="none" i="0" spc="0" strike="noStrike" sz="3000" u="none" kumimoji="0" normalizeH="0">
+          <a:defRPr kumimoji="0" sz="3000" b="0" i="0" u="none" strike="noStrike" cap="none" spc="0" normalizeH="0" baseline="0">
             <a:ln>
               <a:noFill/>
             </a:ln>
@@ -11903,7 +12629,7 @@
           <a:buFontTx/>
           <a:buNone/>
           <a:tabLst/>
-          <a:defRPr b="0" baseline="0" cap="none" i="0" spc="0" strike="noStrike" sz="1800" u="none" kumimoji="0" normalizeH="0">
+          <a:defRPr kumimoji="0" sz="1800" b="0" i="0" u="none" strike="noStrike" cap="none" spc="0" normalizeH="0" baseline="0">
             <a:ln>
               <a:noFill/>
             </a:ln>
@@ -11929,7 +12655,7 @@
           <a:buFontTx/>
           <a:buNone/>
           <a:tabLst/>
-          <a:defRPr b="0" baseline="0" cap="none" i="0" spc="0" strike="noStrike" sz="1800" u="none" kumimoji="0" normalizeH="0">
+          <a:defRPr kumimoji="0" sz="1800" b="0" i="0" u="none" strike="noStrike" cap="none" spc="0" normalizeH="0" baseline="0">
             <a:ln>
               <a:noFill/>
             </a:ln>
@@ -11955,7 +12681,7 @@
           <a:buFontTx/>
           <a:buNone/>
           <a:tabLst/>
-          <a:defRPr b="0" baseline="0" cap="none" i="0" spc="0" strike="noStrike" sz="1800" u="none" kumimoji="0" normalizeH="0">
+          <a:defRPr kumimoji="0" sz="1800" b="0" i="0" u="none" strike="noStrike" cap="none" spc="0" normalizeH="0" baseline="0">
             <a:ln>
               <a:noFill/>
             </a:ln>
@@ -11981,7 +12707,7 @@
           <a:buFontTx/>
           <a:buNone/>
           <a:tabLst/>
-          <a:defRPr b="0" baseline="0" cap="none" i="0" spc="0" strike="noStrike" sz="1800" u="none" kumimoji="0" normalizeH="0">
+          <a:defRPr kumimoji="0" sz="1800" b="0" i="0" u="none" strike="noStrike" cap="none" spc="0" normalizeH="0" baseline="0">
             <a:ln>
               <a:noFill/>
             </a:ln>
@@ -12007,7 +12733,7 @@
           <a:buFontTx/>
           <a:buNone/>
           <a:tabLst/>
-          <a:defRPr b="0" baseline="0" cap="none" i="0" spc="0" strike="noStrike" sz="1800" u="none" kumimoji="0" normalizeH="0">
+          <a:defRPr kumimoji="0" sz="1800" b="0" i="0" u="none" strike="noStrike" cap="none" spc="0" normalizeH="0" baseline="0">
             <a:ln>
               <a:noFill/>
             </a:ln>
@@ -12033,7 +12759,7 @@
           <a:buFontTx/>
           <a:buNone/>
           <a:tabLst/>
-          <a:defRPr b="0" baseline="0" cap="none" i="0" spc="0" strike="noStrike" sz="1800" u="none" kumimoji="0" normalizeH="0">
+          <a:defRPr kumimoji="0" sz="1800" b="0" i="0" u="none" strike="noStrike" cap="none" spc="0" normalizeH="0" baseline="0">
             <a:ln>
               <a:noFill/>
             </a:ln>
@@ -12059,7 +12785,7 @@
           <a:buFontTx/>
           <a:buNone/>
           <a:tabLst/>
-          <a:defRPr b="0" baseline="0" cap="none" i="0" spc="0" strike="noStrike" sz="1800" u="none" kumimoji="0" normalizeH="0">
+          <a:defRPr kumimoji="0" sz="1800" b="0" i="0" u="none" strike="noStrike" cap="none" spc="0" normalizeH="0" baseline="0">
             <a:ln>
               <a:noFill/>
             </a:ln>
@@ -12085,7 +12811,7 @@
           <a:buFontTx/>
           <a:buNone/>
           <a:tabLst/>
-          <a:defRPr b="0" baseline="0" cap="none" i="0" spc="0" strike="noStrike" sz="1800" u="none" kumimoji="0" normalizeH="0">
+          <a:defRPr kumimoji="0" sz="1800" b="0" i="0" u="none" strike="noStrike" cap="none" spc="0" normalizeH="0" baseline="0">
             <a:ln>
               <a:noFill/>
             </a:ln>
@@ -12111,7 +12837,7 @@
           <a:buFontTx/>
           <a:buNone/>
           <a:tabLst/>
-          <a:defRPr b="0" baseline="0" cap="none" i="0" spc="0" strike="noStrike" sz="1800" u="none" kumimoji="0" normalizeH="0">
+          <a:defRPr kumimoji="0" sz="1800" b="0" i="0" u="none" strike="noStrike" cap="none" spc="0" normalizeH="0" baseline="0">
             <a:ln>
               <a:noFill/>
             </a:ln>
@@ -12124,9 +12850,15 @@
         </a:lvl9pPr>
       </a:lstStyle>
       <a:style>
-        <a:lnRef idx="0"/>
-        <a:fillRef idx="0"/>
-        <a:effectRef idx="0"/>
+        <a:lnRef idx="0">
+          <a:scrgbClr r="0" g="0" b="0"/>
+        </a:lnRef>
+        <a:fillRef idx="0">
+          <a:scrgbClr r="0" g="0" b="0"/>
+        </a:fillRef>
+        <a:effectRef idx="0">
+          <a:scrgbClr r="0" g="0" b="0"/>
+        </a:effectRef>
         <a:fontRef idx="none"/>
       </a:style>
     </a:spDef>
@@ -12143,7 +12875,7 @@
         <a:effectLst/>
         <a:sp3d/>
       </a:spPr>
-      <a:bodyPr rot="0" spcFirstLastPara="1" vertOverflow="overflow" horzOverflow="overflow" vert="horz" wrap="square" lIns="91439" tIns="45719" rIns="91439" bIns="45719" numCol="1" spcCol="38100" rtlCol="0" anchor="t" upright="0">
+      <a:bodyPr rot="0" spcFirstLastPara="1" vertOverflow="overflow" horzOverflow="overflow" vert="horz" wrap="square" lIns="91439" tIns="45719" rIns="91439" bIns="45719" numCol="1" spcCol="38100" rtlCol="0" anchor="t">
         <a:noAutofit/>
       </a:bodyPr>
       <a:lstStyle>
@@ -12162,7 +12894,7 @@
           <a:buFontTx/>
           <a:buNone/>
           <a:tabLst/>
-          <a:defRPr b="0" baseline="0" cap="none" i="0" spc="0" strike="noStrike" sz="1800" u="none" kumimoji="0" normalizeH="0">
+          <a:defRPr kumimoji="0" sz="1800" b="0" i="0" u="none" strike="noStrike" cap="none" spc="0" normalizeH="0" baseline="0">
             <a:ln>
               <a:noFill/>
             </a:ln>
@@ -12188,7 +12920,7 @@
           <a:buFontTx/>
           <a:buNone/>
           <a:tabLst/>
-          <a:defRPr b="0" baseline="0" cap="none" i="0" spc="0" strike="noStrike" sz="1800" u="none" kumimoji="0" normalizeH="0">
+          <a:defRPr kumimoji="0" sz="1800" b="0" i="0" u="none" strike="noStrike" cap="none" spc="0" normalizeH="0" baseline="0">
             <a:ln>
               <a:noFill/>
             </a:ln>
@@ -12214,7 +12946,7 @@
           <a:buFontTx/>
           <a:buNone/>
           <a:tabLst/>
-          <a:defRPr b="0" baseline="0" cap="none" i="0" spc="0" strike="noStrike" sz="1800" u="none" kumimoji="0" normalizeH="0">
+          <a:defRPr kumimoji="0" sz="1800" b="0" i="0" u="none" strike="noStrike" cap="none" spc="0" normalizeH="0" baseline="0">
             <a:ln>
               <a:noFill/>
             </a:ln>
@@ -12240,7 +12972,7 @@
           <a:buFontTx/>
           <a:buNone/>
           <a:tabLst/>
-          <a:defRPr b="0" baseline="0" cap="none" i="0" spc="0" strike="noStrike" sz="1800" u="none" kumimoji="0" normalizeH="0">
+          <a:defRPr kumimoji="0" sz="1800" b="0" i="0" u="none" strike="noStrike" cap="none" spc="0" normalizeH="0" baseline="0">
             <a:ln>
               <a:noFill/>
             </a:ln>
@@ -12266,7 +12998,7 @@
           <a:buFontTx/>
           <a:buNone/>
           <a:tabLst/>
-          <a:defRPr b="0" baseline="0" cap="none" i="0" spc="0" strike="noStrike" sz="1800" u="none" kumimoji="0" normalizeH="0">
+          <a:defRPr kumimoji="0" sz="1800" b="0" i="0" u="none" strike="noStrike" cap="none" spc="0" normalizeH="0" baseline="0">
             <a:ln>
               <a:noFill/>
             </a:ln>
@@ -12292,7 +13024,7 @@
           <a:buFontTx/>
           <a:buNone/>
           <a:tabLst/>
-          <a:defRPr b="0" baseline="0" cap="none" i="0" spc="0" strike="noStrike" sz="1800" u="none" kumimoji="0" normalizeH="0">
+          <a:defRPr kumimoji="0" sz="1800" b="0" i="0" u="none" strike="noStrike" cap="none" spc="0" normalizeH="0" baseline="0">
             <a:ln>
               <a:noFill/>
             </a:ln>
@@ -12318,7 +13050,7 @@
           <a:buFontTx/>
           <a:buNone/>
           <a:tabLst/>
-          <a:defRPr b="0" baseline="0" cap="none" i="0" spc="0" strike="noStrike" sz="1800" u="none" kumimoji="0" normalizeH="0">
+          <a:defRPr kumimoji="0" sz="1800" b="0" i="0" u="none" strike="noStrike" cap="none" spc="0" normalizeH="0" baseline="0">
             <a:ln>
               <a:noFill/>
             </a:ln>
@@ -12344,7 +13076,7 @@
           <a:buFontTx/>
           <a:buNone/>
           <a:tabLst/>
-          <a:defRPr b="0" baseline="0" cap="none" i="0" spc="0" strike="noStrike" sz="1800" u="none" kumimoji="0" normalizeH="0">
+          <a:defRPr kumimoji="0" sz="1800" b="0" i="0" u="none" strike="noStrike" cap="none" spc="0" normalizeH="0" baseline="0">
             <a:ln>
               <a:noFill/>
             </a:ln>
@@ -12370,7 +13102,7 @@
           <a:buFontTx/>
           <a:buNone/>
           <a:tabLst/>
-          <a:defRPr b="0" baseline="0" cap="none" i="0" spc="0" strike="noStrike" sz="1800" u="none" kumimoji="0" normalizeH="0">
+          <a:defRPr kumimoji="0" sz="1800" b="0" i="0" u="none" strike="noStrike" cap="none" spc="0" normalizeH="0" baseline="0">
             <a:ln>
               <a:noFill/>
             </a:ln>
@@ -12396,7 +13128,7 @@
           <a:buFontTx/>
           <a:buNone/>
           <a:tabLst/>
-          <a:defRPr b="0" baseline="0" cap="none" i="0" spc="0" strike="noStrike" sz="1800" u="none" kumimoji="0" normalizeH="0">
+          <a:defRPr kumimoji="0" sz="1800" b="0" i="0" u="none" strike="noStrike" cap="none" spc="0" normalizeH="0" baseline="0">
             <a:ln>
               <a:noFill/>
             </a:ln>
@@ -12409,9 +13141,15 @@
         </a:lvl9pPr>
       </a:lstStyle>
       <a:style>
-        <a:lnRef idx="0"/>
-        <a:fillRef idx="0"/>
-        <a:effectRef idx="0"/>
+        <a:lnRef idx="0">
+          <a:scrgbClr r="0" g="0" b="0"/>
+        </a:lnRef>
+        <a:fillRef idx="0">
+          <a:scrgbClr r="0" g="0" b="0"/>
+        </a:fillRef>
+        <a:effectRef idx="0">
+          <a:scrgbClr r="0" g="0" b="0"/>
+        </a:effectRef>
         <a:fontRef idx="none"/>
       </a:style>
     </a:lnDef>
@@ -12425,7 +13163,7 @@
         <a:effectLst/>
         <a:sp3d/>
       </a:spPr>
-      <a:bodyPr rot="0" spcFirstLastPara="1" vertOverflow="overflow" horzOverflow="overflow" vert="horz" wrap="square" lIns="71437" tIns="71437" rIns="71437" bIns="71437" numCol="1" spcCol="38100" rtlCol="0" anchor="ctr" upright="0">
+      <a:bodyPr rot="0" spcFirstLastPara="1" vertOverflow="overflow" horzOverflow="overflow" vert="horz" wrap="square" lIns="71437" tIns="71437" rIns="71437" bIns="71437" numCol="1" spcCol="38100" rtlCol="0" anchor="ctr">
         <a:spAutoFit/>
       </a:bodyPr>
       <a:lstStyle>
@@ -12444,7 +13182,7 @@
           <a:buFontTx/>
           <a:buNone/>
           <a:tabLst/>
-          <a:defRPr b="1" baseline="0" cap="none" i="0" spc="0" strike="noStrike" sz="3200" u="none" kumimoji="0" normalizeH="0">
+          <a:defRPr kumimoji="0" sz="3200" b="1" i="0" u="none" strike="noStrike" cap="none" spc="0" normalizeH="0" baseline="0">
             <a:ln>
               <a:noFill/>
             </a:ln>
@@ -12474,7 +13212,7 @@
           <a:buFontTx/>
           <a:buNone/>
           <a:tabLst/>
-          <a:defRPr b="0" baseline="0" cap="none" i="0" spc="0" strike="noStrike" sz="1800" u="none" kumimoji="0" normalizeH="0">
+          <a:defRPr kumimoji="0" sz="1800" b="0" i="0" u="none" strike="noStrike" cap="none" spc="0" normalizeH="0" baseline="0">
             <a:ln>
               <a:noFill/>
             </a:ln>
@@ -12500,7 +13238,7 @@
           <a:buFontTx/>
           <a:buNone/>
           <a:tabLst/>
-          <a:defRPr b="0" baseline="0" cap="none" i="0" spc="0" strike="noStrike" sz="1800" u="none" kumimoji="0" normalizeH="0">
+          <a:defRPr kumimoji="0" sz="1800" b="0" i="0" u="none" strike="noStrike" cap="none" spc="0" normalizeH="0" baseline="0">
             <a:ln>
               <a:noFill/>
             </a:ln>
@@ -12526,7 +13264,7 @@
           <a:buFontTx/>
           <a:buNone/>
           <a:tabLst/>
-          <a:defRPr b="0" baseline="0" cap="none" i="0" spc="0" strike="noStrike" sz="1800" u="none" kumimoji="0" normalizeH="0">
+          <a:defRPr kumimoji="0" sz="1800" b="0" i="0" u="none" strike="noStrike" cap="none" spc="0" normalizeH="0" baseline="0">
             <a:ln>
               <a:noFill/>
             </a:ln>
@@ -12552,7 +13290,7 @@
           <a:buFontTx/>
           <a:buNone/>
           <a:tabLst/>
-          <a:defRPr b="0" baseline="0" cap="none" i="0" spc="0" strike="noStrike" sz="1800" u="none" kumimoji="0" normalizeH="0">
+          <a:defRPr kumimoji="0" sz="1800" b="0" i="0" u="none" strike="noStrike" cap="none" spc="0" normalizeH="0" baseline="0">
             <a:ln>
               <a:noFill/>
             </a:ln>
@@ -12578,7 +13316,7 @@
           <a:buFontTx/>
           <a:buNone/>
           <a:tabLst/>
-          <a:defRPr b="0" baseline="0" cap="none" i="0" spc="0" strike="noStrike" sz="1800" u="none" kumimoji="0" normalizeH="0">
+          <a:defRPr kumimoji="0" sz="1800" b="0" i="0" u="none" strike="noStrike" cap="none" spc="0" normalizeH="0" baseline="0">
             <a:ln>
               <a:noFill/>
             </a:ln>
@@ -12604,7 +13342,7 @@
           <a:buFontTx/>
           <a:buNone/>
           <a:tabLst/>
-          <a:defRPr b="0" baseline="0" cap="none" i="0" spc="0" strike="noStrike" sz="1800" u="none" kumimoji="0" normalizeH="0">
+          <a:defRPr kumimoji="0" sz="1800" b="0" i="0" u="none" strike="noStrike" cap="none" spc="0" normalizeH="0" baseline="0">
             <a:ln>
               <a:noFill/>
             </a:ln>
@@ -12630,7 +13368,7 @@
           <a:buFontTx/>
           <a:buNone/>
           <a:tabLst/>
-          <a:defRPr b="0" baseline="0" cap="none" i="0" spc="0" strike="noStrike" sz="1800" u="none" kumimoji="0" normalizeH="0">
+          <a:defRPr kumimoji="0" sz="1800" b="0" i="0" u="none" strike="noStrike" cap="none" spc="0" normalizeH="0" baseline="0">
             <a:ln>
               <a:noFill/>
             </a:ln>
@@ -12656,7 +13394,7 @@
           <a:buFontTx/>
           <a:buNone/>
           <a:tabLst/>
-          <a:defRPr b="0" baseline="0" cap="none" i="0" spc="0" strike="noStrike" sz="1800" u="none" kumimoji="0" normalizeH="0">
+          <a:defRPr kumimoji="0" sz="1800" b="0" i="0" u="none" strike="noStrike" cap="none" spc="0" normalizeH="0" baseline="0">
             <a:ln>
               <a:noFill/>
             </a:ln>
@@ -12682,7 +13420,7 @@
           <a:buFontTx/>
           <a:buNone/>
           <a:tabLst/>
-          <a:defRPr b="0" baseline="0" cap="none" i="0" spc="0" strike="noStrike" sz="1800" u="none" kumimoji="0" normalizeH="0">
+          <a:defRPr kumimoji="0" sz="1800" b="0" i="0" u="none" strike="noStrike" cap="none" spc="0" normalizeH="0" baseline="0">
             <a:ln>
               <a:noFill/>
             </a:ln>
@@ -12695,18 +13433,25 @@
         </a:lvl9pPr>
       </a:lstStyle>
       <a:style>
-        <a:lnRef idx="0"/>
-        <a:fillRef idx="0"/>
-        <a:effectRef idx="0"/>
+        <a:lnRef idx="0">
+          <a:scrgbClr r="0" g="0" b="0"/>
+        </a:lnRef>
+        <a:fillRef idx="0">
+          <a:scrgbClr r="0" g="0" b="0"/>
+        </a:fillRef>
+        <a:effectRef idx="0">
+          <a:scrgbClr r="0" g="0" b="0"/>
+        </a:effectRef>
         <a:fontRef idx="none"/>
       </a:style>
     </a:txDef>
   </a:objectDefaults>
+  <a:extraClrSchemeLst/>
 </a:theme>
 </file>
 
 <file path=ppt/theme/theme2.xml><?xml version="1.0" encoding="utf-8"?>
-<a:theme xmlns:a="http://schemas.openxmlformats.org/drawingml/2006/main" xmlns:r="http://schemas.openxmlformats.org/officeDocument/2006/relationships" name="White">
+<a:theme xmlns:a="http://schemas.openxmlformats.org/drawingml/2006/main" name="White">
   <a:themeElements>
     <a:clrScheme name="White">
       <a:dk1>
@@ -12905,7 +13650,7 @@
         <a:effectLst/>
         <a:sp3d/>
       </a:spPr>
-      <a:bodyPr rot="0" spcFirstLastPara="1" vertOverflow="overflow" horzOverflow="overflow" vert="horz" wrap="square" lIns="71437" tIns="71437" rIns="71437" bIns="71437" numCol="1" spcCol="38100" rtlCol="0" anchor="ctr" upright="0">
+      <a:bodyPr rot="0" spcFirstLastPara="1" vertOverflow="overflow" horzOverflow="overflow" vert="horz" wrap="square" lIns="71437" tIns="71437" rIns="71437" bIns="71437" numCol="1" spcCol="38100" rtlCol="0" anchor="ctr">
         <a:spAutoFit/>
       </a:bodyPr>
       <a:lstStyle>
@@ -12924,7 +13669,7 @@
           <a:buFontTx/>
           <a:buNone/>
           <a:tabLst/>
-          <a:defRPr b="0" baseline="0" cap="none" i="0" spc="0" strike="noStrike" sz="3000" u="none" kumimoji="0" normalizeH="0">
+          <a:defRPr kumimoji="0" sz="3000" b="0" i="0" u="none" strike="noStrike" cap="none" spc="0" normalizeH="0" baseline="0">
             <a:ln>
               <a:noFill/>
             </a:ln>
@@ -12954,7 +13699,7 @@
           <a:buFontTx/>
           <a:buNone/>
           <a:tabLst/>
-          <a:defRPr b="0" baseline="0" cap="none" i="0" spc="0" strike="noStrike" sz="1800" u="none" kumimoji="0" normalizeH="0">
+          <a:defRPr kumimoji="0" sz="1800" b="0" i="0" u="none" strike="noStrike" cap="none" spc="0" normalizeH="0" baseline="0">
             <a:ln>
               <a:noFill/>
             </a:ln>
@@ -12980,7 +13725,7 @@
           <a:buFontTx/>
           <a:buNone/>
           <a:tabLst/>
-          <a:defRPr b="0" baseline="0" cap="none" i="0" spc="0" strike="noStrike" sz="1800" u="none" kumimoji="0" normalizeH="0">
+          <a:defRPr kumimoji="0" sz="1800" b="0" i="0" u="none" strike="noStrike" cap="none" spc="0" normalizeH="0" baseline="0">
             <a:ln>
               <a:noFill/>
             </a:ln>
@@ -13006,7 +13751,7 @@
           <a:buFontTx/>
           <a:buNone/>
           <a:tabLst/>
-          <a:defRPr b="0" baseline="0" cap="none" i="0" spc="0" strike="noStrike" sz="1800" u="none" kumimoji="0" normalizeH="0">
+          <a:defRPr kumimoji="0" sz="1800" b="0" i="0" u="none" strike="noStrike" cap="none" spc="0" normalizeH="0" baseline="0">
             <a:ln>
               <a:noFill/>
             </a:ln>
@@ -13032,7 +13777,7 @@
           <a:buFontTx/>
           <a:buNone/>
           <a:tabLst/>
-          <a:defRPr b="0" baseline="0" cap="none" i="0" spc="0" strike="noStrike" sz="1800" u="none" kumimoji="0" normalizeH="0">
+          <a:defRPr kumimoji="0" sz="1800" b="0" i="0" u="none" strike="noStrike" cap="none" spc="0" normalizeH="0" baseline="0">
             <a:ln>
               <a:noFill/>
             </a:ln>
@@ -13058,7 +13803,7 @@
           <a:buFontTx/>
           <a:buNone/>
           <a:tabLst/>
-          <a:defRPr b="0" baseline="0" cap="none" i="0" spc="0" strike="noStrike" sz="1800" u="none" kumimoji="0" normalizeH="0">
+          <a:defRPr kumimoji="0" sz="1800" b="0" i="0" u="none" strike="noStrike" cap="none" spc="0" normalizeH="0" baseline="0">
             <a:ln>
               <a:noFill/>
             </a:ln>
@@ -13084,7 +13829,7 @@
           <a:buFontTx/>
           <a:buNone/>
           <a:tabLst/>
-          <a:defRPr b="0" baseline="0" cap="none" i="0" spc="0" strike="noStrike" sz="1800" u="none" kumimoji="0" normalizeH="0">
+          <a:defRPr kumimoji="0" sz="1800" b="0" i="0" u="none" strike="noStrike" cap="none" spc="0" normalizeH="0" baseline="0">
             <a:ln>
               <a:noFill/>
             </a:ln>
@@ -13110,7 +13855,7 @@
           <a:buFontTx/>
           <a:buNone/>
           <a:tabLst/>
-          <a:defRPr b="0" baseline="0" cap="none" i="0" spc="0" strike="noStrike" sz="1800" u="none" kumimoji="0" normalizeH="0">
+          <a:defRPr kumimoji="0" sz="1800" b="0" i="0" u="none" strike="noStrike" cap="none" spc="0" normalizeH="0" baseline="0">
             <a:ln>
               <a:noFill/>
             </a:ln>
@@ -13136,7 +13881,7 @@
           <a:buFontTx/>
           <a:buNone/>
           <a:tabLst/>
-          <a:defRPr b="0" baseline="0" cap="none" i="0" spc="0" strike="noStrike" sz="1800" u="none" kumimoji="0" normalizeH="0">
+          <a:defRPr kumimoji="0" sz="1800" b="0" i="0" u="none" strike="noStrike" cap="none" spc="0" normalizeH="0" baseline="0">
             <a:ln>
               <a:noFill/>
             </a:ln>
@@ -13162,7 +13907,7 @@
           <a:buFontTx/>
           <a:buNone/>
           <a:tabLst/>
-          <a:defRPr b="0" baseline="0" cap="none" i="0" spc="0" strike="noStrike" sz="1800" u="none" kumimoji="0" normalizeH="0">
+          <a:defRPr kumimoji="0" sz="1800" b="0" i="0" u="none" strike="noStrike" cap="none" spc="0" normalizeH="0" baseline="0">
             <a:ln>
               <a:noFill/>
             </a:ln>
@@ -13175,9 +13920,15 @@
         </a:lvl9pPr>
       </a:lstStyle>
       <a:style>
-        <a:lnRef idx="0"/>
-        <a:fillRef idx="0"/>
-        <a:effectRef idx="0"/>
+        <a:lnRef idx="0">
+          <a:scrgbClr r="0" g="0" b="0"/>
+        </a:lnRef>
+        <a:fillRef idx="0">
+          <a:scrgbClr r="0" g="0" b="0"/>
+        </a:fillRef>
+        <a:effectRef idx="0">
+          <a:scrgbClr r="0" g="0" b="0"/>
+        </a:effectRef>
         <a:fontRef idx="none"/>
       </a:style>
     </a:spDef>
@@ -13194,7 +13945,7 @@
         <a:effectLst/>
         <a:sp3d/>
       </a:spPr>
-      <a:bodyPr rot="0" spcFirstLastPara="1" vertOverflow="overflow" horzOverflow="overflow" vert="horz" wrap="square" lIns="91439" tIns="45719" rIns="91439" bIns="45719" numCol="1" spcCol="38100" rtlCol="0" anchor="t" upright="0">
+      <a:bodyPr rot="0" spcFirstLastPara="1" vertOverflow="overflow" horzOverflow="overflow" vert="horz" wrap="square" lIns="91439" tIns="45719" rIns="91439" bIns="45719" numCol="1" spcCol="38100" rtlCol="0" anchor="t">
         <a:noAutofit/>
       </a:bodyPr>
       <a:lstStyle>
@@ -13213,7 +13964,7 @@
           <a:buFontTx/>
           <a:buNone/>
           <a:tabLst/>
-          <a:defRPr b="0" baseline="0" cap="none" i="0" spc="0" strike="noStrike" sz="1800" u="none" kumimoji="0" normalizeH="0">
+          <a:defRPr kumimoji="0" sz="1800" b="0" i="0" u="none" strike="noStrike" cap="none" spc="0" normalizeH="0" baseline="0">
             <a:ln>
               <a:noFill/>
             </a:ln>
@@ -13239,7 +13990,7 @@
           <a:buFontTx/>
           <a:buNone/>
           <a:tabLst/>
-          <a:defRPr b="0" baseline="0" cap="none" i="0" spc="0" strike="noStrike" sz="1800" u="none" kumimoji="0" normalizeH="0">
+          <a:defRPr kumimoji="0" sz="1800" b="0" i="0" u="none" strike="noStrike" cap="none" spc="0" normalizeH="0" baseline="0">
             <a:ln>
               <a:noFill/>
             </a:ln>
@@ -13265,7 +14016,7 @@
           <a:buFontTx/>
           <a:buNone/>
           <a:tabLst/>
-          <a:defRPr b="0" baseline="0" cap="none" i="0" spc="0" strike="noStrike" sz="1800" u="none" kumimoji="0" normalizeH="0">
+          <a:defRPr kumimoji="0" sz="1800" b="0" i="0" u="none" strike="noStrike" cap="none" spc="0" normalizeH="0" baseline="0">
             <a:ln>
               <a:noFill/>
             </a:ln>
@@ -13291,7 +14042,7 @@
           <a:buFontTx/>
           <a:buNone/>
           <a:tabLst/>
-          <a:defRPr b="0" baseline="0" cap="none" i="0" spc="0" strike="noStrike" sz="1800" u="none" kumimoji="0" normalizeH="0">
+          <a:defRPr kumimoji="0" sz="1800" b="0" i="0" u="none" strike="noStrike" cap="none" spc="0" normalizeH="0" baseline="0">
             <a:ln>
               <a:noFill/>
             </a:ln>
@@ -13317,7 +14068,7 @@
           <a:buFontTx/>
           <a:buNone/>
           <a:tabLst/>
-          <a:defRPr b="0" baseline="0" cap="none" i="0" spc="0" strike="noStrike" sz="1800" u="none" kumimoji="0" normalizeH="0">
+          <a:defRPr kumimoji="0" sz="1800" b="0" i="0" u="none" strike="noStrike" cap="none" spc="0" normalizeH="0" baseline="0">
             <a:ln>
               <a:noFill/>
             </a:ln>
@@ -13343,7 +14094,7 @@
           <a:buFontTx/>
           <a:buNone/>
           <a:tabLst/>
-          <a:defRPr b="0" baseline="0" cap="none" i="0" spc="0" strike="noStrike" sz="1800" u="none" kumimoji="0" normalizeH="0">
+          <a:defRPr kumimoji="0" sz="1800" b="0" i="0" u="none" strike="noStrike" cap="none" spc="0" normalizeH="0" baseline="0">
             <a:ln>
               <a:noFill/>
             </a:ln>
@@ -13369,7 +14120,7 @@
           <a:buFontTx/>
           <a:buNone/>
           <a:tabLst/>
-          <a:defRPr b="0" baseline="0" cap="none" i="0" spc="0" strike="noStrike" sz="1800" u="none" kumimoji="0" normalizeH="0">
+          <a:defRPr kumimoji="0" sz="1800" b="0" i="0" u="none" strike="noStrike" cap="none" spc="0" normalizeH="0" baseline="0">
             <a:ln>
               <a:noFill/>
             </a:ln>
@@ -13395,7 +14146,7 @@
           <a:buFontTx/>
           <a:buNone/>
           <a:tabLst/>
-          <a:defRPr b="0" baseline="0" cap="none" i="0" spc="0" strike="noStrike" sz="1800" u="none" kumimoji="0" normalizeH="0">
+          <a:defRPr kumimoji="0" sz="1800" b="0" i="0" u="none" strike="noStrike" cap="none" spc="0" normalizeH="0" baseline="0">
             <a:ln>
               <a:noFill/>
             </a:ln>
@@ -13421,7 +14172,7 @@
           <a:buFontTx/>
           <a:buNone/>
           <a:tabLst/>
-          <a:defRPr b="0" baseline="0" cap="none" i="0" spc="0" strike="noStrike" sz="1800" u="none" kumimoji="0" normalizeH="0">
+          <a:defRPr kumimoji="0" sz="1800" b="0" i="0" u="none" strike="noStrike" cap="none" spc="0" normalizeH="0" baseline="0">
             <a:ln>
               <a:noFill/>
             </a:ln>
@@ -13447,7 +14198,7 @@
           <a:buFontTx/>
           <a:buNone/>
           <a:tabLst/>
-          <a:defRPr b="0" baseline="0" cap="none" i="0" spc="0" strike="noStrike" sz="1800" u="none" kumimoji="0" normalizeH="0">
+          <a:defRPr kumimoji="0" sz="1800" b="0" i="0" u="none" strike="noStrike" cap="none" spc="0" normalizeH="0" baseline="0">
             <a:ln>
               <a:noFill/>
             </a:ln>
@@ -13460,9 +14211,15 @@
         </a:lvl9pPr>
       </a:lstStyle>
       <a:style>
-        <a:lnRef idx="0"/>
-        <a:fillRef idx="0"/>
-        <a:effectRef idx="0"/>
+        <a:lnRef idx="0">
+          <a:scrgbClr r="0" g="0" b="0"/>
+        </a:lnRef>
+        <a:fillRef idx="0">
+          <a:scrgbClr r="0" g="0" b="0"/>
+        </a:fillRef>
+        <a:effectRef idx="0">
+          <a:scrgbClr r="0" g="0" b="0"/>
+        </a:effectRef>
         <a:fontRef idx="none"/>
       </a:style>
     </a:lnDef>
@@ -13476,7 +14233,7 @@
         <a:effectLst/>
         <a:sp3d/>
       </a:spPr>
-      <a:bodyPr rot="0" spcFirstLastPara="1" vertOverflow="overflow" horzOverflow="overflow" vert="horz" wrap="square" lIns="71437" tIns="71437" rIns="71437" bIns="71437" numCol="1" spcCol="38100" rtlCol="0" anchor="ctr" upright="0">
+      <a:bodyPr rot="0" spcFirstLastPara="1" vertOverflow="overflow" horzOverflow="overflow" vert="horz" wrap="square" lIns="71437" tIns="71437" rIns="71437" bIns="71437" numCol="1" spcCol="38100" rtlCol="0" anchor="ctr">
         <a:spAutoFit/>
       </a:bodyPr>
       <a:lstStyle>
@@ -13495,7 +14252,7 @@
           <a:buFontTx/>
           <a:buNone/>
           <a:tabLst/>
-          <a:defRPr b="1" baseline="0" cap="none" i="0" spc="0" strike="noStrike" sz="3200" u="none" kumimoji="0" normalizeH="0">
+          <a:defRPr kumimoji="0" sz="3200" b="1" i="0" u="none" strike="noStrike" cap="none" spc="0" normalizeH="0" baseline="0">
             <a:ln>
               <a:noFill/>
             </a:ln>
@@ -13525,7 +14282,7 @@
           <a:buFontTx/>
           <a:buNone/>
           <a:tabLst/>
-          <a:defRPr b="0" baseline="0" cap="none" i="0" spc="0" strike="noStrike" sz="1800" u="none" kumimoji="0" normalizeH="0">
+          <a:defRPr kumimoji="0" sz="1800" b="0" i="0" u="none" strike="noStrike" cap="none" spc="0" normalizeH="0" baseline="0">
             <a:ln>
               <a:noFill/>
             </a:ln>
@@ -13551,7 +14308,7 @@
           <a:buFontTx/>
           <a:buNone/>
           <a:tabLst/>
-          <a:defRPr b="0" baseline="0" cap="none" i="0" spc="0" strike="noStrike" sz="1800" u="none" kumimoji="0" normalizeH="0">
+          <a:defRPr kumimoji="0" sz="1800" b="0" i="0" u="none" strike="noStrike" cap="none" spc="0" normalizeH="0" baseline="0">
             <a:ln>
               <a:noFill/>
             </a:ln>
@@ -13577,7 +14334,7 @@
           <a:buFontTx/>
           <a:buNone/>
           <a:tabLst/>
-          <a:defRPr b="0" baseline="0" cap="none" i="0" spc="0" strike="noStrike" sz="1800" u="none" kumimoji="0" normalizeH="0">
+          <a:defRPr kumimoji="0" sz="1800" b="0" i="0" u="none" strike="noStrike" cap="none" spc="0" normalizeH="0" baseline="0">
             <a:ln>
               <a:noFill/>
             </a:ln>
@@ -13603,7 +14360,7 @@
           <a:buFontTx/>
           <a:buNone/>
           <a:tabLst/>
-          <a:defRPr b="0" baseline="0" cap="none" i="0" spc="0" strike="noStrike" sz="1800" u="none" kumimoji="0" normalizeH="0">
+          <a:defRPr kumimoji="0" sz="1800" b="0" i="0" u="none" strike="noStrike" cap="none" spc="0" normalizeH="0" baseline="0">
             <a:ln>
               <a:noFill/>
             </a:ln>
@@ -13629,7 +14386,7 @@
           <a:buFontTx/>
           <a:buNone/>
           <a:tabLst/>
-          <a:defRPr b="0" baseline="0" cap="none" i="0" spc="0" strike="noStrike" sz="1800" u="none" kumimoji="0" normalizeH="0">
+          <a:defRPr kumimoji="0" sz="1800" b="0" i="0" u="none" strike="noStrike" cap="none" spc="0" normalizeH="0" baseline="0">
             <a:ln>
               <a:noFill/>
             </a:ln>
@@ -13655,7 +14412,7 @@
           <a:buFontTx/>
           <a:buNone/>
           <a:tabLst/>
-          <a:defRPr b="0" baseline="0" cap="none" i="0" spc="0" strike="noStrike" sz="1800" u="none" kumimoji="0" normalizeH="0">
+          <a:defRPr kumimoji="0" sz="1800" b="0" i="0" u="none" strike="noStrike" cap="none" spc="0" normalizeH="0" baseline="0">
             <a:ln>
               <a:noFill/>
             </a:ln>
@@ -13681,7 +14438,7 @@
           <a:buFontTx/>
           <a:buNone/>
           <a:tabLst/>
-          <a:defRPr b="0" baseline="0" cap="none" i="0" spc="0" strike="noStrike" sz="1800" u="none" kumimoji="0" normalizeH="0">
+          <a:defRPr kumimoji="0" sz="1800" b="0" i="0" u="none" strike="noStrike" cap="none" spc="0" normalizeH="0" baseline="0">
             <a:ln>
               <a:noFill/>
             </a:ln>
@@ -13707,7 +14464,7 @@
           <a:buFontTx/>
           <a:buNone/>
           <a:tabLst/>
-          <a:defRPr b="0" baseline="0" cap="none" i="0" spc="0" strike="noStrike" sz="1800" u="none" kumimoji="0" normalizeH="0">
+          <a:defRPr kumimoji="0" sz="1800" b="0" i="0" u="none" strike="noStrike" cap="none" spc="0" normalizeH="0" baseline="0">
             <a:ln>
               <a:noFill/>
             </a:ln>
@@ -13733,7 +14490,7 @@
           <a:buFontTx/>
           <a:buNone/>
           <a:tabLst/>
-          <a:defRPr b="0" baseline="0" cap="none" i="0" spc="0" strike="noStrike" sz="1800" u="none" kumimoji="0" normalizeH="0">
+          <a:defRPr kumimoji="0" sz="1800" b="0" i="0" u="none" strike="noStrike" cap="none" spc="0" normalizeH="0" baseline="0">
             <a:ln>
               <a:noFill/>
             </a:ln>
@@ -13746,12 +14503,19 @@
         </a:lvl9pPr>
       </a:lstStyle>
       <a:style>
-        <a:lnRef idx="0"/>
-        <a:fillRef idx="0"/>
-        <a:effectRef idx="0"/>
+        <a:lnRef idx="0">
+          <a:scrgbClr r="0" g="0" b="0"/>
+        </a:lnRef>
+        <a:fillRef idx="0">
+          <a:scrgbClr r="0" g="0" b="0"/>
+        </a:fillRef>
+        <a:effectRef idx="0">
+          <a:scrgbClr r="0" g="0" b="0"/>
+        </a:effectRef>
         <a:fontRef idx="none"/>
       </a:style>
     </a:txDef>
   </a:objectDefaults>
+  <a:extraClrSchemeLst/>
 </a:theme>
 </file>